--- a/project1/presentation/TEAMSUPERAWESOMECOOLKIDS.pptx
+++ b/project1/presentation/TEAMSUPERAWESOMECOOLKIDS.pptx
@@ -31,6 +31,7 @@
     <p:sldId id="275" r:id="rId26"/>
     <p:sldId id="276" r:id="rId27"/>
     <p:sldId id="277" r:id="rId28"/>
+    <p:sldId id="278" r:id="rId29"/>
   </p:sldIdLst>
   <p:sldSz cy="6858000" cx="9144000"/>
   <p:notesSz cy="9144000" cx="6858000"/>
@@ -585,7 +586,7 @@
   <p:cSld>
     <p:spTree>
       <p:nvGrpSpPr>
-        <p:cNvPr name="Shape 202" id="202"/>
+        <p:cNvPr name="Shape 201" id="201"/>
         <p:cNvGrpSpPr/>
         <p:nvPr/>
       </p:nvGrpSpPr>
@@ -599,7 +600,7 @@
       </p:grpSpPr>
       <p:sp>
         <p:nvSpPr>
-          <p:cNvPr name="Shape 203" id="203"/>
+          <p:cNvPr name="Shape 202" id="202"/>
           <p:cNvSpPr/>
           <p:nvPr>
             <p:ph type="body" idx="1"/>
@@ -628,7 +629,7 @@
       </p:sp>
       <p:sp>
         <p:nvSpPr>
-          <p:cNvPr name="Shape 204" id="204"/>
+          <p:cNvPr name="Shape 203" id="203"/>
           <p:cNvSpPr/>
           <p:nvPr>
             <p:ph type="sldImg" idx="2"/>
@@ -1271,7 +1272,7 @@
   <p:cSld>
     <p:spTree>
       <p:nvGrpSpPr>
-        <p:cNvPr name="Shape 245" id="245"/>
+        <p:cNvPr name="Shape 244" id="244"/>
         <p:cNvGrpSpPr/>
         <p:nvPr/>
       </p:nvGrpSpPr>
@@ -1285,7 +1286,7 @@
       </p:grpSpPr>
       <p:sp>
         <p:nvSpPr>
-          <p:cNvPr name="Shape 246" id="246"/>
+          <p:cNvPr name="Shape 245" id="245"/>
           <p:cNvSpPr/>
           <p:nvPr>
             <p:ph type="body" idx="1"/>
@@ -1314,7 +1315,7 @@
       </p:sp>
       <p:sp>
         <p:nvSpPr>
-          <p:cNvPr name="Shape 247" id="247"/>
+          <p:cNvPr name="Shape 246" id="246"/>
           <p:cNvSpPr/>
           <p:nvPr>
             <p:ph type="sldImg" idx="2"/>
@@ -1778,6 +1779,104 @@
           <p:cNvPr name="Shape 270" id="270"/>
           <p:cNvSpPr/>
           <p:nvPr>
+            <p:ph type="body" idx="1"/>
+          </p:nvPr>
+        </p:nvSpPr>
+        <p:spPr>
+          <a:xfrm>
+            <a:off y="4343400" x="685800"/>
+            <a:ext cy="4114800" cx="5486399"/>
+          </a:xfrm>
+          <a:prstGeom prst="rect">
+            <a:avLst/>
+          </a:prstGeom>
+          <a:noFill/>
+          <a:ln>
+            <a:noFill/>
+          </a:ln>
+        </p:spPr>
+        <p:txBody>
+          <a:bodyPr bIns="91425" tIns="91425" lIns="91425" anchor="ctr" anchorCtr="0" rIns="91425">
+            <a:spAutoFit/>
+          </a:bodyPr>
+          <a:lstStyle/>
+          <a:p/>
+        </p:txBody>
+      </p:sp>
+      <p:sp>
+        <p:nvSpPr>
+          <p:cNvPr name="Shape 271" id="271"/>
+          <p:cNvSpPr/>
+          <p:nvPr>
+            <p:ph type="sldImg" idx="2"/>
+          </p:nvPr>
+        </p:nvSpPr>
+        <p:spPr>
+          <a:xfrm>
+            <a:off y="685800" x="1143225"/>
+            <a:ext cy="3429000" cx="4572225"/>
+          </a:xfrm>
+          <a:custGeom>
+            <a:pathLst>
+              <a:path extrusionOk="0" h="120000" w="120000">
+                <a:moveTo>
+                  <a:pt y="0" x="0"/>
+                </a:moveTo>
+                <a:lnTo>
+                  <a:pt y="0" x="120000"/>
+                </a:lnTo>
+                <a:lnTo>
+                  <a:pt y="120000" x="120000"/>
+                </a:lnTo>
+                <a:lnTo>
+                  <a:pt y="120000" x="0"/>
+                </a:lnTo>
+                <a:close/>
+              </a:path>
+            </a:pathLst>
+          </a:custGeom>
+          <a:noFill/>
+          <a:ln w="9525" cap="flat">
+            <a:solidFill>
+              <a:srgbClr val="000000"/>
+            </a:solidFill>
+            <a:prstDash val="solid"/>
+            <a:round/>
+            <a:headEnd len="sm" type="none" w="sm"/>
+            <a:tailEnd len="sm" type="none" w="sm"/>
+          </a:ln>
+        </p:spPr>
+      </p:sp>
+    </p:spTree>
+  </p:cSld>
+  <p:clrMapOvr>
+    <a:masterClrMapping/>
+  </p:clrMapOvr>
+</p:notes>
+</file>
+
+<file path=ppt/notesSlides/notesSlide23.xml><?xml version="1.0" encoding="utf-8"?>
+<p:notes xmlns:a="http://schemas.openxmlformats.org/drawingml/2006/main" xmlns:r="http://schemas.openxmlformats.org/officeDocument/2006/relationships" xmlns:mc="http://schemas.openxmlformats.org/markup-compatibility/2006" xmlns:mv="urn:schemas-microsoft-com:mac:vml" xmlns:p="http://schemas.openxmlformats.org/presentationml/2006/main" xmlns:c="http://schemas.openxmlformats.org/drawingml/2006/chart" xmlns:dgm="http://schemas.openxmlformats.org/drawingml/2006/diagram" xmlns:o="urn:schemas-microsoft-com:office:office" xmlns:v="urn:schemas-microsoft-com:vml" xmlns:pvml="urn:schemas-microsoft-com:office:powerpoint" xmlns:com="http://schemas.openxmlformats.org/drawingml/2006/compatibility" xmlns:p14="http://schemas.microsoft.com/office/powerpoint/2010/main" showMasterSp="0" showMasterPhAnim="0">
+  <p:cSld>
+    <p:spTree>
+      <p:nvGrpSpPr>
+        <p:cNvPr name="Shape 275" id="275"/>
+        <p:cNvGrpSpPr/>
+        <p:nvPr/>
+      </p:nvGrpSpPr>
+      <p:grpSpPr>
+        <a:xfrm>
+          <a:off y="0" x="0"/>
+          <a:ext cy="0" cx="0"/>
+          <a:chOff y="0" x="0"/>
+          <a:chExt cy="0" cx="0"/>
+        </a:xfrm>
+      </p:grpSpPr>
+      <p:sp>
+        <p:nvSpPr>
+          <p:cNvPr name="Shape 276" id="276"/>
+          <p:cNvSpPr/>
+          <p:nvPr>
             <p:ph type="sldImg" idx="2"/>
           </p:nvPr>
         </p:nvSpPr>
@@ -1819,7 +1918,7 @@
       </p:sp>
       <p:sp>
         <p:nvSpPr>
-          <p:cNvPr name="Shape 271" id="271"/>
+          <p:cNvPr name="Shape 277" id="277"/>
           <p:cNvSpPr/>
           <p:nvPr>
             <p:ph type="body" idx="1"/>
@@ -1876,6 +1975,50 @@
           <p:cNvPr name="Shape 153" id="153"/>
           <p:cNvSpPr/>
           <p:nvPr>
+            <p:ph type="sldImg" idx="2"/>
+          </p:nvPr>
+        </p:nvSpPr>
+        <p:spPr>
+          <a:xfrm>
+            <a:off y="685800" x="1143225"/>
+            <a:ext cy="3429000" cx="4572299"/>
+          </a:xfrm>
+          <a:custGeom>
+            <a:pathLst>
+              <a:path extrusionOk="0" h="120000" w="120000">
+                <a:moveTo>
+                  <a:pt y="0" x="0"/>
+                </a:moveTo>
+                <a:lnTo>
+                  <a:pt y="0" x="120000"/>
+                </a:lnTo>
+                <a:lnTo>
+                  <a:pt y="120000" x="120000"/>
+                </a:lnTo>
+                <a:lnTo>
+                  <a:pt y="120000" x="0"/>
+                </a:lnTo>
+                <a:close/>
+              </a:path>
+            </a:pathLst>
+          </a:custGeom>
+          <a:noFill/>
+          <a:ln w="9525" cap="flat">
+            <a:solidFill>
+              <a:srgbClr val="000000"/>
+            </a:solidFill>
+            <a:prstDash val="solid"/>
+            <a:round/>
+            <a:headEnd len="sm" type="none" w="sm"/>
+            <a:tailEnd len="sm" type="none" w="sm"/>
+          </a:ln>
+        </p:spPr>
+      </p:sp>
+      <p:sp>
+        <p:nvSpPr>
+          <p:cNvPr name="Shape 154" id="154"/>
+          <p:cNvSpPr/>
+          <p:nvPr>
             <p:ph type="body" idx="1"/>
           </p:nvPr>
         </p:nvSpPr>
@@ -1893,56 +2036,12 @@
           </a:ln>
         </p:spPr>
         <p:txBody>
-          <a:bodyPr bIns="91425" tIns="91425" lIns="91425" anchor="ctr" anchorCtr="0" rIns="91425">
+          <a:bodyPr bIns="91425" tIns="91425" lIns="91425" anchor="t" anchorCtr="0" rIns="91425">
             <a:spAutoFit/>
           </a:bodyPr>
           <a:lstStyle/>
           <a:p/>
         </p:txBody>
-      </p:sp>
-      <p:sp>
-        <p:nvSpPr>
-          <p:cNvPr name="Shape 154" id="154"/>
-          <p:cNvSpPr/>
-          <p:nvPr>
-            <p:ph type="sldImg" idx="2"/>
-          </p:nvPr>
-        </p:nvSpPr>
-        <p:spPr>
-          <a:xfrm>
-            <a:off y="685800" x="1143225"/>
-            <a:ext cy="3429000" cx="4572225"/>
-          </a:xfrm>
-          <a:custGeom>
-            <a:pathLst>
-              <a:path extrusionOk="0" h="120000" w="120000">
-                <a:moveTo>
-                  <a:pt y="0" x="0"/>
-                </a:moveTo>
-                <a:lnTo>
-                  <a:pt y="0" x="120000"/>
-                </a:lnTo>
-                <a:lnTo>
-                  <a:pt y="120000" x="120000"/>
-                </a:lnTo>
-                <a:lnTo>
-                  <a:pt y="120000" x="0"/>
-                </a:lnTo>
-                <a:close/>
-              </a:path>
-            </a:pathLst>
-          </a:custGeom>
-          <a:noFill/>
-          <a:ln w="9525" cap="flat">
-            <a:solidFill>
-              <a:srgbClr val="000000"/>
-            </a:solidFill>
-            <a:prstDash val="solid"/>
-            <a:round/>
-            <a:headEnd len="sm" type="none" w="sm"/>
-            <a:tailEnd len="sm" type="none" w="sm"/>
-          </a:ln>
-        </p:spPr>
       </p:sp>
     </p:spTree>
   </p:cSld>
@@ -2349,7 +2448,7 @@
   <p:cSld>
     <p:spTree>
       <p:nvGrpSpPr>
-        <p:cNvPr name="Shape 183" id="183"/>
+        <p:cNvPr name="Shape 182" id="182"/>
         <p:cNvGrpSpPr/>
         <p:nvPr/>
       </p:nvGrpSpPr>
@@ -2363,7 +2462,7 @@
       </p:grpSpPr>
       <p:sp>
         <p:nvSpPr>
-          <p:cNvPr name="Shape 184" id="184"/>
+          <p:cNvPr name="Shape 183" id="183"/>
           <p:cNvSpPr/>
           <p:nvPr>
             <p:ph type="body" idx="1"/>
@@ -2392,7 +2491,7 @@
       </p:sp>
       <p:sp>
         <p:nvSpPr>
-          <p:cNvPr name="Shape 185" id="185"/>
+          <p:cNvPr name="Shape 184" id="184"/>
           <p:cNvSpPr/>
           <p:nvPr>
             <p:ph type="sldImg" idx="2"/>
@@ -16012,7 +16111,7 @@
                 <a:cs panose="" typeface="Arial"/>
                 <a:sym panose="" typeface="Arial"/>
               </a:rPr>
-              <a:t>FIR Filter Implementation</a:t>
+              <a:t>Filtering Process</a:t>
             </a:r>
           </a:p>
         </p:txBody>
@@ -16027,8 +16126,8 @@
         </p:nvSpPr>
         <p:spPr>
           <a:xfrm>
-            <a:off y="1600200" x="457200"/>
-            <a:ext cy="4525963" cx="8229600"/>
+            <a:off y="1542900" x="533625"/>
+            <a:ext cy="4869899" cx="8229600"/>
           </a:xfrm>
           <a:prstGeom prst="rect">
             <a:avLst/>
@@ -16044,66 +16143,149 @@
           </a:bodyPr>
           <a:lstStyle/>
           <a:p>
-            <a:pPr indent="0" marR="0" algn="l" marL="0" rtl="0" lvl="0">
-              <a:lnSpc>
-                <a:spcPct val="100.00%"/>
-              </a:lnSpc>
+            <a:pPr marR="0" algn="l" rtl="0" lvl="0">
               <a:spcBef>
                 <a:spcPts val="640"/>
               </a:spcBef>
-              <a:spcAft>
-                <a:spcPts val="0"/>
-              </a:spcAft>
               <a:buClr>
                 <a:schemeClr val="dk1"/>
               </a:buClr>
-              <a:buSzPct val="79166"/>
+              <a:buSzPct val="63333"/>
               <a:buFont typeface="Arial"/>
             </a:pPr>
             <a:r>
-              <a:rPr i="0" baseline="0" strike="noStrike" sz="2400" b="0" cap="none" u="none">
-                <a:solidFill>
-                  <a:srgbClr val="FFFFFF"/>
-                </a:solidFill>
-                <a:latin panose="" typeface="Arial"/>
-                <a:ea panose="" typeface="Arial"/>
-                <a:cs panose="" typeface="Arial"/>
-                <a:sym panose="" typeface="Arial"/>
-              </a:rPr>
-              <a:t>Code provided on class website was used for filter method of FIRFilter class</a:t>
-            </a:r>
-          </a:p>
-          <a:p>
-            <a:r>
-              <a:t/>
-            </a:r>
-          </a:p>
-          <a:p>
-            <a:pPr marR="0" algn="l" rtl="0" lvl="0">
-              <a:spcBef>
-                <a:spcPts val="640"/>
+              <a:rPr i="0" baseline="0" strike="noStrike" sz="2950" b="0" cap="none" u="none">
+                <a:latin panose="" typeface="Arial"/>
+                <a:ea panose="" typeface="Arial"/>
+                <a:cs panose="" typeface="Arial"/>
+                <a:sym panose="" typeface="Arial"/>
+              </a:rPr>
+              <a:t>A separate FIR filter exists for the following sensor values:</a:t>
+            </a:r>
+          </a:p>
+          <a:p>
+            <a:pPr indent="-330200" marR="0" algn="l" marL="800100" rtl="0" lvl="0">
+              <a:spcBef>
+                <a:spcPts val="560"/>
               </a:spcBef>
               <a:buClr>
                 <a:schemeClr val="dk1"/>
               </a:buClr>
-              <a:buSzPct val="79166"/>
+              <a:buSzPct val="108974"/>
+              <a:buFont typeface="Arial"/>
+              <a:buChar char="•"/>
+            </a:pPr>
+            <a:r>
+              <a:rPr i="0" baseline="0" strike="noStrike" sz="2600" b="0" cap="none" u="none">
+                <a:solidFill>
+                  <a:srgbClr val="FFFFFF"/>
+                </a:solidFill>
+                <a:latin panose="" typeface="Arial"/>
+                <a:ea panose="" typeface="Arial"/>
+                <a:cs panose="" typeface="Arial"/>
+                <a:sym panose="" typeface="Arial"/>
+              </a:rPr>
+              <a:t>NS x</a:t>
+            </a:r>
+          </a:p>
+          <a:p>
+            <a:pPr indent="-330200" marR="0" algn="l" marL="800100" rtl="0" lvl="0">
+              <a:spcBef>
+                <a:spcPts val="560"/>
+              </a:spcBef>
+              <a:buClr>
+                <a:schemeClr val="dk1"/>
+              </a:buClr>
+              <a:buSzPct val="108974"/>
+              <a:buFont typeface="Arial"/>
+              <a:buChar char="•"/>
+            </a:pPr>
+            <a:r>
+              <a:rPr i="0" baseline="0" strike="noStrike" sz="2600" b="0" cap="none" u="none">
+                <a:solidFill>
+                  <a:srgbClr val="FFFFFF"/>
+                </a:solidFill>
+                <a:latin panose="" typeface="Arial"/>
+                <a:ea panose="" typeface="Arial"/>
+                <a:cs panose="" typeface="Arial"/>
+                <a:sym panose="" typeface="Arial"/>
+              </a:rPr>
+              <a:t>NS y</a:t>
+            </a:r>
+          </a:p>
+          <a:p>
+            <a:pPr indent="-330200" marR="0" algn="l" marL="800100" rtl="0" lvl="0">
+              <a:spcBef>
+                <a:spcPts val="560"/>
+              </a:spcBef>
+              <a:buClr>
+                <a:schemeClr val="dk1"/>
+              </a:buClr>
+              <a:buSzPct val="108974"/>
+              <a:buFont typeface="Arial"/>
+              <a:buChar char="•"/>
+            </a:pPr>
+            <a:r>
+              <a:rPr i="0" baseline="0" strike="noStrike" sz="2600" b="0" cap="none" u="none">
+                <a:solidFill>
+                  <a:srgbClr val="FFFFFF"/>
+                </a:solidFill>
+                <a:latin panose="" typeface="Arial"/>
+                <a:ea panose="" typeface="Arial"/>
+                <a:cs panose="" typeface="Arial"/>
+                <a:sym panose="" typeface="Arial"/>
+              </a:rPr>
+              <a:t>NS theta</a:t>
+            </a:r>
+          </a:p>
+          <a:p>
+            <a:pPr indent="-330200" marR="0" algn="l" marL="800100" rtl="0" lvl="0">
+              <a:spcBef>
+                <a:spcPts val="560"/>
+              </a:spcBef>
+              <a:buClr>
+                <a:schemeClr val="dk1"/>
+              </a:buClr>
+              <a:buSzPct val="108974"/>
+              <a:buFont typeface="Arial"/>
+              <a:buChar char="•"/>
+            </a:pPr>
+            <a:r>
+              <a:rPr i="0" baseline="0" strike="noStrike" sz="2600" b="0" cap="none" u="none">
+                <a:solidFill>
+                  <a:srgbClr val="FFFFFF"/>
+                </a:solidFill>
+                <a:latin panose="" typeface="Arial"/>
+                <a:ea panose="" typeface="Arial"/>
+                <a:cs panose="" typeface="Arial"/>
+                <a:sym panose="" typeface="Arial"/>
+              </a:rPr>
+              <a:t>WE wheels</a:t>
+            </a:r>
+          </a:p>
+          <a:p>
+            <a:pPr marR="0" algn="l" rtl="0" lvl="0">
+              <a:spcBef>
+                <a:spcPts val="640"/>
+              </a:spcBef>
+              <a:buClr>
+                <a:schemeClr val="dk1"/>
+              </a:buClr>
+              <a:buSzPct val="63333"/>
               <a:buFont typeface="Arial"/>
             </a:pPr>
             <a:r>
-              <a:rPr i="0" baseline="0" strike="noStrike" sz="2400" b="0" cap="none" u="none">
-                <a:solidFill>
-                  <a:srgbClr val="FFFFFF"/>
-                </a:solidFill>
-                <a:latin panose="" typeface="Arial"/>
-                <a:ea panose="" typeface="Arial"/>
-                <a:cs panose="" typeface="Arial"/>
-                <a:sym panose="" typeface="Arial"/>
-              </a:rPr>
-              <a:t>Rather than hard-code number of taps, a file format was devised for filters</a:t>
-            </a:r>
-          </a:p>
-          <a:p>
-            <a:pPr indent="-330200" marR="0" algn="l" marL="800100" rtl="0" lvl="0">
+              <a:rPr i="0" baseline="0" strike="noStrike" sz="2950" b="0" cap="none" u="none">
+                <a:latin panose="" typeface="Arial"/>
+                <a:ea panose="" typeface="Arial"/>
+                <a:cs panose="" typeface="Arial"/>
+                <a:sym panose="" typeface="Arial"/>
+              </a:rPr>
+              <a:t>After research, 7-tap filters were chosen for all sensors except NS theta</a:t>
+            </a:r>
+          </a:p>
+          <a:p>
+            <a:pPr indent="-336550" marR="0" algn="l" marL="457200" rtl="0" lvl="0">
               <a:spcBef>
                 <a:spcPts val="560"/>
               </a:spcBef>
@@ -16124,61 +16306,7 @@
                 <a:cs panose="" typeface="Arial"/>
                 <a:sym panose="" typeface="Arial"/>
               </a:rPr>
-              <a:t>List the coefficients one per line</a:t>
-            </a:r>
-          </a:p>
-          <a:p>
-            <a:pPr indent="-330200" marR="0" algn="l" marL="800100" rtl="0" lvl="0">
-              <a:spcBef>
-                <a:spcPts val="560"/>
-              </a:spcBef>
-              <a:buClr>
-                <a:schemeClr val="dk1"/>
-              </a:buClr>
-              <a:buSzPct val="118055"/>
-              <a:buFont typeface="Arial"/>
-              <a:buChar char="•"/>
-            </a:pPr>
-            <a:r>
-              <a:rPr i="0" baseline="0" strike="noStrike" sz="2400" b="0" cap="none" u="none">
-                <a:solidFill>
-                  <a:srgbClr val="FFFFFF"/>
-                </a:solidFill>
-                <a:latin panose="" typeface="Arial"/>
-                <a:ea panose="" typeface="Arial"/>
-                <a:cs panose="" typeface="Arial"/>
-                <a:sym panose="" typeface="Arial"/>
-              </a:rPr>
-              <a:t>The number of lines is the number of taps</a:t>
-            </a:r>
-          </a:p>
-          <a:p>
-            <a:r>
-              <a:t/>
-            </a:r>
-          </a:p>
-          <a:p>
-            <a:pPr marR="0" algn="l" rtl="0" lvl="0">
-              <a:spcBef>
-                <a:spcPts val="640"/>
-              </a:spcBef>
-              <a:buClr>
-                <a:schemeClr val="dk1"/>
-              </a:buClr>
-              <a:buSzPct val="79166"/>
-              <a:buFont typeface="Arial"/>
-            </a:pPr>
-            <a:r>
-              <a:rPr i="0" baseline="0" strike="noStrike" sz="2400" b="0" cap="none" u="none">
-                <a:solidFill>
-                  <a:srgbClr val="FFFFFF"/>
-                </a:solidFill>
-                <a:latin panose="" typeface="Arial"/>
-                <a:ea panose="" typeface="Arial"/>
-                <a:cs panose="" typeface="Arial"/>
-                <a:sym panose="" typeface="Arial"/>
-              </a:rPr>
-              <a:t>This allowed for quicker changes</a:t>
+              <a:t>Decided that theta was better off unfiltered, so a 1-tap filter with a coefficient of 1 was applied to make this explicit</a:t>
             </a:r>
           </a:p>
         </p:txBody>
@@ -16221,6 +16349,252 @@
         </p:nvSpPr>
         <p:spPr>
           <a:xfrm>
+            <a:off y="274637" x="457200"/>
+            <a:ext cy="1143000" cx="8229600"/>
+          </a:xfrm>
+          <a:prstGeom prst="rect">
+            <a:avLst/>
+          </a:prstGeom>
+          <a:noFill/>
+          <a:ln>
+            <a:noFill/>
+          </a:ln>
+        </p:spPr>
+        <p:txBody>
+          <a:bodyPr bIns="45700" tIns="45700" lIns="91425" anchor="ctr" anchorCtr="0" rIns="91425">
+            <a:spAutoFit/>
+          </a:bodyPr>
+          <a:lstStyle/>
+          <a:p>
+            <a:pPr indent="0" marR="0" algn="ctr" marL="0" rtl="0" lvl="0">
+              <a:spcBef>
+                <a:spcPts val="0"/>
+              </a:spcBef>
+              <a:buClr>
+                <a:schemeClr val="dk1"/>
+              </a:buClr>
+              <a:buSzPct val="25000"/>
+              <a:buFont typeface="Arial"/>
+            </a:pPr>
+            <a:r>
+              <a:rPr i="0" baseline="0" strike="noStrike" sz="4400" b="0" cap="none" u="none">
+                <a:solidFill>
+                  <a:srgbClr val="FF9900"/>
+                </a:solidFill>
+                <a:latin panose="" typeface="Arial"/>
+                <a:ea panose="" typeface="Arial"/>
+                <a:cs panose="" typeface="Arial"/>
+                <a:sym panose="" typeface="Arial"/>
+              </a:rPr>
+              <a:t>FIR Filter Implementation</a:t>
+            </a:r>
+          </a:p>
+        </p:txBody>
+      </p:sp>
+      <p:sp>
+        <p:nvSpPr>
+          <p:cNvPr name="Shape 200" id="200"/>
+          <p:cNvSpPr/>
+          <p:nvPr>
+            <p:ph type="body" idx="1"/>
+          </p:nvPr>
+        </p:nvSpPr>
+        <p:spPr>
+          <a:xfrm>
+            <a:off y="1600200" x="457200"/>
+            <a:ext cy="4525963" cx="8229600"/>
+          </a:xfrm>
+          <a:prstGeom prst="rect">
+            <a:avLst/>
+          </a:prstGeom>
+          <a:noFill/>
+          <a:ln>
+            <a:noFill/>
+          </a:ln>
+        </p:spPr>
+        <p:txBody>
+          <a:bodyPr bIns="45700" tIns="45700" lIns="91425" anchor="t" anchorCtr="0" rIns="91425">
+            <a:spAutoFit/>
+          </a:bodyPr>
+          <a:lstStyle/>
+          <a:p>
+            <a:pPr indent="0" marR="0" algn="l" marL="0" rtl="0" lvl="0">
+              <a:lnSpc>
+                <a:spcPct val="100.00%"/>
+              </a:lnSpc>
+              <a:spcBef>
+                <a:spcPts val="640"/>
+              </a:spcBef>
+              <a:spcAft>
+                <a:spcPts val="0"/>
+              </a:spcAft>
+              <a:buClr>
+                <a:schemeClr val="dk1"/>
+              </a:buClr>
+              <a:buSzPct val="79166"/>
+              <a:buFont typeface="Arial"/>
+            </a:pPr>
+            <a:r>
+              <a:rPr i="0" baseline="0" strike="noStrike" sz="2400" b="0" cap="none" u="none">
+                <a:solidFill>
+                  <a:srgbClr val="FFFFFF"/>
+                </a:solidFill>
+                <a:latin panose="" typeface="Arial"/>
+                <a:ea panose="" typeface="Arial"/>
+                <a:cs panose="" typeface="Arial"/>
+                <a:sym panose="" typeface="Arial"/>
+              </a:rPr>
+              <a:t>Code provided on class website was used for filter method of FIRFilter class</a:t>
+            </a:r>
+          </a:p>
+          <a:p>
+            <a:r>
+              <a:t/>
+            </a:r>
+          </a:p>
+          <a:p>
+            <a:pPr marR="0" algn="l" rtl="0" lvl="0">
+              <a:spcBef>
+                <a:spcPts val="640"/>
+              </a:spcBef>
+              <a:buClr>
+                <a:schemeClr val="dk1"/>
+              </a:buClr>
+              <a:buSzPct val="79166"/>
+              <a:buFont typeface="Arial"/>
+            </a:pPr>
+            <a:r>
+              <a:rPr i="0" baseline="0" strike="noStrike" sz="2400" b="0" cap="none" u="none">
+                <a:solidFill>
+                  <a:srgbClr val="FFFFFF"/>
+                </a:solidFill>
+                <a:latin panose="" typeface="Arial"/>
+                <a:ea panose="" typeface="Arial"/>
+                <a:cs panose="" typeface="Arial"/>
+                <a:sym panose="" typeface="Arial"/>
+              </a:rPr>
+              <a:t>Rather than hard-code number of taps, a file format was devised for filters</a:t>
+            </a:r>
+          </a:p>
+          <a:p>
+            <a:pPr indent="-330200" marR="0" algn="l" marL="800100" rtl="0" lvl="0">
+              <a:spcBef>
+                <a:spcPts val="560"/>
+              </a:spcBef>
+              <a:buClr>
+                <a:schemeClr val="dk1"/>
+              </a:buClr>
+              <a:buSzPct val="118055"/>
+              <a:buFont typeface="Arial"/>
+              <a:buChar char="•"/>
+            </a:pPr>
+            <a:r>
+              <a:rPr i="0" baseline="0" strike="noStrike" sz="2400" b="0" cap="none" u="none">
+                <a:solidFill>
+                  <a:srgbClr val="FFFFFF"/>
+                </a:solidFill>
+                <a:latin panose="" typeface="Arial"/>
+                <a:ea panose="" typeface="Arial"/>
+                <a:cs panose="" typeface="Arial"/>
+                <a:sym panose="" typeface="Arial"/>
+              </a:rPr>
+              <a:t>List the coefficients one per line</a:t>
+            </a:r>
+          </a:p>
+          <a:p>
+            <a:pPr indent="-330200" marR="0" algn="l" marL="800100" rtl="0" lvl="0">
+              <a:spcBef>
+                <a:spcPts val="560"/>
+              </a:spcBef>
+              <a:buClr>
+                <a:schemeClr val="dk1"/>
+              </a:buClr>
+              <a:buSzPct val="118055"/>
+              <a:buFont typeface="Arial"/>
+              <a:buChar char="•"/>
+            </a:pPr>
+            <a:r>
+              <a:rPr i="0" baseline="0" strike="noStrike" sz="2400" b="0" cap="none" u="none">
+                <a:solidFill>
+                  <a:srgbClr val="FFFFFF"/>
+                </a:solidFill>
+                <a:latin panose="" typeface="Arial"/>
+                <a:ea panose="" typeface="Arial"/>
+                <a:cs panose="" typeface="Arial"/>
+                <a:sym panose="" typeface="Arial"/>
+              </a:rPr>
+              <a:t>The number of lines is the number of taps</a:t>
+            </a:r>
+          </a:p>
+          <a:p>
+            <a:r>
+              <a:t/>
+            </a:r>
+          </a:p>
+          <a:p>
+            <a:pPr marR="0" algn="l" rtl="0" lvl="0">
+              <a:spcBef>
+                <a:spcPts val="640"/>
+              </a:spcBef>
+              <a:buClr>
+                <a:schemeClr val="dk1"/>
+              </a:buClr>
+              <a:buSzPct val="79166"/>
+              <a:buFont typeface="Arial"/>
+            </a:pPr>
+            <a:r>
+              <a:rPr i="0" baseline="0" strike="noStrike" sz="2400" b="0" cap="none" u="none">
+                <a:solidFill>
+                  <a:srgbClr val="FFFFFF"/>
+                </a:solidFill>
+                <a:latin panose="" typeface="Arial"/>
+                <a:ea panose="" typeface="Arial"/>
+                <a:cs panose="" typeface="Arial"/>
+                <a:sym panose="" typeface="Arial"/>
+              </a:rPr>
+              <a:t>This allowed for quicker changes</a:t>
+            </a:r>
+          </a:p>
+        </p:txBody>
+      </p:sp>
+    </p:spTree>
+  </p:cSld>
+  <p:clrMapOvr>
+    <a:masterClrMapping/>
+  </p:clrMapOvr>
+  <p:transition spd="slow">
+    <p:cut/>
+  </p:transition>
+</p:sld>
+</file>
+
+<file path=ppt/slides/slide12.xml><?xml version="1.0" encoding="utf-8"?>
+<p:sld xmlns:a="http://schemas.openxmlformats.org/drawingml/2006/main" xmlns:r="http://schemas.openxmlformats.org/officeDocument/2006/relationships" xmlns:mc="http://schemas.openxmlformats.org/markup-compatibility/2006" xmlns:mv="urn:schemas-microsoft-com:mac:vml" xmlns:p="http://schemas.openxmlformats.org/presentationml/2006/main" xmlns:c="http://schemas.openxmlformats.org/drawingml/2006/chart" xmlns:dgm="http://schemas.openxmlformats.org/drawingml/2006/diagram" xmlns:o="urn:schemas-microsoft-com:office:office" xmlns:v="urn:schemas-microsoft-com:vml" xmlns:pvml="urn:schemas-microsoft-com:office:powerpoint" xmlns:com="http://schemas.openxmlformats.org/drawingml/2006/compatibility" xmlns:p14="http://schemas.microsoft.com/office/powerpoint/2010/main">
+  <p:cSld>
+    <p:spTree>
+      <p:nvGrpSpPr>
+        <p:cNvPr name="Shape 204" id="204"/>
+        <p:cNvGrpSpPr/>
+        <p:nvPr/>
+      </p:nvGrpSpPr>
+      <p:grpSpPr>
+        <a:xfrm>
+          <a:off y="0" x="0"/>
+          <a:ext cy="0" cx="0"/>
+          <a:chOff y="0" x="0"/>
+          <a:chExt cy="0" cx="0"/>
+        </a:xfrm>
+      </p:grpSpPr>
+      <p:sp>
+        <p:nvSpPr>
+          <p:cNvPr name="Shape 205" id="205"/>
+          <p:cNvSpPr/>
+          <p:nvPr>
+            <p:ph type="title"/>
+          </p:nvPr>
+        </p:nvSpPr>
+        <p:spPr>
+          <a:xfrm>
             <a:off y="0" x="457200"/>
             <a:ext cy="1143000" cx="8229600"/>
           </a:xfrm>
@@ -16265,7 +16639,7 @@
       </p:sp>
       <p:sp>
         <p:nvSpPr>
-          <p:cNvPr name="Shape 200" id="200"/>
+          <p:cNvPr name="Shape 206" id="206"/>
           <p:cNvSpPr/>
           <p:nvPr>
             <p:ph type="body" idx="1"/>
@@ -16557,7 +16931,7 @@
       </p:sp>
       <p:sp>
         <p:nvSpPr>
-          <p:cNvPr name="Shape 201" id="201"/>
+          <p:cNvPr name="Shape 207" id="207"/>
           <p:cNvSpPr/>
           <p:nvPr/>
         </p:nvSpPr>
@@ -16762,256 +17136,6 @@
           <a:p>
             <a:r>
               <a:t/>
-            </a:r>
-          </a:p>
-        </p:txBody>
-      </p:sp>
-    </p:spTree>
-  </p:cSld>
-  <p:clrMapOvr>
-    <a:masterClrMapping/>
-  </p:clrMapOvr>
-  <p:transition spd="slow">
-    <p:cut/>
-  </p:transition>
-</p:sld>
-</file>
-
-<file path=ppt/slides/slide12.xml><?xml version="1.0" encoding="utf-8"?>
-<p:sld xmlns:a="http://schemas.openxmlformats.org/drawingml/2006/main" xmlns:r="http://schemas.openxmlformats.org/officeDocument/2006/relationships" xmlns:mc="http://schemas.openxmlformats.org/markup-compatibility/2006" xmlns:mv="urn:schemas-microsoft-com:mac:vml" xmlns:p="http://schemas.openxmlformats.org/presentationml/2006/main" xmlns:c="http://schemas.openxmlformats.org/drawingml/2006/chart" xmlns:dgm="http://schemas.openxmlformats.org/drawingml/2006/diagram" xmlns:o="urn:schemas-microsoft-com:office:office" xmlns:v="urn:schemas-microsoft-com:vml" xmlns:pvml="urn:schemas-microsoft-com:office:powerpoint" xmlns:com="http://schemas.openxmlformats.org/drawingml/2006/compatibility" xmlns:p14="http://schemas.microsoft.com/office/powerpoint/2010/main">
-  <p:cSld>
-    <p:spTree>
-      <p:nvGrpSpPr>
-        <p:cNvPr name="Shape 205" id="205"/>
-        <p:cNvGrpSpPr/>
-        <p:nvPr/>
-      </p:nvGrpSpPr>
-      <p:grpSpPr>
-        <a:xfrm>
-          <a:off y="0" x="0"/>
-          <a:ext cy="0" cx="0"/>
-          <a:chOff y="0" x="0"/>
-          <a:chExt cy="0" cx="0"/>
-        </a:xfrm>
-      </p:grpSpPr>
-      <p:sp>
-        <p:nvSpPr>
-          <p:cNvPr name="Shape 206" id="206"/>
-          <p:cNvSpPr/>
-          <p:nvPr>
-            <p:ph type="title"/>
-          </p:nvPr>
-        </p:nvSpPr>
-        <p:spPr>
-          <a:xfrm>
-            <a:off y="274637" x="457200"/>
-            <a:ext cy="1143000" cx="8229600"/>
-          </a:xfrm>
-          <a:prstGeom prst="rect">
-            <a:avLst/>
-          </a:prstGeom>
-          <a:noFill/>
-          <a:ln>
-            <a:noFill/>
-          </a:ln>
-        </p:spPr>
-        <p:txBody>
-          <a:bodyPr bIns="45700" tIns="45700" lIns="91425" anchor="ctr" anchorCtr="0" rIns="91425">
-            <a:spAutoFit/>
-          </a:bodyPr>
-          <a:lstStyle/>
-          <a:p>
-            <a:pPr indent="0" marR="0" algn="ctr" marL="0" rtl="0" lvl="0">
-              <a:spcBef>
-                <a:spcPts val="0"/>
-              </a:spcBef>
-              <a:buClr>
-                <a:schemeClr val="dk1"/>
-              </a:buClr>
-              <a:buSzPct val="25000"/>
-              <a:buFont typeface="Arial"/>
-            </a:pPr>
-            <a:r>
-              <a:rPr i="0" baseline="0" strike="noStrike" sz="4400" b="0" cap="none" u="none">
-                <a:solidFill>
-                  <a:srgbClr val="FF9900"/>
-                </a:solidFill>
-                <a:latin panose="" typeface="Arial"/>
-                <a:ea panose="" typeface="Arial"/>
-                <a:cs panose="" typeface="Arial"/>
-                <a:sym panose="" typeface="Arial"/>
-              </a:rPr>
-              <a:t>Kalman Filter Implementation</a:t>
-            </a:r>
-          </a:p>
-        </p:txBody>
-      </p:sp>
-      <p:sp>
-        <p:nvSpPr>
-          <p:cNvPr name="Shape 207" id="207"/>
-          <p:cNvSpPr/>
-          <p:nvPr>
-            <p:ph type="body" idx="1"/>
-          </p:nvPr>
-        </p:nvSpPr>
-        <p:spPr>
-          <a:xfrm>
-            <a:off y="1600200" x="590925"/>
-            <a:ext cy="4526100" cx="8229600"/>
-          </a:xfrm>
-          <a:prstGeom prst="rect">
-            <a:avLst/>
-          </a:prstGeom>
-          <a:noFill/>
-          <a:ln>
-            <a:noFill/>
-          </a:ln>
-        </p:spPr>
-        <p:txBody>
-          <a:bodyPr bIns="45700" tIns="45700" lIns="91425" anchor="t" anchorCtr="0" rIns="91425">
-            <a:spAutoFit/>
-          </a:bodyPr>
-          <a:lstStyle/>
-          <a:p>
-            <a:pPr marR="0" algn="l" rtl="0" lvl="0">
-              <a:spcBef>
-                <a:spcPts val="640"/>
-              </a:spcBef>
-              <a:buClr>
-                <a:schemeClr val="dk1"/>
-              </a:buClr>
-              <a:buSzPct val="79166"/>
-              <a:buFont typeface="Arial"/>
-            </a:pPr>
-            <a:r>
-              <a:rPr i="0" baseline="0" strike="noStrike" sz="2400" b="0" cap="none" u="none">
-                <a:solidFill>
-                  <a:srgbClr val="FFFFFF"/>
-                </a:solidFill>
-                <a:latin panose="" typeface="Arial"/>
-                <a:ea panose="" typeface="Arial"/>
-                <a:cs panose="" typeface="Arial"/>
-                <a:sym panose="" typeface="Arial"/>
-              </a:rPr>
-              <a:t>Code provided from website was wrapped by a Kalman class</a:t>
-            </a:r>
-          </a:p>
-          <a:p>
-            <a:r>
-              <a:t/>
-            </a:r>
-          </a:p>
-          <a:p>
-            <a:pPr marR="0" algn="l" rtl="0" lvl="0">
-              <a:spcBef>
-                <a:spcPts val="640"/>
-              </a:spcBef>
-              <a:buClr>
-                <a:schemeClr val="dk1"/>
-              </a:buClr>
-              <a:buSzPct val="79166"/>
-              <a:buFont typeface="Arial"/>
-            </a:pPr>
-            <a:r>
-              <a:rPr i="0" baseline="0" strike="noStrike" sz="2400" b="0" cap="none" u="none">
-                <a:solidFill>
-                  <a:srgbClr val="FFFFFF"/>
-                </a:solidFill>
-                <a:latin panose="" typeface="Arial"/>
-                <a:ea panose="" typeface="Arial"/>
-                <a:cs panose="" typeface="Arial"/>
-                <a:sym panose="" typeface="Arial"/>
-              </a:rPr>
-              <a:t>When initialized, a global Pose object is passed in by reference to be stored internally</a:t>
-            </a:r>
-          </a:p>
-          <a:p>
-            <a:r>
-              <a:t/>
-            </a:r>
-          </a:p>
-          <a:p>
-            <a:pPr marR="0" algn="l" rtl="0" lvl="0">
-              <a:spcBef>
-                <a:spcPts val="640"/>
-              </a:spcBef>
-              <a:buClr>
-                <a:schemeClr val="dk1"/>
-              </a:buClr>
-              <a:buSzPct val="79166"/>
-              <a:buFont typeface="Arial"/>
-            </a:pPr>
-            <a:r>
-              <a:rPr i="0" baseline="0" strike="noStrike" sz="2400" b="0" cap="none" u="none">
-                <a:solidFill>
-                  <a:srgbClr val="FFFFFF"/>
-                </a:solidFill>
-                <a:latin panose="" typeface="Arial"/>
-                <a:ea panose="" typeface="Arial"/>
-                <a:cs panose="" typeface="Arial"/>
-                <a:sym panose="" typeface="Arial"/>
-              </a:rPr>
-              <a:t>A filter method was created accepting two Pose objects</a:t>
-            </a:r>
-          </a:p>
-          <a:p>
-            <a:pPr indent="-330200" marR="0" algn="l" marL="800100" rtl="0" lvl="0">
-              <a:spcBef>
-                <a:spcPts val="560"/>
-              </a:spcBef>
-              <a:buClr>
-                <a:schemeClr val="dk1"/>
-              </a:buClr>
-              <a:buSzPct val="118055"/>
-              <a:buFont typeface="Arial"/>
-              <a:buChar char="•"/>
-            </a:pPr>
-            <a:r>
-              <a:rPr i="0" baseline="0" strike="noStrike" sz="2400" b="0" cap="none" u="none">
-                <a:solidFill>
-                  <a:srgbClr val="FFFFFF"/>
-                </a:solidFill>
-                <a:latin panose="" typeface="Arial"/>
-                <a:ea panose="" typeface="Arial"/>
-                <a:cs panose="" typeface="Arial"/>
-                <a:sym panose="" typeface="Arial"/>
-              </a:rPr>
-              <a:t>Pose class has method to return its values as a 3-element array</a:t>
-            </a:r>
-          </a:p>
-          <a:p>
-            <a:r>
-              <a:t/>
-            </a:r>
-          </a:p>
-          <a:p>
-            <a:pPr indent="0" marR="0" algn="l" marL="0" rtl="0" lvl="0">
-              <a:lnSpc>
-                <a:spcPct val="100.00%"/>
-              </a:lnSpc>
-              <a:spcBef>
-                <a:spcPts val="560"/>
-              </a:spcBef>
-              <a:spcAft>
-                <a:spcPts val="0"/>
-              </a:spcAft>
-              <a:buClr>
-                <a:schemeClr val="dk1"/>
-              </a:buClr>
-              <a:buSzPct val="70833"/>
-              <a:buFont typeface="Arial"/>
-            </a:pPr>
-            <a:r>
-              <a:rPr i="0" baseline="0" strike="noStrike" sz="2400" b="0" cap="none" u="none">
-                <a:solidFill>
-                  <a:srgbClr val="FFFFFF"/>
-                </a:solidFill>
-                <a:latin panose="" typeface="Arial"/>
-                <a:ea panose="" typeface="Arial"/>
-                <a:cs panose="" typeface="Arial"/>
-                <a:sym panose="" typeface="Arial"/>
-              </a:rPr>
-              <a:t>The global Pose is updated according to track output of wrapped kalman filter function</a:t>
             </a:r>
           </a:p>
         </p:txBody>
@@ -17054,7 +17178,7 @@
         </p:nvSpPr>
         <p:spPr>
           <a:xfrm>
-            <a:off y="127812" x="457199"/>
+            <a:off y="274637" x="457200"/>
             <a:ext cy="1143000" cx="8229600"/>
           </a:xfrm>
           <a:prstGeom prst="rect">
@@ -17091,7 +17215,7 @@
                 <a:cs panose="" typeface="Arial"/>
                 <a:sym panose="" typeface="Arial"/>
               </a:rPr>
-              <a:t>Kalman Filter Code</a:t>
+              <a:t>Kalman Filter Implementation</a:t>
             </a:r>
           </a:p>
         </p:txBody>
@@ -17106,8 +17230,8 @@
         </p:nvSpPr>
         <p:spPr>
           <a:xfrm>
-            <a:off y="1033933" x="457200"/>
-            <a:ext cy="5784299" cx="8229600"/>
+            <a:off y="1600200" x="590925"/>
+            <a:ext cy="4526100" cx="8229600"/>
           </a:xfrm>
           <a:prstGeom prst="rect">
             <a:avLst/>
@@ -17123,256 +17247,27 @@
           </a:bodyPr>
           <a:lstStyle/>
           <a:p>
-            <a:pPr rtl="0" lvl="0"/>
-            <a:r>
-              <a:rPr sz="1200">
-                <a:solidFill>
-                  <a:srgbClr val="FFFFFF"/>
-                </a:solidFill>
-              </a:rPr>
-              <a:t> 32 void Kalman::filter(Pose *nsPose, Pose *wePose) {</a:t>
-            </a:r>
-          </a:p>
-          <a:p>
-            <a:pPr rtl="0" lvl="0"/>
-            <a:r>
-              <a:rPr sz="1200">
-                <a:solidFill>
-                  <a:srgbClr val="FFFFFF"/>
-                </a:solidFill>
-              </a:rPr>
-              <a:t> 33 	// convert the poses to 3-element arrays</a:t>
-            </a:r>
-          </a:p>
-          <a:p>
-            <a:pPr rtl="0" lvl="0"/>
-            <a:r>
-              <a:rPr sz="1200">
-                <a:solidFill>
-                  <a:srgbClr val="FFFFFF"/>
-                </a:solidFill>
-              </a:rPr>
-              <a:t> 34 	float nsPoseArr[3];</a:t>
-            </a:r>
-          </a:p>
-          <a:p>
-            <a:pPr rtl="0" lvl="0"/>
-            <a:r>
-              <a:rPr sz="1200">
-                <a:solidFill>
-                  <a:srgbClr val="FFFFFF"/>
-                </a:solidFill>
-              </a:rPr>
-              <a:t> 35 	float wePoseArr[3];</a:t>
-            </a:r>
-          </a:p>
-          <a:p>
-            <a:pPr rtl="0" lvl="0"/>
-            <a:r>
-              <a:rPr sz="1200">
-                <a:solidFill>
-                  <a:srgbClr val="FFFFFF"/>
-                </a:solidFill>
-              </a:rPr>
-              <a:t> 36 	nsPose-&gt;toArrayForKalman(nsPoseArr);</a:t>
-            </a:r>
-          </a:p>
-          <a:p>
-            <a:pPr rtl="0" lvl="0"/>
-            <a:r>
-              <a:rPr sz="1200">
-                <a:solidFill>
-                  <a:srgbClr val="FFFFFF"/>
-                </a:solidFill>
-              </a:rPr>
-              <a:t> 37 	wePose-&gt;toArrayForKalman(wePoseArr);</a:t>
-            </a:r>
-          </a:p>
-          <a:p>
-            <a:pPr rtl="0" lvl="0"/>
-            <a:r>
-              <a:rPr sz="1200">
-                <a:solidFill>
-                  <a:srgbClr val="FFFFFF"/>
-                </a:solidFill>
-              </a:rPr>
-              <a:t> 38</a:t>
-            </a:r>
-          </a:p>
-          <a:p>
-            <a:pPr rtl="0" lvl="0"/>
-            <a:r>
-              <a:rPr sz="1200">
-                <a:solidFill>
-                  <a:srgbClr val="FFFFFF"/>
-                </a:solidFill>
-              </a:rPr>
-              <a:t> 39 	//Normalize thetas w.r.t each other</a:t>
-            </a:r>
-          </a:p>
-          <a:p>
-            <a:pPr rtl="0" lvl="0"/>
-            <a:r>
-              <a:rPr sz="1200">
-                <a:solidFill>
-                  <a:srgbClr val="FFFFFF"/>
-                </a:solidFill>
-              </a:rPr>
-              <a:t> 40 	if(nsPoseArr[2] - wePoseArr[2] &gt; PI) {</a:t>
-            </a:r>
-          </a:p>
-          <a:p>
-            <a:pPr rtl="0" lvl="0"/>
-            <a:r>
-              <a:rPr sz="1200">
-                <a:solidFill>
-                  <a:srgbClr val="FFFFFF"/>
-                </a:solidFill>
-              </a:rPr>
-              <a:t> 41     	wePoseArr[2] += 2*PI;</a:t>
-            </a:r>
-          </a:p>
-          <a:p>
-            <a:pPr rtl="0" lvl="0"/>
-            <a:r>
-              <a:rPr sz="1200">
-                <a:solidFill>
-                  <a:srgbClr val="FFFFFF"/>
-                </a:solidFill>
-              </a:rPr>
-              <a:t> 42 	} else if(nsPoseArr[2] - wePoseArr[2] &lt; -PI) {</a:t>
-            </a:r>
-          </a:p>
-          <a:p>
-            <a:pPr rtl="0" lvl="0"/>
-            <a:r>
-              <a:rPr sz="1200">
-                <a:solidFill>
-                  <a:srgbClr val="FFFFFF"/>
-                </a:solidFill>
-              </a:rPr>
-              <a:t> 43     	wePoseArr[2] -= 2*PI;</a:t>
-            </a:r>
-          </a:p>
-          <a:p>
-            <a:pPr rtl="0" lvl="0"/>
-            <a:r>
-              <a:rPr sz="1200">
-                <a:solidFill>
-                  <a:srgbClr val="FFFFFF"/>
-                </a:solidFill>
-              </a:rPr>
-              <a:t> 44 	}</a:t>
-            </a:r>
-          </a:p>
-          <a:p>
-            <a:pPr rtl="0" lvl="0"/>
-            <a:r>
-              <a:rPr sz="1200">
-                <a:solidFill>
-                  <a:srgbClr val="FFFFFF"/>
-                </a:solidFill>
-              </a:rPr>
-              <a:t> 45</a:t>
-            </a:r>
-          </a:p>
-          <a:p>
-            <a:pPr rtl="0" lvl="0"/>
-            <a:r>
-              <a:rPr sz="1200">
-                <a:solidFill>
-                  <a:srgbClr val="FFFFFF"/>
-                </a:solidFill>
-              </a:rPr>
-              <a:t> 46 	// update the kalman filter with the new data</a:t>
-            </a:r>
-          </a:p>
-          <a:p>
-            <a:pPr rtl="0" lvl="0"/>
-            <a:r>
-              <a:rPr sz="1200">
-                <a:solidFill>
-                  <a:srgbClr val="FFFFFF"/>
-                </a:solidFill>
-              </a:rPr>
-              <a:t> 47 	rovioKalmanFilter(&amp;_kf, nsPoseArr, wePoseArr, _track);</a:t>
-            </a:r>
-          </a:p>
-          <a:p>
-            <a:pPr rtl="0" lvl="0"/>
-            <a:r>
-              <a:rPr sz="1200">
-                <a:solidFill>
-                  <a:srgbClr val="FFFFFF"/>
-                </a:solidFill>
-              </a:rPr>
-              <a:t> 48 	// update the current pose to its new estimate</a:t>
-            </a:r>
-          </a:p>
-          <a:p>
-            <a:pPr rtl="0" lvl="0"/>
-            <a:r>
-              <a:rPr sz="1200">
-                <a:solidFill>
-                  <a:srgbClr val="FFFFFF"/>
-                </a:solidFill>
-              </a:rPr>
-              <a:t> 49 	LOG.write(LOG_MED, "kalman track",</a:t>
-            </a:r>
-          </a:p>
-          <a:p>
-            <a:pPr rtl="0" lvl="0"/>
-            <a:r>
-              <a:rPr sz="1200">
-                <a:solidFill>
-                  <a:srgbClr val="FFFFFF"/>
-                </a:solidFill>
-              </a:rPr>
-              <a:t> 50           	"%f,%f,%f", _track[0], _track[1], _track[2]);</a:t>
-            </a:r>
-          </a:p>
-          <a:p>
-            <a:pPr rtl="0" lvl="0"/>
-            <a:r>
-              <a:rPr sz="1200">
-                <a:solidFill>
-                  <a:srgbClr val="FFFFFF"/>
-                </a:solidFill>
-              </a:rPr>
-              <a:t> 51 	_pose-&gt;setX(_track[0]);</a:t>
-            </a:r>
-          </a:p>
-          <a:p>
-            <a:pPr rtl="0" lvl="0"/>
-            <a:r>
-              <a:rPr sz="1200">
-                <a:solidFill>
-                  <a:srgbClr val="FFFFFF"/>
-                </a:solidFill>
-              </a:rPr>
-              <a:t> 52 	_pose-&gt;setY(_track[1]);</a:t>
-            </a:r>
-          </a:p>
-          <a:p>
-            <a:pPr rtl="0" lvl="0"/>
-            <a:r>
-              <a:rPr sz="1200">
-                <a:solidFill>
-                  <a:srgbClr val="FFFFFF"/>
-                </a:solidFill>
-              </a:rPr>
-              <a:t> 53 	_pose-&gt;setTotalTheta(_track[2]);</a:t>
-            </a:r>
-          </a:p>
-          <a:p>
-            <a:pPr rtl="0" lvl="0"/>
-            <a:r>
-              <a:rPr sz="1200">
-                <a:solidFill>
-                  <a:srgbClr val="FFFFFF"/>
-                </a:solidFill>
-              </a:rPr>
-              <a:t> 54 }</a:t>
+            <a:pPr marR="0" algn="l" rtl="0" lvl="0">
+              <a:spcBef>
+                <a:spcPts val="640"/>
+              </a:spcBef>
+              <a:buClr>
+                <a:schemeClr val="dk1"/>
+              </a:buClr>
+              <a:buSzPct val="79166"/>
+              <a:buFont typeface="Arial"/>
+            </a:pPr>
+            <a:r>
+              <a:rPr i="0" baseline="0" strike="noStrike" sz="2400" b="0" cap="none" u="none">
+                <a:solidFill>
+                  <a:srgbClr val="FFFFFF"/>
+                </a:solidFill>
+                <a:latin panose="" typeface="Arial"/>
+                <a:ea panose="" typeface="Arial"/>
+                <a:cs panose="" typeface="Arial"/>
+                <a:sym panose="" typeface="Arial"/>
+              </a:rPr>
+              <a:t>Code provided from website was wrapped by a Kalman class</a:t>
             </a:r>
           </a:p>
           <a:p>
@@ -17381,8 +17276,116 @@
             </a:r>
           </a:p>
           <a:p>
+            <a:pPr marR="0" algn="l" rtl="0" lvl="0">
+              <a:spcBef>
+                <a:spcPts val="640"/>
+              </a:spcBef>
+              <a:buClr>
+                <a:schemeClr val="dk1"/>
+              </a:buClr>
+              <a:buSzPct val="79166"/>
+              <a:buFont typeface="Arial"/>
+            </a:pPr>
+            <a:r>
+              <a:rPr i="0" baseline="0" strike="noStrike" sz="2400" b="0" cap="none" u="none">
+                <a:solidFill>
+                  <a:srgbClr val="FFFFFF"/>
+                </a:solidFill>
+                <a:latin panose="" typeface="Arial"/>
+                <a:ea panose="" typeface="Arial"/>
+                <a:cs panose="" typeface="Arial"/>
+                <a:sym panose="" typeface="Arial"/>
+              </a:rPr>
+              <a:t>When initialized, a global Pose object is passed in by reference to be stored internally</a:t>
+            </a:r>
+          </a:p>
+          <a:p>
             <a:r>
               <a:t/>
+            </a:r>
+          </a:p>
+          <a:p>
+            <a:pPr marR="0" algn="l" rtl="0" lvl="0">
+              <a:spcBef>
+                <a:spcPts val="640"/>
+              </a:spcBef>
+              <a:buClr>
+                <a:schemeClr val="dk1"/>
+              </a:buClr>
+              <a:buSzPct val="79166"/>
+              <a:buFont typeface="Arial"/>
+            </a:pPr>
+            <a:r>
+              <a:rPr i="0" baseline="0" strike="noStrike" sz="2400" b="0" cap="none" u="none">
+                <a:solidFill>
+                  <a:srgbClr val="FFFFFF"/>
+                </a:solidFill>
+                <a:latin panose="" typeface="Arial"/>
+                <a:ea panose="" typeface="Arial"/>
+                <a:cs panose="" typeface="Arial"/>
+                <a:sym panose="" typeface="Arial"/>
+              </a:rPr>
+              <a:t>A filter method was created accepting two Pose objects</a:t>
+            </a:r>
+          </a:p>
+          <a:p>
+            <a:pPr indent="-330200" marR="0" algn="l" marL="800100" rtl="0" lvl="0">
+              <a:spcBef>
+                <a:spcPts val="560"/>
+              </a:spcBef>
+              <a:buClr>
+                <a:schemeClr val="dk1"/>
+              </a:buClr>
+              <a:buSzPct val="118055"/>
+              <a:buFont typeface="Arial"/>
+              <a:buChar char="•"/>
+            </a:pPr>
+            <a:r>
+              <a:rPr i="0" baseline="0" strike="noStrike" sz="2400" b="0" cap="none" u="none">
+                <a:solidFill>
+                  <a:srgbClr val="FFFFFF"/>
+                </a:solidFill>
+                <a:latin panose="" typeface="Arial"/>
+                <a:ea panose="" typeface="Arial"/>
+                <a:cs panose="" typeface="Arial"/>
+                <a:sym panose="" typeface="Arial"/>
+              </a:rPr>
+              <a:t>Pose class has method to return its values as a 3-element array</a:t>
+            </a:r>
+          </a:p>
+          <a:p>
+            <a:r>
+              <a:t/>
+            </a:r>
+          </a:p>
+          <a:p>
+            <a:pPr indent="0" marR="0" algn="l" marL="0" rtl="0" lvl="0">
+              <a:lnSpc>
+                <a:spcPct val="100.00%"/>
+              </a:lnSpc>
+              <a:spcBef>
+                <a:spcPts val="560"/>
+              </a:spcBef>
+              <a:spcAft>
+                <a:spcPts val="0"/>
+              </a:spcAft>
+              <a:buClr>
+                <a:schemeClr val="dk1"/>
+              </a:buClr>
+              <a:buSzPct val="70833"/>
+              <a:buFont typeface="Arial"/>
+            </a:pPr>
+            <a:r>
+              <a:rPr i="0" baseline="0" strike="noStrike" sz="2400" b="0" cap="none" u="none">
+                <a:solidFill>
+                  <a:srgbClr val="FFFFFF"/>
+                </a:solidFill>
+                <a:latin panose="" typeface="Arial"/>
+                <a:ea panose="" typeface="Arial"/>
+                <a:cs panose="" typeface="Arial"/>
+                <a:sym panose="" typeface="Arial"/>
+              </a:rPr>
+              <a:t>The global Pose is updated according to track output of wrapped kalman filter function</a:t>
             </a:r>
           </a:p>
         </p:txBody>
@@ -17425,7 +17428,7 @@
         </p:nvSpPr>
         <p:spPr>
           <a:xfrm>
-            <a:off y="274637" x="457200"/>
+            <a:off y="127812" x="457199"/>
             <a:ext cy="1143000" cx="8229600"/>
           </a:xfrm>
           <a:prstGeom prst="rect">
@@ -17462,7 +17465,7 @@
                 <a:cs panose="" typeface="Arial"/>
                 <a:sym panose="" typeface="Arial"/>
               </a:rPr>
-              <a:t>Movement</a:t>
+              <a:t>Kalman Filter Code</a:t>
             </a:r>
           </a:p>
         </p:txBody>
@@ -17477,8 +17480,8 @@
         </p:nvSpPr>
         <p:spPr>
           <a:xfrm>
-            <a:off y="1600200" x="457200"/>
-            <a:ext cy="4526100" cx="8229600"/>
+            <a:off y="1033933" x="457200"/>
+            <a:ext cy="5784299" cx="8229600"/>
           </a:xfrm>
           <a:prstGeom prst="rect">
             <a:avLst/>
@@ -17494,112 +17497,261 @@
           </a:bodyPr>
           <a:lstStyle/>
           <a:p>
-            <a:pPr marR="0" algn="l" rtl="0" lvl="0">
-              <a:spcBef>
-                <a:spcPts val="640"/>
-              </a:spcBef>
-              <a:buClr>
-                <a:schemeClr val="dk1"/>
-              </a:buClr>
-              <a:buSzPct val="59375"/>
-              <a:buFont typeface="Arial"/>
-            </a:pPr>
-            <a:r>
-              <a:rPr i="0" baseline="0" strike="noStrike" sz="3200" b="0" cap="none" u="none">
-                <a:solidFill>
-                  <a:srgbClr val="FFFFFF"/>
-                </a:solidFill>
-                <a:latin panose="" typeface="Arial"/>
-                <a:ea panose="" typeface="Arial"/>
-                <a:cs panose="" typeface="Arial"/>
-                <a:sym panose="" typeface="Arial"/>
-              </a:rPr>
-              <a:t>Movement was handled through two separate functions, moveTo() and turnTo()</a:t>
+            <a:pPr rtl="0" lvl="0"/>
+            <a:r>
+              <a:rPr sz="1200">
+                <a:solidFill>
+                  <a:srgbClr val="FFFFFF"/>
+                </a:solidFill>
+              </a:rPr>
+              <a:t> 32 void Kalman::filter(Pose *nsPose, Pose *wePose) {</a:t>
+            </a:r>
+          </a:p>
+          <a:p>
+            <a:pPr rtl="0" lvl="0"/>
+            <a:r>
+              <a:rPr sz="1200">
+                <a:solidFill>
+                  <a:srgbClr val="FFFFFF"/>
+                </a:solidFill>
+              </a:rPr>
+              <a:t> 33 	// convert the poses to 3-element arrays</a:t>
+            </a:r>
+          </a:p>
+          <a:p>
+            <a:pPr rtl="0" lvl="0"/>
+            <a:r>
+              <a:rPr sz="1200">
+                <a:solidFill>
+                  <a:srgbClr val="FFFFFF"/>
+                </a:solidFill>
+              </a:rPr>
+              <a:t> 34 	float nsPoseArr[3];</a:t>
+            </a:r>
+          </a:p>
+          <a:p>
+            <a:pPr rtl="0" lvl="0"/>
+            <a:r>
+              <a:rPr sz="1200">
+                <a:solidFill>
+                  <a:srgbClr val="FFFFFF"/>
+                </a:solidFill>
+              </a:rPr>
+              <a:t> 35 	float wePoseArr[3];</a:t>
+            </a:r>
+          </a:p>
+          <a:p>
+            <a:pPr rtl="0" lvl="0"/>
+            <a:r>
+              <a:rPr sz="1200">
+                <a:solidFill>
+                  <a:srgbClr val="FFFFFF"/>
+                </a:solidFill>
+              </a:rPr>
+              <a:t> 36 	nsPose-&gt;toArrayForKalman(nsPoseArr);</a:t>
+            </a:r>
+          </a:p>
+          <a:p>
+            <a:pPr rtl="0" lvl="0"/>
+            <a:r>
+              <a:rPr sz="1200">
+                <a:solidFill>
+                  <a:srgbClr val="FFFFFF"/>
+                </a:solidFill>
+              </a:rPr>
+              <a:t> 37 	wePose-&gt;toArrayForKalman(wePoseArr);</a:t>
+            </a:r>
+          </a:p>
+          <a:p>
+            <a:pPr rtl="0" lvl="0"/>
+            <a:r>
+              <a:rPr sz="1200">
+                <a:solidFill>
+                  <a:srgbClr val="FFFFFF"/>
+                </a:solidFill>
+              </a:rPr>
+              <a:t> 38</a:t>
+            </a:r>
+          </a:p>
+          <a:p>
+            <a:pPr rtl="0" lvl="0"/>
+            <a:r>
+              <a:rPr sz="1200">
+                <a:solidFill>
+                  <a:srgbClr val="FFFFFF"/>
+                </a:solidFill>
+              </a:rPr>
+              <a:t> 39 	//Normalize thetas w.r.t each other</a:t>
+            </a:r>
+          </a:p>
+          <a:p>
+            <a:pPr rtl="0" lvl="0"/>
+            <a:r>
+              <a:rPr sz="1200">
+                <a:solidFill>
+                  <a:srgbClr val="FFFFFF"/>
+                </a:solidFill>
+              </a:rPr>
+              <a:t> 40 	if(nsPoseArr[2] - wePoseArr[2] &gt; PI) {</a:t>
+            </a:r>
+          </a:p>
+          <a:p>
+            <a:pPr rtl="0" lvl="0"/>
+            <a:r>
+              <a:rPr sz="1200">
+                <a:solidFill>
+                  <a:srgbClr val="FFFFFF"/>
+                </a:solidFill>
+              </a:rPr>
+              <a:t> 41     	wePoseArr[2] += 2*PI;</a:t>
+            </a:r>
+          </a:p>
+          <a:p>
+            <a:pPr rtl="0" lvl="0"/>
+            <a:r>
+              <a:rPr sz="1200">
+                <a:solidFill>
+                  <a:srgbClr val="FFFFFF"/>
+                </a:solidFill>
+              </a:rPr>
+              <a:t> 42 	} else if(nsPoseArr[2] - wePoseArr[2] &lt; -PI) {</a:t>
+            </a:r>
+          </a:p>
+          <a:p>
+            <a:pPr rtl="0" lvl="0"/>
+            <a:r>
+              <a:rPr sz="1200">
+                <a:solidFill>
+                  <a:srgbClr val="FFFFFF"/>
+                </a:solidFill>
+              </a:rPr>
+              <a:t> 43     	wePoseArr[2] -= 2*PI;</a:t>
+            </a:r>
+          </a:p>
+          <a:p>
+            <a:pPr rtl="0" lvl="0"/>
+            <a:r>
+              <a:rPr sz="1200">
+                <a:solidFill>
+                  <a:srgbClr val="FFFFFF"/>
+                </a:solidFill>
+              </a:rPr>
+              <a:t> 44 	}</a:t>
+            </a:r>
+          </a:p>
+          <a:p>
+            <a:pPr rtl="0" lvl="0"/>
+            <a:r>
+              <a:rPr sz="1200">
+                <a:solidFill>
+                  <a:srgbClr val="FFFFFF"/>
+                </a:solidFill>
+              </a:rPr>
+              <a:t> 45</a:t>
+            </a:r>
+          </a:p>
+          <a:p>
+            <a:pPr rtl="0" lvl="0"/>
+            <a:r>
+              <a:rPr sz="1200">
+                <a:solidFill>
+                  <a:srgbClr val="FFFFFF"/>
+                </a:solidFill>
+              </a:rPr>
+              <a:t> 46 	// update the kalman filter with the new data</a:t>
+            </a:r>
+          </a:p>
+          <a:p>
+            <a:pPr rtl="0" lvl="0"/>
+            <a:r>
+              <a:rPr sz="1200">
+                <a:solidFill>
+                  <a:srgbClr val="FFFFFF"/>
+                </a:solidFill>
+              </a:rPr>
+              <a:t> 47 	rovioKalmanFilter(&amp;_kf, nsPoseArr, wePoseArr, _track);</a:t>
+            </a:r>
+          </a:p>
+          <a:p>
+            <a:pPr rtl="0" lvl="0"/>
+            <a:r>
+              <a:rPr sz="1200">
+                <a:solidFill>
+                  <a:srgbClr val="FFFFFF"/>
+                </a:solidFill>
+              </a:rPr>
+              <a:t> 48 	// update the current pose to its new estimate</a:t>
+            </a:r>
+          </a:p>
+          <a:p>
+            <a:pPr rtl="0" lvl="0"/>
+            <a:r>
+              <a:rPr sz="1200">
+                <a:solidFill>
+                  <a:srgbClr val="FFFFFF"/>
+                </a:solidFill>
+              </a:rPr>
+              <a:t> 49 	LOG.write(LOG_MED, "kalman track",</a:t>
+            </a:r>
+          </a:p>
+          <a:p>
+            <a:pPr rtl="0" lvl="0"/>
+            <a:r>
+              <a:rPr sz="1200">
+                <a:solidFill>
+                  <a:srgbClr val="FFFFFF"/>
+                </a:solidFill>
+              </a:rPr>
+              <a:t> 50           	"%f,%f,%f", _track[0], _track[1], _track[2]);</a:t>
+            </a:r>
+          </a:p>
+          <a:p>
+            <a:pPr rtl="0" lvl="0"/>
+            <a:r>
+              <a:rPr sz="1200">
+                <a:solidFill>
+                  <a:srgbClr val="FFFFFF"/>
+                </a:solidFill>
+              </a:rPr>
+              <a:t> 51 	_pose-&gt;setX(_track[0]);</a:t>
+            </a:r>
+          </a:p>
+          <a:p>
+            <a:pPr rtl="0" lvl="0"/>
+            <a:r>
+              <a:rPr sz="1200">
+                <a:solidFill>
+                  <a:srgbClr val="FFFFFF"/>
+                </a:solidFill>
+              </a:rPr>
+              <a:t> 52 	_pose-&gt;setY(_track[1]);</a:t>
+            </a:r>
+          </a:p>
+          <a:p>
+            <a:pPr rtl="0" lvl="0"/>
+            <a:r>
+              <a:rPr sz="1200">
+                <a:solidFill>
+                  <a:srgbClr val="FFFFFF"/>
+                </a:solidFill>
+              </a:rPr>
+              <a:t> 53 	_pose-&gt;setTotalTheta(_track[2]);</a:t>
+            </a:r>
+          </a:p>
+          <a:p>
+            <a:pPr rtl="0" lvl="0"/>
+            <a:r>
+              <a:rPr sz="1200">
+                <a:solidFill>
+                  <a:srgbClr val="FFFFFF"/>
+                </a:solidFill>
+              </a:rPr>
+              <a:t> 54 }</a:t>
             </a:r>
           </a:p>
           <a:p>
             <a:r>
               <a:t/>
-            </a:r>
-          </a:p>
-          <a:p>
-            <a:pPr marR="0" algn="l" rtl="0" lvl="0">
-              <a:lnSpc>
-                <a:spcPct val="100.00%"/>
-              </a:lnSpc>
-              <a:spcBef>
-                <a:spcPts val="640"/>
-              </a:spcBef>
-              <a:spcAft>
-                <a:spcPts val="0"/>
-              </a:spcAft>
-              <a:buClr>
-                <a:schemeClr val="dk1"/>
-              </a:buClr>
-              <a:buSzPct val="59375"/>
-              <a:buFont typeface="Arial"/>
-            </a:pPr>
-            <a:r>
-              <a:rPr i="0" baseline="0" strike="noStrike" sz="3200" b="0" cap="none" u="none">
-                <a:solidFill>
-                  <a:srgbClr val="FFFFFF"/>
-                </a:solidFill>
-                <a:latin panose="" typeface="Arial"/>
-                <a:ea panose="" typeface="Arial"/>
-                <a:cs panose="" typeface="Arial"/>
-                <a:sym panose="" typeface="Arial"/>
-              </a:rPr>
-              <a:t>An array of poses were defined as ‘goals’, corresponding to the bases around the room</a:t>
-            </a:r>
-          </a:p>
-          <a:p>
-            <a:pPr indent="-342900" marR="0" algn="l" marL="800100" rtl="0" lvl="0">
-              <a:spcBef>
-                <a:spcPts val="640"/>
-              </a:spcBef>
-              <a:buClr>
-                <a:schemeClr val="dk1"/>
-              </a:buClr>
-              <a:buSzPct val="113095"/>
-              <a:buFont typeface="Arial"/>
-              <a:buChar char="•"/>
-            </a:pPr>
-            <a:r>
-              <a:rPr i="0" baseline="0" strike="noStrike" sz="2800" b="0" cap="none" u="none">
-                <a:solidFill>
-                  <a:srgbClr val="FFFFFF"/>
-                </a:solidFill>
-                <a:latin panose="" typeface="Arial"/>
-                <a:ea panose="" typeface="Arial"/>
-                <a:cs panose="" typeface="Arial"/>
-                <a:sym panose="" typeface="Arial"/>
-              </a:rPr>
-              <a:t>Bases were determined by room measurement</a:t>
-            </a:r>
-          </a:p>
-          <a:p>
-            <a:pPr indent="-330200" marR="0" algn="l" marL="800100" rtl="0" lvl="0">
-              <a:spcBef>
-                <a:spcPts val="560"/>
-              </a:spcBef>
-              <a:buClr>
-                <a:schemeClr val="dk1"/>
-              </a:buClr>
-              <a:buSzPct val="101190"/>
-              <a:buFont typeface="Arial"/>
-              <a:buChar char="•"/>
-            </a:pPr>
-            <a:r>
-              <a:rPr i="0" baseline="0" strike="noStrike" sz="2800" b="0" cap="none" u="none">
-                <a:solidFill>
-                  <a:srgbClr val="FFFFFF"/>
-                </a:solidFill>
-                <a:latin panose="" typeface="Arial"/>
-                <a:ea panose="" typeface="Arial"/>
-                <a:cs panose="" typeface="Arial"/>
-                <a:sym panose="" typeface="Arial"/>
-              </a:rPr>
-              <a:t>Slightly tuned to actual robot movement </a:t>
             </a:r>
           </a:p>
           <a:p>
@@ -17684,7 +17836,7 @@
                 <a:cs panose="" typeface="Arial"/>
                 <a:sym panose="" typeface="Arial"/>
               </a:rPr>
-              <a:t>moveTo()</a:t>
+              <a:t>Movement</a:t>
             </a:r>
           </a:p>
         </p:txBody>
@@ -17700,7 +17852,7 @@
         <p:spPr>
           <a:xfrm>
             <a:off y="1600200" x="457200"/>
-            <a:ext cy="4525963" cx="8229600"/>
+            <a:ext cy="4526100" cx="8229600"/>
           </a:xfrm>
           <a:prstGeom prst="rect">
             <a:avLst/>
@@ -17723,20 +17875,20 @@
               <a:buClr>
                 <a:schemeClr val="dk1"/>
               </a:buClr>
-              <a:buSzPct val="79166"/>
+              <a:buSzPct val="59375"/>
               <a:buFont typeface="Arial"/>
             </a:pPr>
             <a:r>
-              <a:rPr i="0" baseline="0" strike="noStrike" sz="2400" b="0" cap="none" u="none">
-                <a:solidFill>
-                  <a:srgbClr val="FFFFFF"/>
-                </a:solidFill>
-                <a:latin panose="" typeface="Arial"/>
-                <a:ea panose="" typeface="Arial"/>
-                <a:cs panose="" typeface="Arial"/>
-                <a:sym panose="" typeface="Arial"/>
-              </a:rPr>
-              <a:t>Given destination in global coordinate system, move forward, tracking theta value of goal versus current location</a:t>
+              <a:rPr i="0" baseline="0" strike="noStrike" sz="3200" b="0" cap="none" u="none">
+                <a:solidFill>
+                  <a:srgbClr val="FFFFFF"/>
+                </a:solidFill>
+                <a:latin panose="" typeface="Arial"/>
+                <a:ea panose="" typeface="Arial"/>
+                <a:cs panose="" typeface="Arial"/>
+                <a:sym panose="" typeface="Arial"/>
+              </a:rPr>
+              <a:t>Movement was handled through two separate functions, moveTo() and turnTo()</a:t>
             </a:r>
           </a:p>
           <a:p>
@@ -17746,35 +17898,6 @@
           </a:p>
           <a:p>
             <a:pPr marR="0" algn="l" rtl="0" lvl="0">
-              <a:spcBef>
-                <a:spcPts val="640"/>
-              </a:spcBef>
-              <a:buClr>
-                <a:schemeClr val="dk1"/>
-              </a:buClr>
-              <a:buSzPct val="79166"/>
-              <a:buFont typeface="Arial"/>
-            </a:pPr>
-            <a:r>
-              <a:rPr i="0" baseline="0" strike="noStrike" sz="2400" b="0" cap="none" u="none">
-                <a:solidFill>
-                  <a:srgbClr val="FFFFFF"/>
-                </a:solidFill>
-                <a:latin panose="" typeface="Arial"/>
-                <a:ea panose="" typeface="Arial"/>
-                <a:cs panose="" typeface="Arial"/>
-                <a:sym panose="" typeface="Arial"/>
-              </a:rPr>
-              <a:t>When theta becomes too great, break into turnTo() function</a:t>
-            </a:r>
-          </a:p>
-          <a:p>
-            <a:r>
-              <a:t/>
-            </a:r>
-          </a:p>
-          <a:p>
-            <a:pPr indent="0" marR="0" algn="l" marL="0" rtl="0" lvl="0">
               <a:lnSpc>
                 <a:spcPct val="100.00%"/>
               </a:lnSpc>
@@ -17787,45 +17910,70 @@
               <a:buClr>
                 <a:schemeClr val="dk1"/>
               </a:buClr>
-              <a:buSzPct val="79166"/>
+              <a:buSzPct val="59375"/>
               <a:buFont typeface="Arial"/>
             </a:pPr>
             <a:r>
-              <a:rPr i="0" baseline="0" strike="noStrike" sz="2400" b="0" cap="none" u="none">
-                <a:solidFill>
-                  <a:srgbClr val="FFFFFF"/>
-                </a:solidFill>
-                <a:latin panose="" typeface="Arial"/>
-                <a:ea panose="" typeface="Arial"/>
-                <a:cs panose="" typeface="Arial"/>
-                <a:sym panose="" typeface="Arial"/>
-              </a:rPr>
-              <a:t>Move with speed according to PID controller</a:t>
-            </a:r>
-          </a:p>
-          <a:p>
-            <a:pPr indent="-349250" marR="0" algn="l" marL="457200" rtl="0" lvl="0">
+              <a:rPr i="0" baseline="0" strike="noStrike" sz="3200" b="0" cap="none" u="none">
+                <a:solidFill>
+                  <a:srgbClr val="FFFFFF"/>
+                </a:solidFill>
+                <a:latin panose="" typeface="Arial"/>
+                <a:ea panose="" typeface="Arial"/>
+                <a:cs panose="" typeface="Arial"/>
+                <a:sym panose="" typeface="Arial"/>
+              </a:rPr>
+              <a:t>An array of poses were defined as ‘goals’, corresponding to the bases around the room</a:t>
+            </a:r>
+          </a:p>
+          <a:p>
+            <a:pPr indent="-342900" marR="0" algn="l" marL="800100" rtl="0" lvl="0">
               <a:spcBef>
                 <a:spcPts val="640"/>
               </a:spcBef>
               <a:buClr>
                 <a:schemeClr val="dk1"/>
               </a:buClr>
-              <a:buSzPct val="131944"/>
+              <a:buSzPct val="113095"/>
               <a:buFont typeface="Arial"/>
               <a:buChar char="•"/>
             </a:pPr>
             <a:r>
-              <a:rPr i="0" baseline="0" strike="noStrike" sz="2400" b="0" cap="none" u="none">
-                <a:solidFill>
-                  <a:srgbClr val="FFFFFF"/>
-                </a:solidFill>
-                <a:latin panose="" typeface="Arial"/>
-                <a:ea panose="" typeface="Arial"/>
-                <a:cs panose="" typeface="Arial"/>
-                <a:sym panose="" typeface="Arial"/>
-              </a:rPr>
-              <a:t>Gain applied to keep speed at near maximum until goal is near</a:t>
+              <a:rPr i="0" baseline="0" strike="noStrike" sz="2800" b="0" cap="none" u="none">
+                <a:solidFill>
+                  <a:srgbClr val="FFFFFF"/>
+                </a:solidFill>
+                <a:latin panose="" typeface="Arial"/>
+                <a:ea panose="" typeface="Arial"/>
+                <a:cs panose="" typeface="Arial"/>
+                <a:sym panose="" typeface="Arial"/>
+              </a:rPr>
+              <a:t>Bases were determined by room measurement</a:t>
+            </a:r>
+          </a:p>
+          <a:p>
+            <a:pPr indent="-330200" marR="0" algn="l" marL="800100" rtl="0" lvl="0">
+              <a:spcBef>
+                <a:spcPts val="560"/>
+              </a:spcBef>
+              <a:buClr>
+                <a:schemeClr val="dk1"/>
+              </a:buClr>
+              <a:buSzPct val="101190"/>
+              <a:buFont typeface="Arial"/>
+              <a:buChar char="•"/>
+            </a:pPr>
+            <a:r>
+              <a:rPr i="0" baseline="0" strike="noStrike" sz="2800" b="0" cap="none" u="none">
+                <a:solidFill>
+                  <a:srgbClr val="FFFFFF"/>
+                </a:solidFill>
+                <a:latin panose="" typeface="Arial"/>
+                <a:ea panose="" typeface="Arial"/>
+                <a:cs panose="" typeface="Arial"/>
+                <a:sym panose="" typeface="Arial"/>
+              </a:rPr>
+              <a:t>Slightly tuned to actual robot movement </a:t>
             </a:r>
           </a:p>
           <a:p>
@@ -17873,7 +18021,7 @@
         </p:nvSpPr>
         <p:spPr>
           <a:xfrm>
-            <a:off y="0" x="457199"/>
+            <a:off y="274637" x="457200"/>
             <a:ext cy="1143000" cx="8229600"/>
           </a:xfrm>
           <a:prstGeom prst="rect">
@@ -17910,27 +18058,7 @@
                 <a:cs panose="" typeface="Arial"/>
                 <a:sym panose="" typeface="Arial"/>
               </a:rPr>
-              <a:t>moveTo </a:t>
-            </a:r>
-            <a:r>
-              <a:rPr b="0">
-                <a:solidFill>
-                  <a:srgbClr val="FF9900"/>
-                </a:solidFill>
-              </a:rPr>
-              <a:t>C</a:t>
-            </a:r>
-            <a:r>
-              <a:rPr i="0" baseline="0" strike="noStrike" sz="4400" b="0" cap="none" u="none">
-                <a:solidFill>
-                  <a:srgbClr val="FF9900"/>
-                </a:solidFill>
-                <a:latin panose="" typeface="Arial"/>
-                <a:ea panose="" typeface="Arial"/>
-                <a:cs panose="" typeface="Arial"/>
-                <a:sym panose="" typeface="Arial"/>
-              </a:rPr>
-              <a:t>ode</a:t>
+              <a:t>moveTo()</a:t>
             </a:r>
           </a:p>
         </p:txBody>
@@ -17945,8 +18073,8 @@
         </p:nvSpPr>
         <p:spPr>
           <a:xfrm>
-            <a:off y="1012975" x="457200"/>
-            <a:ext cy="5889299" cx="8229600"/>
+            <a:off y="1600200" x="457200"/>
+            <a:ext cy="4525963" cx="8229600"/>
           </a:xfrm>
           <a:prstGeom prst="rect">
             <a:avLst/>
@@ -17962,261 +18090,116 @@
           </a:bodyPr>
           <a:lstStyle/>
           <a:p>
-            <a:pPr rtl="0" lvl="0"/>
-            <a:r>
-              <a:rPr sz="1200">
-                <a:solidFill>
-                  <a:srgbClr val="FFFFFF"/>
-                </a:solidFill>
-              </a:rPr>
-              <a:t>126 // Moves to a location in the global coordinate system (in cm)</a:t>
-            </a:r>
-          </a:p>
-          <a:p>
-            <a:pPr rtl="0" lvl="0"/>
-            <a:r>
-              <a:rPr sz="1200">
-                <a:solidFill>
-                  <a:srgbClr val="FFFFFF"/>
-                </a:solidFill>
-              </a:rPr>
-              <a:t>127 void Robot::moveTo(float x, float y) {</a:t>
-            </a:r>
-          </a:p>
-          <a:p>
-            <a:pPr rtl="0" lvl="0"/>
-            <a:r>
-              <a:rPr sz="1200">
-                <a:solidFill>
-                  <a:srgbClr val="FFFFFF"/>
-                </a:solidFill>
-              </a:rPr>
-              <a:t>128 	prefillData();</a:t>
-            </a:r>
-          </a:p>
-          <a:p>
-            <a:pPr rtl="0" lvl="0"/>
-            <a:r>
-              <a:rPr sz="1200">
-                <a:solidFill>
-                  <a:srgbClr val="FFFFFF"/>
-                </a:solidFill>
-              </a:rPr>
-              <a:t>129</a:t>
-            </a:r>
-          </a:p>
-          <a:p>
-            <a:pPr rtl="0" lvl="0"/>
-            <a:r>
-              <a:rPr sz="1200">
-                <a:solidFill>
-                  <a:srgbClr val="FFFFFF"/>
-                </a:solidFill>
-              </a:rPr>
-              <a:t>130 	printf("beginning move\n");</a:t>
-            </a:r>
-          </a:p>
-          <a:p>
-            <a:pPr rtl="0" lvl="0"/>
-            <a:r>
-              <a:rPr sz="1200">
-                <a:solidFill>
-                  <a:srgbClr val="FFFFFF"/>
-                </a:solidFill>
-              </a:rPr>
-              <a:t>131 	float thetaError;</a:t>
-            </a:r>
-          </a:p>
-          <a:p>
-            <a:pPr rtl="0" lvl="0"/>
-            <a:r>
-              <a:rPr sz="1200">
-                <a:solidFill>
-                  <a:srgbClr val="FFFFFF"/>
-                </a:solidFill>
-              </a:rPr>
-              <a:t>132 	do {</a:t>
-            </a:r>
-          </a:p>
-          <a:p>
-            <a:pPr rtl="0" lvl="0"/>
-            <a:r>
-              <a:rPr sz="1200">
-                <a:solidFill>
-                  <a:srgbClr val="FFFFFF"/>
-                </a:solidFill>
-              </a:rPr>
-              <a:t>133     	thetaError = moveToUntil(x, y, MAX_THETA_ERROR);</a:t>
-            </a:r>
-          </a:p>
-          <a:p>
-            <a:pPr rtl="0" lvl="0"/>
-            <a:r>
-              <a:rPr sz="1200">
-                <a:solidFill>
-                  <a:srgbClr val="FFFFFF"/>
-                </a:solidFill>
-              </a:rPr>
-              <a:t>134     	float goal = Util::normalizeTheta(_pose-&gt;getTheta() + thetaError);</a:t>
-            </a:r>
-          </a:p>
-          <a:p>
-            <a:pPr rtl="0" lvl="0"/>
-            <a:r>
-              <a:rPr sz="1200">
-                <a:solidFill>
-                  <a:srgbClr val="FFFFFF"/>
-                </a:solidFill>
-              </a:rPr>
-              <a:t>135     	if (thetaError != 0) {</a:t>
-            </a:r>
-          </a:p>
-          <a:p>
-            <a:pPr rtl="0" lvl="0"/>
-            <a:r>
-              <a:rPr sz="1200">
-                <a:solidFill>
-                  <a:srgbClr val="FFFFFF"/>
-                </a:solidFill>
-              </a:rPr>
-              <a:t>136         	turnTo(goal, MAX_THETA_ERROR);</a:t>
-            </a:r>
-          </a:p>
-          <a:p>
-            <a:pPr rtl="0" lvl="0"/>
-            <a:r>
-              <a:rPr sz="1200">
-                <a:solidFill>
-                  <a:srgbClr val="FFFFFF"/>
-                </a:solidFill>
-              </a:rPr>
-              <a:t>137     	}</a:t>
-            </a:r>
-          </a:p>
-          <a:p>
-            <a:pPr rtl="0" lvl="0"/>
-            <a:r>
-              <a:rPr sz="1200">
-                <a:solidFill>
-                  <a:srgbClr val="FFFFFF"/>
-                </a:solidFill>
-              </a:rPr>
-              <a:t>138 	} while (thetaError != 0);</a:t>
-            </a:r>
-          </a:p>
-          <a:p>
-            <a:pPr rtl="0" lvl="0"/>
-            <a:r>
-              <a:rPr sz="1200">
-                <a:solidFill>
-                  <a:srgbClr val="FFFFFF"/>
-                </a:solidFill>
-              </a:rPr>
-              <a:t>139</a:t>
-            </a:r>
-          </a:p>
-          <a:p>
-            <a:pPr rtl="0" lvl="0"/>
-            <a:r>
-              <a:rPr sz="1200">
-                <a:solidFill>
-                  <a:srgbClr val="FFFFFF"/>
-                </a:solidFill>
-              </a:rPr>
-              <a:t>140 	_distancePID-&gt;flushPID();</a:t>
-            </a:r>
-          </a:p>
-          <a:p>
-            <a:pPr rtl="0" lvl="0"/>
-            <a:r>
-              <a:rPr sz="1200">
-                <a:solidFill>
-                  <a:srgbClr val="FFFFFF"/>
-                </a:solidFill>
-              </a:rPr>
-              <a:t>141 	_thetaPID-&gt;flushPID();</a:t>
-            </a:r>
-          </a:p>
-          <a:p>
-            <a:pPr rtl="0" lvl="0"/>
-            <a:r>
-              <a:rPr sz="1200">
-                <a:solidFill>
-                  <a:srgbClr val="FFFFFF"/>
-                </a:solidFill>
-              </a:rPr>
-              <a:t>142</a:t>
-            </a:r>
-          </a:p>
-          <a:p>
-            <a:pPr rtl="0" lvl="0"/>
-            <a:r>
-              <a:rPr sz="1200">
-                <a:solidFill>
-                  <a:srgbClr val="FFFFFF"/>
-                </a:solidFill>
-              </a:rPr>
-              <a:t>143 	// reset wheel encoder pose to be north star</a:t>
-            </a:r>
-          </a:p>
-          <a:p>
-            <a:pPr rtl="0" lvl="0"/>
-            <a:r>
-              <a:rPr sz="1200">
-                <a:solidFill>
-                  <a:srgbClr val="FFFFFF"/>
-                </a:solidFill>
-              </a:rPr>
-              <a:t>144 	_wePose-&gt;setX(_nsPose-&gt;getX());</a:t>
-            </a:r>
-          </a:p>
-          <a:p>
-            <a:pPr rtl="0" lvl="0"/>
-            <a:r>
-              <a:rPr sz="1200">
-                <a:solidFill>
-                  <a:srgbClr val="FFFFFF"/>
-                </a:solidFill>
-              </a:rPr>
-              <a:t>145 	_wePose-&gt;setY(_nsPose-&gt;getY());</a:t>
-            </a:r>
-          </a:p>
-          <a:p>
-            <a:pPr rtl="0" lvl="0"/>
-            <a:r>
-              <a:rPr sz="1200">
-                <a:solidFill>
-                  <a:srgbClr val="FFFFFF"/>
-                </a:solidFill>
-              </a:rPr>
-              <a:t>146 	_wePose-&gt;setTheta(_nsPose-&gt;getTheta());</a:t>
-            </a:r>
-          </a:p>
-          <a:p>
-            <a:pPr rtl="0" lvl="0"/>
-            <a:r>
-              <a:rPr sz="1200">
-                <a:solidFill>
-                  <a:srgbClr val="FFFFFF"/>
-                </a:solidFill>
-              </a:rPr>
-              <a:t>147 	_wePose-&gt;setNumRotations(_nsPose-&gt;getNumRotations());</a:t>
-            </a:r>
-          </a:p>
-          <a:p>
-            <a:pPr rtl="0" lvl="0"/>
-            <a:r>
-              <a:rPr sz="1200">
-                <a:solidFill>
-                  <a:srgbClr val="FFFFFF"/>
-                </a:solidFill>
-              </a:rPr>
-              <a:t>148 }</a:t>
+            <a:pPr marR="0" algn="l" rtl="0" lvl="0">
+              <a:spcBef>
+                <a:spcPts val="640"/>
+              </a:spcBef>
+              <a:buClr>
+                <a:schemeClr val="dk1"/>
+              </a:buClr>
+              <a:buSzPct val="79166"/>
+              <a:buFont typeface="Arial"/>
+            </a:pPr>
+            <a:r>
+              <a:rPr i="0" baseline="0" strike="noStrike" sz="2400" b="0" cap="none" u="none">
+                <a:solidFill>
+                  <a:srgbClr val="FFFFFF"/>
+                </a:solidFill>
+                <a:latin panose="" typeface="Arial"/>
+                <a:ea panose="" typeface="Arial"/>
+                <a:cs panose="" typeface="Arial"/>
+                <a:sym panose="" typeface="Arial"/>
+              </a:rPr>
+              <a:t>Given destination in global coordinate system, move forward, tracking theta value of goal versus current location</a:t>
             </a:r>
           </a:p>
           <a:p>
             <a:r>
               <a:t/>
+            </a:r>
+          </a:p>
+          <a:p>
+            <a:pPr marR="0" algn="l" rtl="0" lvl="0">
+              <a:spcBef>
+                <a:spcPts val="640"/>
+              </a:spcBef>
+              <a:buClr>
+                <a:schemeClr val="dk1"/>
+              </a:buClr>
+              <a:buSzPct val="79166"/>
+              <a:buFont typeface="Arial"/>
+            </a:pPr>
+            <a:r>
+              <a:rPr i="0" baseline="0" strike="noStrike" sz="2400" b="0" cap="none" u="none">
+                <a:solidFill>
+                  <a:srgbClr val="FFFFFF"/>
+                </a:solidFill>
+                <a:latin panose="" typeface="Arial"/>
+                <a:ea panose="" typeface="Arial"/>
+                <a:cs panose="" typeface="Arial"/>
+                <a:sym panose="" typeface="Arial"/>
+              </a:rPr>
+              <a:t>When theta becomes too great, break into turnTo() function</a:t>
+            </a:r>
+          </a:p>
+          <a:p>
+            <a:r>
+              <a:t/>
+            </a:r>
+          </a:p>
+          <a:p>
+            <a:pPr indent="0" marR="0" algn="l" marL="0" rtl="0" lvl="0">
+              <a:lnSpc>
+                <a:spcPct val="100.00%"/>
+              </a:lnSpc>
+              <a:spcBef>
+                <a:spcPts val="640"/>
+              </a:spcBef>
+              <a:spcAft>
+                <a:spcPts val="0"/>
+              </a:spcAft>
+              <a:buClr>
+                <a:schemeClr val="dk1"/>
+              </a:buClr>
+              <a:buSzPct val="79166"/>
+              <a:buFont typeface="Arial"/>
+            </a:pPr>
+            <a:r>
+              <a:rPr i="0" baseline="0" strike="noStrike" sz="2400" b="0" cap="none" u="none">
+                <a:solidFill>
+                  <a:srgbClr val="FFFFFF"/>
+                </a:solidFill>
+                <a:latin panose="" typeface="Arial"/>
+                <a:ea panose="" typeface="Arial"/>
+                <a:cs panose="" typeface="Arial"/>
+                <a:sym panose="" typeface="Arial"/>
+              </a:rPr>
+              <a:t>Move with speed according to PID controller</a:t>
+            </a:r>
+          </a:p>
+          <a:p>
+            <a:pPr indent="-349250" marR="0" algn="l" marL="457200" rtl="0" lvl="0">
+              <a:spcBef>
+                <a:spcPts val="640"/>
+              </a:spcBef>
+              <a:buClr>
+                <a:schemeClr val="dk1"/>
+              </a:buClr>
+              <a:buSzPct val="131944"/>
+              <a:buFont typeface="Arial"/>
+              <a:buChar char="•"/>
+            </a:pPr>
+            <a:r>
+              <a:rPr i="0" baseline="0" strike="noStrike" sz="2400" b="0" cap="none" u="none">
+                <a:solidFill>
+                  <a:srgbClr val="FFFFFF"/>
+                </a:solidFill>
+                <a:latin panose="" typeface="Arial"/>
+                <a:ea panose="" typeface="Arial"/>
+                <a:cs panose="" typeface="Arial"/>
+                <a:sym panose="" typeface="Arial"/>
+              </a:rPr>
+              <a:t>Gain applied to keep speed at near maximum until goal is near</a:t>
             </a:r>
           </a:p>
           <a:p>
@@ -18264,7 +18247,7 @@
         </p:nvSpPr>
         <p:spPr>
           <a:xfrm>
-            <a:off y="274637" x="457200"/>
+            <a:off y="0" x="457199"/>
             <a:ext cy="1143000" cx="8229600"/>
           </a:xfrm>
           <a:prstGeom prst="rect">
@@ -18301,7 +18284,27 @@
                 <a:cs panose="" typeface="Arial"/>
                 <a:sym panose="" typeface="Arial"/>
               </a:rPr>
-              <a:t>turnTo()</a:t>
+              <a:t>moveTo </a:t>
+            </a:r>
+            <a:r>
+              <a:rPr b="0">
+                <a:solidFill>
+                  <a:srgbClr val="FF9900"/>
+                </a:solidFill>
+              </a:rPr>
+              <a:t>C</a:t>
+            </a:r>
+            <a:r>
+              <a:rPr i="0" baseline="0" strike="noStrike" sz="4400" b="0" cap="none" u="none">
+                <a:solidFill>
+                  <a:srgbClr val="FF9900"/>
+                </a:solidFill>
+                <a:latin panose="" typeface="Arial"/>
+                <a:ea panose="" typeface="Arial"/>
+                <a:cs panose="" typeface="Arial"/>
+                <a:sym panose="" typeface="Arial"/>
+              </a:rPr>
+              <a:t>ode</a:t>
             </a:r>
           </a:p>
         </p:txBody>
@@ -18316,8 +18319,8 @@
         </p:nvSpPr>
         <p:spPr>
           <a:xfrm>
-            <a:off y="1600200" x="457200"/>
-            <a:ext cy="4525963" cx="8229600"/>
+            <a:off y="1012975" x="457200"/>
+            <a:ext cy="5889299" cx="8229600"/>
           </a:xfrm>
           <a:prstGeom prst="rect">
             <a:avLst/>
@@ -18333,110 +18336,256 @@
           </a:bodyPr>
           <a:lstStyle/>
           <a:p>
-            <a:pPr marR="0" algn="l" rtl="0" lvl="0">
-              <a:spcBef>
-                <a:spcPts val="640"/>
-              </a:spcBef>
-              <a:buClr>
-                <a:schemeClr val="dk1"/>
-              </a:buClr>
-              <a:buSzPct val="79166"/>
-              <a:buFont typeface="Arial"/>
-            </a:pPr>
-            <a:r>
-              <a:rPr i="0" baseline="0" strike="noStrike" sz="2400" b="0" cap="none" u="none">
-                <a:solidFill>
-                  <a:srgbClr val="FFFFFF"/>
-                </a:solidFill>
-                <a:latin panose="" typeface="Arial"/>
-                <a:ea panose="" typeface="Arial"/>
-                <a:cs panose="" typeface="Arial"/>
-                <a:sym panose="" typeface="Arial"/>
-              </a:rPr>
-              <a:t>Get turn speed from PID based on error</a:t>
-            </a:r>
-          </a:p>
-          <a:p>
-            <a:pPr indent="-336550" marR="0" algn="l" marL="914400" rtl="0" lvl="1">
-              <a:spcBef>
-                <a:spcPts val="560"/>
-              </a:spcBef>
-              <a:buClr>
-                <a:schemeClr val="dk1"/>
-              </a:buClr>
-              <a:buSzPct val="70833"/>
-              <a:buFont typeface="Courier New"/>
-              <a:buChar char="o"/>
-            </a:pPr>
-            <a:r>
-              <a:rPr i="0" baseline="0" strike="noStrike" sz="2400" b="0" cap="none" u="none">
-                <a:solidFill>
-                  <a:srgbClr val="FFFFFF"/>
-                </a:solidFill>
-                <a:latin panose="" typeface="Arial"/>
-                <a:ea panose="" typeface="Arial"/>
-                <a:cs panose="" typeface="Arial"/>
-                <a:sym panose="" typeface="Arial"/>
-              </a:rPr>
-              <a:t>Limited turn speeds such that each turn will occur fast enough to avoid accumulation of WE error</a:t>
-            </a:r>
-          </a:p>
-          <a:p>
-            <a:r>
-              <a:t/>
-            </a:r>
-          </a:p>
-          <a:p>
-            <a:pPr marR="0" algn="l" rtl="0" lvl="0">
-              <a:spcBef>
-                <a:spcPts val="640"/>
-              </a:spcBef>
-              <a:buClr>
-                <a:schemeClr val="dk1"/>
-              </a:buClr>
-              <a:buSzPct val="79166"/>
-              <a:buFont typeface="Arial"/>
-            </a:pPr>
-            <a:r>
-              <a:rPr i="0" baseline="0" strike="noStrike" sz="2400" b="0" cap="none" u="none">
-                <a:solidFill>
-                  <a:srgbClr val="FFFFFF"/>
-                </a:solidFill>
-                <a:latin panose="" typeface="Arial"/>
-                <a:ea panose="" typeface="Arial"/>
-                <a:cs panose="" typeface="Arial"/>
-                <a:sym panose="" typeface="Arial"/>
-              </a:rPr>
-              <a:t>Issue turn command until error is below threshold, then break</a:t>
-            </a:r>
-          </a:p>
-          <a:p>
-            <a:r>
-              <a:t/>
-            </a:r>
-          </a:p>
-          <a:p>
-            <a:pPr marR="0" algn="l" rtl="0" lvl="0">
-              <a:spcBef>
-                <a:spcPts val="640"/>
-              </a:spcBef>
-              <a:buClr>
-                <a:schemeClr val="dk1"/>
-              </a:buClr>
-              <a:buSzPct val="79166"/>
-              <a:buFont typeface="Arial"/>
-            </a:pPr>
-            <a:r>
-              <a:rPr i="0" baseline="0" strike="noStrike" sz="2400" b="0" cap="none" u="none">
-                <a:solidFill>
-                  <a:srgbClr val="FFFFFF"/>
-                </a:solidFill>
-                <a:latin panose="" typeface="Arial"/>
-                <a:ea panose="" typeface="Arial"/>
-                <a:cs panose="" typeface="Arial"/>
-                <a:sym panose="" typeface="Arial"/>
-              </a:rPr>
-              <a:t>If over-turning, robot will reverse turn direction</a:t>
+            <a:pPr rtl="0" lvl="0"/>
+            <a:r>
+              <a:rPr sz="1200">
+                <a:solidFill>
+                  <a:srgbClr val="FFFFFF"/>
+                </a:solidFill>
+              </a:rPr>
+              <a:t>126 // Moves to a location in the global coordinate system (in cm)</a:t>
+            </a:r>
+          </a:p>
+          <a:p>
+            <a:pPr rtl="0" lvl="0"/>
+            <a:r>
+              <a:rPr sz="1200">
+                <a:solidFill>
+                  <a:srgbClr val="FFFFFF"/>
+                </a:solidFill>
+              </a:rPr>
+              <a:t>127 void Robot::moveTo(float x, float y) {</a:t>
+            </a:r>
+          </a:p>
+          <a:p>
+            <a:pPr rtl="0" lvl="0"/>
+            <a:r>
+              <a:rPr sz="1200">
+                <a:solidFill>
+                  <a:srgbClr val="FFFFFF"/>
+                </a:solidFill>
+              </a:rPr>
+              <a:t>128 	prefillData();</a:t>
+            </a:r>
+          </a:p>
+          <a:p>
+            <a:pPr rtl="0" lvl="0"/>
+            <a:r>
+              <a:rPr sz="1200">
+                <a:solidFill>
+                  <a:srgbClr val="FFFFFF"/>
+                </a:solidFill>
+              </a:rPr>
+              <a:t>129</a:t>
+            </a:r>
+          </a:p>
+          <a:p>
+            <a:pPr rtl="0" lvl="0"/>
+            <a:r>
+              <a:rPr sz="1200">
+                <a:solidFill>
+                  <a:srgbClr val="FFFFFF"/>
+                </a:solidFill>
+              </a:rPr>
+              <a:t>130 	printf("beginning move\n");</a:t>
+            </a:r>
+          </a:p>
+          <a:p>
+            <a:pPr rtl="0" lvl="0"/>
+            <a:r>
+              <a:rPr sz="1200">
+                <a:solidFill>
+                  <a:srgbClr val="FFFFFF"/>
+                </a:solidFill>
+              </a:rPr>
+              <a:t>131 	float thetaError;</a:t>
+            </a:r>
+          </a:p>
+          <a:p>
+            <a:pPr rtl="0" lvl="0"/>
+            <a:r>
+              <a:rPr sz="1200">
+                <a:solidFill>
+                  <a:srgbClr val="FFFFFF"/>
+                </a:solidFill>
+              </a:rPr>
+              <a:t>132 	do {</a:t>
+            </a:r>
+          </a:p>
+          <a:p>
+            <a:pPr rtl="0" lvl="0"/>
+            <a:r>
+              <a:rPr sz="1200">
+                <a:solidFill>
+                  <a:srgbClr val="FFFFFF"/>
+                </a:solidFill>
+              </a:rPr>
+              <a:t>133     	thetaError = moveToUntil(x, y, MAX_THETA_ERROR);</a:t>
+            </a:r>
+          </a:p>
+          <a:p>
+            <a:pPr rtl="0" lvl="0"/>
+            <a:r>
+              <a:rPr sz="1200">
+                <a:solidFill>
+                  <a:srgbClr val="FFFFFF"/>
+                </a:solidFill>
+              </a:rPr>
+              <a:t>134     	float goal = Util::normalizeTheta(_pose-&gt;getTheta() + thetaError);</a:t>
+            </a:r>
+          </a:p>
+          <a:p>
+            <a:pPr rtl="0" lvl="0"/>
+            <a:r>
+              <a:rPr sz="1200">
+                <a:solidFill>
+                  <a:srgbClr val="FFFFFF"/>
+                </a:solidFill>
+              </a:rPr>
+              <a:t>135     	if (thetaError != 0) {</a:t>
+            </a:r>
+          </a:p>
+          <a:p>
+            <a:pPr rtl="0" lvl="0"/>
+            <a:r>
+              <a:rPr sz="1200">
+                <a:solidFill>
+                  <a:srgbClr val="FFFFFF"/>
+                </a:solidFill>
+              </a:rPr>
+              <a:t>136         	turnTo(goal, MAX_THETA_ERROR);</a:t>
+            </a:r>
+          </a:p>
+          <a:p>
+            <a:pPr rtl="0" lvl="0"/>
+            <a:r>
+              <a:rPr sz="1200">
+                <a:solidFill>
+                  <a:srgbClr val="FFFFFF"/>
+                </a:solidFill>
+              </a:rPr>
+              <a:t>137     	}</a:t>
+            </a:r>
+          </a:p>
+          <a:p>
+            <a:pPr rtl="0" lvl="0"/>
+            <a:r>
+              <a:rPr sz="1200">
+                <a:solidFill>
+                  <a:srgbClr val="FFFFFF"/>
+                </a:solidFill>
+              </a:rPr>
+              <a:t>138 	} while (thetaError != 0);</a:t>
+            </a:r>
+          </a:p>
+          <a:p>
+            <a:pPr rtl="0" lvl="0"/>
+            <a:r>
+              <a:rPr sz="1200">
+                <a:solidFill>
+                  <a:srgbClr val="FFFFFF"/>
+                </a:solidFill>
+              </a:rPr>
+              <a:t>139</a:t>
+            </a:r>
+          </a:p>
+          <a:p>
+            <a:pPr rtl="0" lvl="0"/>
+            <a:r>
+              <a:rPr sz="1200">
+                <a:solidFill>
+                  <a:srgbClr val="FFFFFF"/>
+                </a:solidFill>
+              </a:rPr>
+              <a:t>140 	_distancePID-&gt;flushPID();</a:t>
+            </a:r>
+          </a:p>
+          <a:p>
+            <a:pPr rtl="0" lvl="0"/>
+            <a:r>
+              <a:rPr sz="1200">
+                <a:solidFill>
+                  <a:srgbClr val="FFFFFF"/>
+                </a:solidFill>
+              </a:rPr>
+              <a:t>141 	_thetaPID-&gt;flushPID();</a:t>
+            </a:r>
+          </a:p>
+          <a:p>
+            <a:pPr rtl="0" lvl="0"/>
+            <a:r>
+              <a:rPr sz="1200">
+                <a:solidFill>
+                  <a:srgbClr val="FFFFFF"/>
+                </a:solidFill>
+              </a:rPr>
+              <a:t>142</a:t>
+            </a:r>
+          </a:p>
+          <a:p>
+            <a:pPr rtl="0" lvl="0"/>
+            <a:r>
+              <a:rPr sz="1200">
+                <a:solidFill>
+                  <a:srgbClr val="FFFFFF"/>
+                </a:solidFill>
+              </a:rPr>
+              <a:t>143 	// reset wheel encoder pose to be north star</a:t>
+            </a:r>
+          </a:p>
+          <a:p>
+            <a:pPr rtl="0" lvl="0"/>
+            <a:r>
+              <a:rPr sz="1200">
+                <a:solidFill>
+                  <a:srgbClr val="FFFFFF"/>
+                </a:solidFill>
+              </a:rPr>
+              <a:t>144 	_wePose-&gt;setX(_nsPose-&gt;getX());</a:t>
+            </a:r>
+          </a:p>
+          <a:p>
+            <a:pPr rtl="0" lvl="0"/>
+            <a:r>
+              <a:rPr sz="1200">
+                <a:solidFill>
+                  <a:srgbClr val="FFFFFF"/>
+                </a:solidFill>
+              </a:rPr>
+              <a:t>145 	_wePose-&gt;setY(_nsPose-&gt;getY());</a:t>
+            </a:r>
+          </a:p>
+          <a:p>
+            <a:pPr rtl="0" lvl="0"/>
+            <a:r>
+              <a:rPr sz="1200">
+                <a:solidFill>
+                  <a:srgbClr val="FFFFFF"/>
+                </a:solidFill>
+              </a:rPr>
+              <a:t>146 	_wePose-&gt;setTheta(_nsPose-&gt;getTheta());</a:t>
+            </a:r>
+          </a:p>
+          <a:p>
+            <a:pPr rtl="0" lvl="0"/>
+            <a:r>
+              <a:rPr sz="1200">
+                <a:solidFill>
+                  <a:srgbClr val="FFFFFF"/>
+                </a:solidFill>
+              </a:rPr>
+              <a:t>147 	_wePose-&gt;setNumRotations(_nsPose-&gt;getNumRotations());</a:t>
+            </a:r>
+          </a:p>
+          <a:p>
+            <a:pPr rtl="0" lvl="0"/>
+            <a:r>
+              <a:rPr sz="1200">
+                <a:solidFill>
+                  <a:srgbClr val="FFFFFF"/>
+                </a:solidFill>
+              </a:rPr>
+              <a:t>148 }</a:t>
             </a:r>
           </a:p>
           <a:p>
@@ -18489,6 +18638,231 @@
         </p:nvSpPr>
         <p:spPr>
           <a:xfrm>
+            <a:off y="274637" x="457200"/>
+            <a:ext cy="1143000" cx="8229600"/>
+          </a:xfrm>
+          <a:prstGeom prst="rect">
+            <a:avLst/>
+          </a:prstGeom>
+          <a:noFill/>
+          <a:ln>
+            <a:noFill/>
+          </a:ln>
+        </p:spPr>
+        <p:txBody>
+          <a:bodyPr bIns="45700" tIns="45700" lIns="91425" anchor="ctr" anchorCtr="0" rIns="91425">
+            <a:spAutoFit/>
+          </a:bodyPr>
+          <a:lstStyle/>
+          <a:p>
+            <a:pPr indent="0" marR="0" algn="ctr" marL="0" rtl="0" lvl="0">
+              <a:spcBef>
+                <a:spcPts val="0"/>
+              </a:spcBef>
+              <a:buClr>
+                <a:schemeClr val="dk1"/>
+              </a:buClr>
+              <a:buSzPct val="25000"/>
+              <a:buFont typeface="Arial"/>
+            </a:pPr>
+            <a:r>
+              <a:rPr i="0" baseline="0" strike="noStrike" sz="4400" b="0" cap="none" u="none">
+                <a:solidFill>
+                  <a:srgbClr val="FF9900"/>
+                </a:solidFill>
+                <a:latin panose="" typeface="Arial"/>
+                <a:ea panose="" typeface="Arial"/>
+                <a:cs panose="" typeface="Arial"/>
+                <a:sym panose="" typeface="Arial"/>
+              </a:rPr>
+              <a:t>turnTo()</a:t>
+            </a:r>
+          </a:p>
+        </p:txBody>
+      </p:sp>
+      <p:sp>
+        <p:nvSpPr>
+          <p:cNvPr name="Shape 243" id="243"/>
+          <p:cNvSpPr/>
+          <p:nvPr>
+            <p:ph type="body" idx="1"/>
+          </p:nvPr>
+        </p:nvSpPr>
+        <p:spPr>
+          <a:xfrm>
+            <a:off y="1600200" x="457200"/>
+            <a:ext cy="4525963" cx="8229600"/>
+          </a:xfrm>
+          <a:prstGeom prst="rect">
+            <a:avLst/>
+          </a:prstGeom>
+          <a:noFill/>
+          <a:ln>
+            <a:noFill/>
+          </a:ln>
+        </p:spPr>
+        <p:txBody>
+          <a:bodyPr bIns="45700" tIns="45700" lIns="91425" anchor="t" anchorCtr="0" rIns="91425">
+            <a:spAutoFit/>
+          </a:bodyPr>
+          <a:lstStyle/>
+          <a:p>
+            <a:pPr marR="0" algn="l" rtl="0" lvl="0">
+              <a:spcBef>
+                <a:spcPts val="640"/>
+              </a:spcBef>
+              <a:buClr>
+                <a:schemeClr val="dk1"/>
+              </a:buClr>
+              <a:buSzPct val="79166"/>
+              <a:buFont typeface="Arial"/>
+            </a:pPr>
+            <a:r>
+              <a:rPr i="0" baseline="0" strike="noStrike" sz="2400" b="0" cap="none" u="none">
+                <a:solidFill>
+                  <a:srgbClr val="FFFFFF"/>
+                </a:solidFill>
+                <a:latin panose="" typeface="Arial"/>
+                <a:ea panose="" typeface="Arial"/>
+                <a:cs panose="" typeface="Arial"/>
+                <a:sym panose="" typeface="Arial"/>
+              </a:rPr>
+              <a:t>Get turn speed from PID based on error</a:t>
+            </a:r>
+          </a:p>
+          <a:p>
+            <a:pPr indent="-336550" marR="0" algn="l" marL="914400" rtl="0" lvl="1">
+              <a:spcBef>
+                <a:spcPts val="560"/>
+              </a:spcBef>
+              <a:buClr>
+                <a:schemeClr val="dk1"/>
+              </a:buClr>
+              <a:buSzPct val="70833"/>
+              <a:buFont typeface="Courier New"/>
+              <a:buChar char="o"/>
+            </a:pPr>
+            <a:r>
+              <a:rPr i="0" baseline="0" strike="noStrike" sz="2400" b="0" cap="none" u="none">
+                <a:solidFill>
+                  <a:srgbClr val="FFFFFF"/>
+                </a:solidFill>
+                <a:latin panose="" typeface="Arial"/>
+                <a:ea panose="" typeface="Arial"/>
+                <a:cs panose="" typeface="Arial"/>
+                <a:sym panose="" typeface="Arial"/>
+              </a:rPr>
+              <a:t>Limited turn speeds such that each turn will occur fast enough to avoid accumulation of WE error</a:t>
+            </a:r>
+          </a:p>
+          <a:p>
+            <a:r>
+              <a:t/>
+            </a:r>
+          </a:p>
+          <a:p>
+            <a:pPr marR="0" algn="l" rtl="0" lvl="0">
+              <a:spcBef>
+                <a:spcPts val="640"/>
+              </a:spcBef>
+              <a:buClr>
+                <a:schemeClr val="dk1"/>
+              </a:buClr>
+              <a:buSzPct val="79166"/>
+              <a:buFont typeface="Arial"/>
+            </a:pPr>
+            <a:r>
+              <a:rPr i="0" baseline="0" strike="noStrike" sz="2400" b="0" cap="none" u="none">
+                <a:solidFill>
+                  <a:srgbClr val="FFFFFF"/>
+                </a:solidFill>
+                <a:latin panose="" typeface="Arial"/>
+                <a:ea panose="" typeface="Arial"/>
+                <a:cs panose="" typeface="Arial"/>
+                <a:sym panose="" typeface="Arial"/>
+              </a:rPr>
+              <a:t>Issue turn command until error is below threshold, then break</a:t>
+            </a:r>
+          </a:p>
+          <a:p>
+            <a:r>
+              <a:t/>
+            </a:r>
+          </a:p>
+          <a:p>
+            <a:pPr marR="0" algn="l" rtl="0" lvl="0">
+              <a:spcBef>
+                <a:spcPts val="640"/>
+              </a:spcBef>
+              <a:buClr>
+                <a:schemeClr val="dk1"/>
+              </a:buClr>
+              <a:buSzPct val="79166"/>
+              <a:buFont typeface="Arial"/>
+            </a:pPr>
+            <a:r>
+              <a:rPr i="0" baseline="0" strike="noStrike" sz="2400" b="0" cap="none" u="none">
+                <a:solidFill>
+                  <a:srgbClr val="FFFFFF"/>
+                </a:solidFill>
+                <a:latin panose="" typeface="Arial"/>
+                <a:ea panose="" typeface="Arial"/>
+                <a:cs panose="" typeface="Arial"/>
+                <a:sym panose="" typeface="Arial"/>
+              </a:rPr>
+              <a:t>If over-turning, robot will reverse turn direction</a:t>
+            </a:r>
+          </a:p>
+          <a:p>
+            <a:r>
+              <a:t/>
+            </a:r>
+          </a:p>
+          <a:p>
+            <a:r>
+              <a:t/>
+            </a:r>
+          </a:p>
+        </p:txBody>
+      </p:sp>
+    </p:spTree>
+  </p:cSld>
+  <p:clrMapOvr>
+    <a:masterClrMapping/>
+  </p:clrMapOvr>
+  <p:transition spd="slow">
+    <p:cut/>
+  </p:transition>
+</p:sld>
+</file>
+
+<file path=ppt/slides/slide19.xml><?xml version="1.0" encoding="utf-8"?>
+<p:sld xmlns:a="http://schemas.openxmlformats.org/drawingml/2006/main" xmlns:r="http://schemas.openxmlformats.org/officeDocument/2006/relationships" xmlns:mc="http://schemas.openxmlformats.org/markup-compatibility/2006" xmlns:mv="urn:schemas-microsoft-com:mac:vml" xmlns:p="http://schemas.openxmlformats.org/presentationml/2006/main" xmlns:c="http://schemas.openxmlformats.org/drawingml/2006/chart" xmlns:dgm="http://schemas.openxmlformats.org/drawingml/2006/diagram" xmlns:o="urn:schemas-microsoft-com:office:office" xmlns:v="urn:schemas-microsoft-com:vml" xmlns:pvml="urn:schemas-microsoft-com:office:powerpoint" xmlns:com="http://schemas.openxmlformats.org/drawingml/2006/compatibility" xmlns:p14="http://schemas.microsoft.com/office/powerpoint/2010/main">
+  <p:cSld>
+    <p:spTree>
+      <p:nvGrpSpPr>
+        <p:cNvPr name="Shape 247" id="247"/>
+        <p:cNvGrpSpPr/>
+        <p:nvPr/>
+      </p:nvGrpSpPr>
+      <p:grpSpPr>
+        <a:xfrm>
+          <a:off y="0" x="0"/>
+          <a:ext cy="0" cx="0"/>
+          <a:chOff y="0" x="0"/>
+          <a:chExt cy="0" cx="0"/>
+        </a:xfrm>
+      </p:grpSpPr>
+      <p:sp>
+        <p:nvSpPr>
+          <p:cNvPr name="Shape 248" id="248"/>
+          <p:cNvSpPr/>
+          <p:nvPr>
+            <p:ph type="title"/>
+          </p:nvPr>
+        </p:nvSpPr>
+        <p:spPr>
+          <a:xfrm>
             <a:off y="0" x="1128350"/>
             <a:ext cy="702600" cx="7118099"/>
           </a:xfrm>
@@ -18553,7 +18927,7 @@
       </p:sp>
       <p:sp>
         <p:nvSpPr>
-          <p:cNvPr name="Shape 243" id="243"/>
+          <p:cNvPr name="Shape 249" id="249"/>
           <p:cNvSpPr/>
           <p:nvPr>
             <p:ph type="body" idx="1"/>
@@ -18877,7 +19251,7 @@
       </p:sp>
       <p:sp>
         <p:nvSpPr>
-          <p:cNvPr name="Shape 244" id="244"/>
+          <p:cNvPr name="Shape 250" id="250"/>
           <p:cNvSpPr/>
           <p:nvPr/>
         </p:nvSpPr>
@@ -19087,249 +19461,6 @@
           <a:p>
             <a:r>
               <a:t/>
-            </a:r>
-          </a:p>
-        </p:txBody>
-      </p:sp>
-    </p:spTree>
-  </p:cSld>
-  <p:clrMapOvr>
-    <a:masterClrMapping/>
-  </p:clrMapOvr>
-  <p:transition spd="slow">
-    <p:cut/>
-  </p:transition>
-</p:sld>
-</file>
-
-<file path=ppt/slides/slide19.xml><?xml version="1.0" encoding="utf-8"?>
-<p:sld xmlns:a="http://schemas.openxmlformats.org/drawingml/2006/main" xmlns:r="http://schemas.openxmlformats.org/officeDocument/2006/relationships" xmlns:mc="http://schemas.openxmlformats.org/markup-compatibility/2006" xmlns:mv="urn:schemas-microsoft-com:mac:vml" xmlns:p="http://schemas.openxmlformats.org/presentationml/2006/main" xmlns:c="http://schemas.openxmlformats.org/drawingml/2006/chart" xmlns:dgm="http://schemas.openxmlformats.org/drawingml/2006/diagram" xmlns:o="urn:schemas-microsoft-com:office:office" xmlns:v="urn:schemas-microsoft-com:vml" xmlns:pvml="urn:schemas-microsoft-com:office:powerpoint" xmlns:com="http://schemas.openxmlformats.org/drawingml/2006/compatibility" xmlns:p14="http://schemas.microsoft.com/office/powerpoint/2010/main">
-  <p:cSld>
-    <p:spTree>
-      <p:nvGrpSpPr>
-        <p:cNvPr name="Shape 248" id="248"/>
-        <p:cNvGrpSpPr/>
-        <p:nvPr/>
-      </p:nvGrpSpPr>
-      <p:grpSpPr>
-        <a:xfrm>
-          <a:off y="0" x="0"/>
-          <a:ext cy="0" cx="0"/>
-          <a:chOff y="0" x="0"/>
-          <a:chExt cy="0" cx="0"/>
-        </a:xfrm>
-      </p:grpSpPr>
-      <p:sp>
-        <p:nvSpPr>
-          <p:cNvPr name="Shape 249" id="249"/>
-          <p:cNvSpPr/>
-          <p:nvPr>
-            <p:ph type="title"/>
-          </p:nvPr>
-        </p:nvSpPr>
-        <p:spPr>
-          <a:xfrm>
-            <a:off y="274637" x="457200"/>
-            <a:ext cy="1143000" cx="8229600"/>
-          </a:xfrm>
-          <a:prstGeom prst="rect">
-            <a:avLst/>
-          </a:prstGeom>
-          <a:noFill/>
-          <a:ln>
-            <a:noFill/>
-          </a:ln>
-        </p:spPr>
-        <p:txBody>
-          <a:bodyPr bIns="45700" tIns="45700" lIns="91425" anchor="ctr" anchorCtr="0" rIns="91425">
-            <a:spAutoFit/>
-          </a:bodyPr>
-          <a:lstStyle/>
-          <a:p>
-            <a:pPr indent="0" marR="0" algn="ctr" marL="0" rtl="0" lvl="0">
-              <a:spcBef>
-                <a:spcPts val="0"/>
-              </a:spcBef>
-              <a:buClr>
-                <a:schemeClr val="dk1"/>
-              </a:buClr>
-              <a:buSzPct val="25000"/>
-              <a:buFont typeface="Arial"/>
-            </a:pPr>
-            <a:r>
-              <a:rPr i="0" baseline="0" strike="noStrike" sz="4400" b="0" cap="none" u="none">
-                <a:solidFill>
-                  <a:srgbClr val="FF9900"/>
-                </a:solidFill>
-                <a:latin panose="" typeface="Arial"/>
-                <a:ea panose="" typeface="Arial"/>
-                <a:cs panose="" typeface="Arial"/>
-                <a:sym panose="" typeface="Arial"/>
-              </a:rPr>
-              <a:t>PID </a:t>
-            </a:r>
-            <a:r>
-              <a:rPr b="0">
-                <a:solidFill>
-                  <a:srgbClr val="FF9900"/>
-                </a:solidFill>
-              </a:rPr>
-              <a:t>C</a:t>
-            </a:r>
-            <a:r>
-              <a:rPr i="0" baseline="0" strike="noStrike" sz="4400" b="0" cap="none" u="none">
-                <a:solidFill>
-                  <a:srgbClr val="FF9900"/>
-                </a:solidFill>
-                <a:latin panose="" typeface="Arial"/>
-                <a:ea panose="" typeface="Arial"/>
-                <a:cs panose="" typeface="Arial"/>
-                <a:sym panose="" typeface="Arial"/>
-              </a:rPr>
-              <a:t>ontrol</a:t>
-            </a:r>
-          </a:p>
-        </p:txBody>
-      </p:sp>
-      <p:sp>
-        <p:nvSpPr>
-          <p:cNvPr name="Shape 250" id="250"/>
-          <p:cNvSpPr/>
-          <p:nvPr>
-            <p:ph type="body" idx="1"/>
-          </p:nvPr>
-        </p:nvSpPr>
-        <p:spPr>
-          <a:xfrm>
-            <a:off y="1600200" x="457200"/>
-            <a:ext cy="4525963" cx="8229600"/>
-          </a:xfrm>
-          <a:prstGeom prst="rect">
-            <a:avLst/>
-          </a:prstGeom>
-          <a:noFill/>
-          <a:ln>
-            <a:noFill/>
-          </a:ln>
-        </p:spPr>
-        <p:txBody>
-          <a:bodyPr bIns="45700" tIns="45700" lIns="91425" anchor="t" anchorCtr="0" rIns="91425">
-            <a:spAutoFit/>
-          </a:bodyPr>
-          <a:lstStyle/>
-          <a:p>
-            <a:pPr indent="-342900" marR="0" algn="l" marL="342900" rtl="0" lvl="0">
-              <a:spcBef>
-                <a:spcPts val="640"/>
-              </a:spcBef>
-              <a:buClr>
-                <a:schemeClr val="dk1"/>
-              </a:buClr>
-              <a:buSzPct val="131944"/>
-              <a:buFont typeface="Arial"/>
-              <a:buChar char="•"/>
-            </a:pPr>
-            <a:r>
-              <a:rPr i="0" baseline="0" strike="noStrike" sz="2400" b="0" cap="none" u="none">
-                <a:solidFill>
-                  <a:srgbClr val="FFFFFF"/>
-                </a:solidFill>
-                <a:latin panose="" typeface="Arial"/>
-                <a:ea panose="" typeface="Arial"/>
-                <a:cs panose="" typeface="Arial"/>
-                <a:sym panose="" typeface="Arial"/>
-              </a:rPr>
-              <a:t>There were 2 different PID controllers used for the project.  One was for the driving forward and one was for turning</a:t>
-            </a:r>
-          </a:p>
-          <a:p>
-            <a:r>
-              <a:t/>
-            </a:r>
-          </a:p>
-          <a:p>
-            <a:pPr indent="-342900" marR="0" algn="l" marL="342900" rtl="0" lvl="0">
-              <a:spcBef>
-                <a:spcPts val="640"/>
-              </a:spcBef>
-              <a:buClr>
-                <a:schemeClr val="dk1"/>
-              </a:buClr>
-              <a:buSzPct val="131944"/>
-              <a:buFont typeface="Arial"/>
-              <a:buChar char="•"/>
-            </a:pPr>
-            <a:r>
-              <a:rPr i="0" baseline="0" strike="noStrike" sz="2400" b="0" cap="none" u="none">
-                <a:solidFill>
-                  <a:srgbClr val="FFFFFF"/>
-                </a:solidFill>
-                <a:latin panose="" typeface="Arial"/>
-                <a:ea panose="" typeface="Arial"/>
-                <a:cs panose="" typeface="Arial"/>
-                <a:sym panose="" typeface="Arial"/>
-              </a:rPr>
-              <a:t>For the integral error, our window was the last 10 numbers</a:t>
-            </a:r>
-          </a:p>
-          <a:p>
-            <a:r>
-              <a:t/>
-            </a:r>
-          </a:p>
-          <a:p>
-            <a:pPr indent="-342900" marR="0" algn="l" marL="342900" rtl="0" lvl="0">
-              <a:spcBef>
-                <a:spcPts val="640"/>
-              </a:spcBef>
-              <a:buClr>
-                <a:schemeClr val="dk1"/>
-              </a:buClr>
-              <a:buSzPct val="131944"/>
-              <a:buFont typeface="Arial"/>
-              <a:buChar char="•"/>
-            </a:pPr>
-            <a:r>
-              <a:rPr i="0" baseline="0" strike="noStrike" sz="2400" b="0" cap="none" u="none">
-                <a:solidFill>
-                  <a:srgbClr val="FFFFFF"/>
-                </a:solidFill>
-                <a:latin panose="" typeface="Arial"/>
-                <a:ea panose="" typeface="Arial"/>
-                <a:cs panose="" typeface="Arial"/>
-                <a:sym panose="" typeface="Arial"/>
-              </a:rPr>
-              <a:t>The derivative uses only the current value and the most recent previous value</a:t>
-            </a:r>
-          </a:p>
-          <a:p>
-            <a:r>
-              <a:t/>
-            </a:r>
-          </a:p>
-          <a:p>
-            <a:pPr indent="-342900" marR="0" algn="l" marL="342900" rtl="0" lvl="0">
-              <a:spcBef>
-                <a:spcPts val="640"/>
-              </a:spcBef>
-              <a:buClr>
-                <a:schemeClr val="dk1"/>
-              </a:buClr>
-              <a:buSzPct val="131944"/>
-              <a:buFont typeface="Arial"/>
-              <a:buChar char="•"/>
-            </a:pPr>
-            <a:r>
-              <a:rPr i="0" baseline="0" strike="noStrike" sz="2400" b="0" cap="none" u="none">
-                <a:solidFill>
-                  <a:srgbClr val="FFFFFF"/>
-                </a:solidFill>
-                <a:latin panose="" typeface="Arial"/>
-                <a:ea panose="" typeface="Arial"/>
-                <a:cs panose="" typeface="Arial"/>
-                <a:sym panose="" typeface="Arial"/>
-              </a:rPr>
-              <a:t>The PID loop is fairly arbitrary, so that it can be used by other sensors and applications.  This is done by scaling the value into the range [0,1]</a:t>
             </a:r>
           </a:p>
         </p:txBody>
@@ -19710,7 +19841,7 @@
                   <a:srgbClr val="FF9900"/>
                 </a:solidFill>
               </a:rPr>
-              <a:t>T</a:t>
+              <a:t>C</a:t>
             </a:r>
             <a:r>
               <a:rPr i="0" baseline="0" strike="noStrike" sz="4400" b="0" cap="none" u="none">
@@ -19722,7 +19853,7 @@
                 <a:cs panose="" typeface="Arial"/>
                 <a:sym panose="" typeface="Arial"/>
               </a:rPr>
-              <a:t>uning</a:t>
+              <a:t>ontrol</a:t>
             </a:r>
           </a:p>
         </p:txBody>
@@ -19775,7 +19906,7 @@
                 <a:cs panose="" typeface="Arial"/>
                 <a:sym panose="" typeface="Arial"/>
               </a:rPr>
-              <a:t>For each PID, we tuned it by using an educated guess, and then testing the robot</a:t>
+              <a:t>There were 2 different PID controllers used for the project.  One was for the driving forward and one was for turning</a:t>
             </a:r>
           </a:p>
           <a:p>
@@ -19805,7 +19936,7 @@
                 <a:cs panose="" typeface="Arial"/>
                 <a:sym panose="" typeface="Arial"/>
               </a:rPr>
-              <a:t>For the integral term, we created an adjustable maximum value that depended on the control</a:t>
+              <a:t>For the integral error, our window was the last 10 numbers</a:t>
             </a:r>
           </a:p>
           <a:p>
@@ -19835,7 +19966,37 @@
                 <a:cs panose="" typeface="Arial"/>
                 <a:sym panose="" typeface="Arial"/>
               </a:rPr>
-              <a:t>After much testing, we decided that both controls should have their values most affected by the Proportional term, and much less by the integral and derivative terms</a:t>
+              <a:t>The derivative uses only the current value and the most recent previous value</a:t>
+            </a:r>
+          </a:p>
+          <a:p>
+            <a:r>
+              <a:t/>
+            </a:r>
+          </a:p>
+          <a:p>
+            <a:pPr indent="-342900" marR="0" algn="l" marL="342900" rtl="0" lvl="0">
+              <a:spcBef>
+                <a:spcPts val="640"/>
+              </a:spcBef>
+              <a:buClr>
+                <a:schemeClr val="dk1"/>
+              </a:buClr>
+              <a:buSzPct val="131944"/>
+              <a:buFont typeface="Arial"/>
+              <a:buChar char="•"/>
+            </a:pPr>
+            <a:r>
+              <a:rPr i="0" baseline="0" strike="noStrike" sz="2400" b="0" cap="none" u="none">
+                <a:solidFill>
+                  <a:srgbClr val="FFFFFF"/>
+                </a:solidFill>
+                <a:latin panose="" typeface="Arial"/>
+                <a:ea panose="" typeface="Arial"/>
+                <a:cs panose="" typeface="Arial"/>
+                <a:sym panose="" typeface="Arial"/>
+              </a:rPr>
+              <a:t>The PID loop is fairly arbitrary, so that it can be used by other sensors and applications.  This is done by scaling the value into the range [0,1]</a:t>
             </a:r>
           </a:p>
         </p:txBody>
@@ -19878,7 +20039,7 @@
         </p:nvSpPr>
         <p:spPr>
           <a:xfrm>
-            <a:off y="-144787" x="457199"/>
+            <a:off y="274637" x="457200"/>
             <a:ext cy="1143000" cx="8229600"/>
           </a:xfrm>
           <a:prstGeom prst="rect">
@@ -19918,12 +20079,12 @@
               <a:t>PID </a:t>
             </a:r>
             <a:r>
-              <a:rPr>
+              <a:rPr b="0">
                 <a:solidFill>
                   <a:srgbClr val="FF9900"/>
                 </a:solidFill>
               </a:rPr>
-              <a:t>C</a:t>
+              <a:t>T</a:t>
             </a:r>
             <a:r>
               <a:rPr i="0" baseline="0" strike="noStrike" sz="4400" b="0" cap="none" u="none">
@@ -19935,7 +20096,7 @@
                 <a:cs panose="" typeface="Arial"/>
                 <a:sym panose="" typeface="Arial"/>
               </a:rPr>
-              <a:t>ode</a:t>
+              <a:t>uning</a:t>
             </a:r>
           </a:p>
         </p:txBody>
@@ -19950,8 +20111,8 @@
         </p:nvSpPr>
         <p:spPr>
           <a:xfrm>
-            <a:off y="740327" x="457200"/>
-            <a:ext cy="6056699" cx="8229600"/>
+            <a:off y="1600200" x="457200"/>
+            <a:ext cy="4525963" cx="8229600"/>
           </a:xfrm>
           <a:prstGeom prst="rect">
             <a:avLst/>
@@ -19967,300 +20128,88 @@
           </a:bodyPr>
           <a:lstStyle/>
           <a:p>
-            <a:pPr rtl="0" lvl="0"/>
-            <a:r>
-              <a:rPr sz="1000">
-                <a:solidFill>
-                  <a:srgbClr val="FFFFFF"/>
-                </a:solidFill>
-              </a:rPr>
-              <a:t> 26 /** Update the PID control with a new value **/</a:t>
-            </a:r>
-          </a:p>
-          <a:p>
-            <a:pPr rtl="0" lvl="0"/>
-            <a:r>
-              <a:rPr sz="1000">
-                <a:solidFill>
-                  <a:srgbClr val="FFFFFF"/>
-                </a:solidFill>
-              </a:rPr>
-              <a:t> 27 float PID::updatePID(float error) {</a:t>
-            </a:r>
-          </a:p>
-          <a:p>
-            <a:pPr rtl="0" lvl="0"/>
-            <a:r>
-              <a:rPr sz="1000">
-                <a:solidFill>
-                  <a:srgbClr val="FFFFFF"/>
-                </a:solidFill>
-              </a:rPr>
-              <a:t> 28 	float prevError = lastError();</a:t>
-            </a:r>
-          </a:p>
-          <a:p>
-            <a:pPr rtl="0" lvl="0"/>
-            <a:r>
-              <a:rPr sz="1000">
-                <a:solidFill>
-                  <a:srgbClr val="FFFFFF"/>
-                </a:solidFill>
-              </a:rPr>
-              <a:t> 29 	//add the error to the integrator list</a:t>
-            </a:r>
-          </a:p>
-          <a:p>
-            <a:pPr rtl="0" lvl="0"/>
-            <a:r>
-              <a:rPr sz="1000">
-                <a:solidFill>
-                  <a:srgbClr val="FFFFFF"/>
-                </a:solidFill>
-              </a:rPr>
-              <a:t> 30 	addErrorToIntegrator(error);</a:t>
-            </a:r>
-          </a:p>
-          <a:p>
-            <a:pPr rtl="0" lvl="0"/>
-            <a:r>
-              <a:rPr sz="1000">
-                <a:solidFill>
-                  <a:srgbClr val="FFFFFF"/>
-                </a:solidFill>
-              </a:rPr>
-              <a:t> 31</a:t>
-            </a:r>
-          </a:p>
-          <a:p>
-            <a:pPr rtl="0" lvl="0"/>
-            <a:r>
-              <a:rPr sz="1000">
-                <a:solidFill>
-                  <a:srgbClr val="FFFFFF"/>
-                </a:solidFill>
-              </a:rPr>
-              <a:t> 32 	float pTerm, iTerm, dTerm;</a:t>
-            </a:r>
-          </a:p>
-          <a:p>
-            <a:pPr rtl="0" lvl="0"/>
-            <a:r>
-              <a:rPr sz="1000">
-                <a:solidFill>
-                  <a:srgbClr val="FFFFFF"/>
-                </a:solidFill>
-              </a:rPr>
-              <a:t> 48</a:t>
-            </a:r>
-          </a:p>
-          <a:p>
-            <a:pPr rtl="0" lvl="0"/>
-            <a:r>
-              <a:rPr sz="1000">
-                <a:solidFill>
-                  <a:srgbClr val="FFFFFF"/>
-                </a:solidFill>
-              </a:rPr>
-              <a:t> 49 	pTerm = _constants.kp * error;                  	//get proportional term of the PID control</a:t>
-            </a:r>
-          </a:p>
-          <a:p>
-            <a:pPr rtl="0" lvl="0"/>
-            <a:r>
-              <a:rPr sz="1000">
-                <a:solidFill>
-                  <a:srgbClr val="FFFFFF"/>
-                </a:solidFill>
-              </a:rPr>
-              <a:t> 50 	iTerm = _constants.ki * currentIntegratorError();   //get integral term of the PID control</a:t>
-            </a:r>
-          </a:p>
-          <a:p>
-            <a:pPr rtl="0" lvl="0"/>
-            <a:r>
-              <a:rPr sz="1000">
-                <a:solidFill>
-                  <a:srgbClr val="FFFFFF"/>
-                </a:solidFill>
-              </a:rPr>
-              <a:t> 51 	if (iTerm &gt; _maxValue) {                        	//check that the integrator is not too high</a:t>
-            </a:r>
-          </a:p>
-          <a:p>
-            <a:pPr rtl="0" lvl="0"/>
-            <a:r>
-              <a:rPr sz="1000">
-                <a:solidFill>
-                  <a:srgbClr val="FFFFFF"/>
-                </a:solidFill>
-              </a:rPr>
-              <a:t> 52     	iTerm = _maxValue;</a:t>
-            </a:r>
-          </a:p>
-          <a:p>
-            <a:pPr rtl="0" lvl="0"/>
-            <a:r>
-              <a:rPr sz="1000">
-                <a:solidFill>
-                  <a:srgbClr val="FFFFFF"/>
-                </a:solidFill>
-              </a:rPr>
-              <a:t> 53 	}</a:t>
-            </a:r>
-          </a:p>
-          <a:p>
-            <a:pPr rtl="0" lvl="0"/>
-            <a:r>
-              <a:rPr sz="1000">
-                <a:solidFill>
-                  <a:srgbClr val="FFFFFF"/>
-                </a:solidFill>
-              </a:rPr>
-              <a:t> 54 	else if (iTerm &lt; _minValue) {</a:t>
-            </a:r>
-          </a:p>
-          <a:p>
-            <a:pPr rtl="0" lvl="0"/>
-            <a:r>
-              <a:rPr sz="1000">
-                <a:solidFill>
-                  <a:srgbClr val="FFFFFF"/>
-                </a:solidFill>
-              </a:rPr>
-              <a:t> 55     	iTerm = _minValue;</a:t>
-            </a:r>
-          </a:p>
-          <a:p>
-            <a:pPr rtl="0" lvl="0"/>
-            <a:r>
-              <a:rPr sz="1000">
-                <a:solidFill>
-                  <a:srgbClr val="FFFFFF"/>
-                </a:solidFill>
-              </a:rPr>
-              <a:t> 56 	}</a:t>
-            </a:r>
-          </a:p>
-          <a:p>
-            <a:pPr rtl="0" lvl="0"/>
-            <a:r>
-              <a:rPr sz="1000">
-                <a:solidFill>
-                  <a:srgbClr val="FFFFFF"/>
-                </a:solidFill>
-              </a:rPr>
-              <a:t> 57</a:t>
-            </a:r>
-          </a:p>
-          <a:p>
-            <a:pPr rtl="0" lvl="0"/>
-            <a:r>
-              <a:rPr sz="1000">
-                <a:solidFill>
-                  <a:srgbClr val="FFFFFF"/>
-                </a:solidFill>
-              </a:rPr>
-              <a:t> 58 	// multiply by the change in error (this one minus the previous)</a:t>
-            </a:r>
-          </a:p>
-          <a:p>
-            <a:pPr rtl="0" lvl="0"/>
-            <a:r>
-              <a:rPr sz="1000">
-                <a:solidFill>
-                  <a:srgbClr val="FFFFFF"/>
-                </a:solidFill>
-              </a:rPr>
-              <a:t> 59 	dTerm = _constants.kd * (error - prevError);</a:t>
-            </a:r>
-          </a:p>
-          <a:p>
-            <a:pPr rtl="0" lvl="0"/>
-            <a:r>
-              <a:rPr sz="1000">
-                <a:solidFill>
-                  <a:srgbClr val="FFFFFF"/>
-                </a:solidFill>
-              </a:rPr>
-              <a:t> 64</a:t>
-            </a:r>
-          </a:p>
-          <a:p>
-            <a:pPr rtl="0" lvl="0"/>
-            <a:r>
-              <a:rPr sz="1000">
-                <a:solidFill>
-                  <a:srgbClr val="FFFFFF"/>
-                </a:solidFill>
-              </a:rPr>
-              <a:t> 65 	float gain = pTerm+iTerm+dTerm;</a:t>
-            </a:r>
-          </a:p>
-          <a:p>
-            <a:pPr rtl="0" lvl="0"/>
-            <a:r>
-              <a:rPr sz="1000">
-                <a:solidFill>
-                  <a:srgbClr val="FFFFFF"/>
-                </a:solidFill>
-              </a:rPr>
-              <a:t> 66 	if (gain &gt; 1.0) {</a:t>
-            </a:r>
-          </a:p>
-          <a:p>
-            <a:pPr rtl="0" lvl="0"/>
-            <a:r>
-              <a:rPr sz="1000">
-                <a:solidFill>
-                  <a:srgbClr val="FFFFFF"/>
-                </a:solidFill>
-              </a:rPr>
-              <a:t> 67     	gain=1.0;</a:t>
-            </a:r>
-          </a:p>
-          <a:p>
-            <a:pPr rtl="0" lvl="0"/>
-            <a:r>
-              <a:rPr sz="1000">
-                <a:solidFill>
-                  <a:srgbClr val="FFFFFF"/>
-                </a:solidFill>
-              </a:rPr>
-              <a:t> 68 	}</a:t>
-            </a:r>
-          </a:p>
-          <a:p>
-            <a:pPr rtl="0" lvl="0"/>
-            <a:r>
-              <a:rPr sz="1000">
-                <a:solidFill>
-                  <a:srgbClr val="FFFFFF"/>
-                </a:solidFill>
-              </a:rPr>
-              <a:t> 69</a:t>
-            </a:r>
-          </a:p>
-          <a:p>
-            <a:pPr rtl="0" lvl="0"/>
-            <a:r>
-              <a:rPr sz="1000">
-                <a:solidFill>
-                  <a:srgbClr val="FFFFFF"/>
-                </a:solidFill>
-              </a:rPr>
-              <a:t> 70 	return gain;</a:t>
-            </a:r>
-          </a:p>
-          <a:p>
-            <a:pPr/>
-            <a:r>
-              <a:rPr sz="1000">
-                <a:solidFill>
-                  <a:srgbClr val="FFFFFF"/>
-                </a:solidFill>
-              </a:rPr>
-              <a:t> 71 }</a:t>
+            <a:pPr indent="-342900" marR="0" algn="l" marL="342900" rtl="0" lvl="0">
+              <a:spcBef>
+                <a:spcPts val="640"/>
+              </a:spcBef>
+              <a:buClr>
+                <a:schemeClr val="dk1"/>
+              </a:buClr>
+              <a:buSzPct val="131944"/>
+              <a:buFont typeface="Arial"/>
+              <a:buChar char="•"/>
+            </a:pPr>
+            <a:r>
+              <a:rPr i="0" baseline="0" strike="noStrike" sz="2400" b="0" cap="none" u="none">
+                <a:solidFill>
+                  <a:srgbClr val="FFFFFF"/>
+                </a:solidFill>
+                <a:latin panose="" typeface="Arial"/>
+                <a:ea panose="" typeface="Arial"/>
+                <a:cs panose="" typeface="Arial"/>
+                <a:sym panose="" typeface="Arial"/>
+              </a:rPr>
+              <a:t>For each PID, we tuned it by using an educated guess, and then testing the robot</a:t>
+            </a:r>
+          </a:p>
+          <a:p>
+            <a:r>
+              <a:t/>
+            </a:r>
+          </a:p>
+          <a:p>
+            <a:pPr indent="-342900" marR="0" algn="l" marL="342900" rtl="0" lvl="0">
+              <a:spcBef>
+                <a:spcPts val="640"/>
+              </a:spcBef>
+              <a:buClr>
+                <a:schemeClr val="dk1"/>
+              </a:buClr>
+              <a:buSzPct val="131944"/>
+              <a:buFont typeface="Arial"/>
+              <a:buChar char="•"/>
+            </a:pPr>
+            <a:r>
+              <a:rPr i="0" baseline="0" strike="noStrike" sz="2400" b="0" cap="none" u="none">
+                <a:solidFill>
+                  <a:srgbClr val="FFFFFF"/>
+                </a:solidFill>
+                <a:latin panose="" typeface="Arial"/>
+                <a:ea panose="" typeface="Arial"/>
+                <a:cs panose="" typeface="Arial"/>
+                <a:sym panose="" typeface="Arial"/>
+              </a:rPr>
+              <a:t>For the integral term, we created an adjustable maximum value that depended on the control</a:t>
+            </a:r>
+          </a:p>
+          <a:p>
+            <a:r>
+              <a:t/>
+            </a:r>
+          </a:p>
+          <a:p>
+            <a:pPr indent="-342900" marR="0" algn="l" marL="342900" rtl="0" lvl="0">
+              <a:spcBef>
+                <a:spcPts val="640"/>
+              </a:spcBef>
+              <a:buClr>
+                <a:schemeClr val="dk1"/>
+              </a:buClr>
+              <a:buSzPct val="131944"/>
+              <a:buFont typeface="Arial"/>
+              <a:buChar char="•"/>
+            </a:pPr>
+            <a:r>
+              <a:rPr i="0" baseline="0" strike="noStrike" sz="2400" b="0" cap="none" u="none">
+                <a:solidFill>
+                  <a:srgbClr val="FFFFFF"/>
+                </a:solidFill>
+                <a:latin panose="" typeface="Arial"/>
+                <a:ea panose="" typeface="Arial"/>
+                <a:cs panose="" typeface="Arial"/>
+                <a:sym panose="" typeface="Arial"/>
+              </a:rPr>
+              <a:t>After much testing, we decided that both controls should have their values most affected by the Proportional term, and much less by the integral and derivative terms</a:t>
             </a:r>
           </a:p>
         </p:txBody>
@@ -20303,6 +20252,431 @@
         </p:nvSpPr>
         <p:spPr>
           <a:xfrm>
+            <a:off y="-144787" x="457199"/>
+            <a:ext cy="1143000" cx="8229600"/>
+          </a:xfrm>
+          <a:prstGeom prst="rect">
+            <a:avLst/>
+          </a:prstGeom>
+          <a:noFill/>
+          <a:ln>
+            <a:noFill/>
+          </a:ln>
+        </p:spPr>
+        <p:txBody>
+          <a:bodyPr bIns="45700" tIns="45700" lIns="91425" anchor="ctr" anchorCtr="0" rIns="91425">
+            <a:spAutoFit/>
+          </a:bodyPr>
+          <a:lstStyle/>
+          <a:p>
+            <a:pPr indent="0" marR="0" algn="ctr" marL="0" rtl="0" lvl="0">
+              <a:spcBef>
+                <a:spcPts val="0"/>
+              </a:spcBef>
+              <a:buClr>
+                <a:schemeClr val="dk1"/>
+              </a:buClr>
+              <a:buSzPct val="25000"/>
+              <a:buFont typeface="Arial"/>
+            </a:pPr>
+            <a:r>
+              <a:rPr i="0" baseline="0" strike="noStrike" sz="4400" b="0" cap="none" u="none">
+                <a:solidFill>
+                  <a:srgbClr val="FF9900"/>
+                </a:solidFill>
+                <a:latin panose="" typeface="Arial"/>
+                <a:ea panose="" typeface="Arial"/>
+                <a:cs panose="" typeface="Arial"/>
+                <a:sym panose="" typeface="Arial"/>
+              </a:rPr>
+              <a:t>PID </a:t>
+            </a:r>
+            <a:r>
+              <a:rPr>
+                <a:solidFill>
+                  <a:srgbClr val="FF9900"/>
+                </a:solidFill>
+              </a:rPr>
+              <a:t>C</a:t>
+            </a:r>
+            <a:r>
+              <a:rPr i="0" baseline="0" strike="noStrike" sz="4400" b="0" cap="none" u="none">
+                <a:solidFill>
+                  <a:srgbClr val="FF9900"/>
+                </a:solidFill>
+                <a:latin panose="" typeface="Arial"/>
+                <a:ea panose="" typeface="Arial"/>
+                <a:cs panose="" typeface="Arial"/>
+                <a:sym panose="" typeface="Arial"/>
+              </a:rPr>
+              <a:t>ode</a:t>
+            </a:r>
+          </a:p>
+        </p:txBody>
+      </p:sp>
+      <p:sp>
+        <p:nvSpPr>
+          <p:cNvPr name="Shape 268" id="268"/>
+          <p:cNvSpPr/>
+          <p:nvPr>
+            <p:ph type="body" idx="1"/>
+          </p:nvPr>
+        </p:nvSpPr>
+        <p:spPr>
+          <a:xfrm>
+            <a:off y="740327" x="457200"/>
+            <a:ext cy="6056699" cx="8229600"/>
+          </a:xfrm>
+          <a:prstGeom prst="rect">
+            <a:avLst/>
+          </a:prstGeom>
+          <a:noFill/>
+          <a:ln>
+            <a:noFill/>
+          </a:ln>
+        </p:spPr>
+        <p:txBody>
+          <a:bodyPr bIns="45700" tIns="45700" lIns="91425" anchor="t" anchorCtr="0" rIns="91425">
+            <a:spAutoFit/>
+          </a:bodyPr>
+          <a:lstStyle/>
+          <a:p>
+            <a:pPr rtl="0" lvl="0"/>
+            <a:r>
+              <a:rPr sz="1000">
+                <a:solidFill>
+                  <a:srgbClr val="FFFFFF"/>
+                </a:solidFill>
+              </a:rPr>
+              <a:t> 26 /** Update the PID control with a new value **/</a:t>
+            </a:r>
+          </a:p>
+          <a:p>
+            <a:pPr rtl="0" lvl="0"/>
+            <a:r>
+              <a:rPr sz="1000">
+                <a:solidFill>
+                  <a:srgbClr val="FFFFFF"/>
+                </a:solidFill>
+              </a:rPr>
+              <a:t> 27 float PID::updatePID(float error) {</a:t>
+            </a:r>
+          </a:p>
+          <a:p>
+            <a:pPr rtl="0" lvl="0"/>
+            <a:r>
+              <a:rPr sz="1000">
+                <a:solidFill>
+                  <a:srgbClr val="FFFFFF"/>
+                </a:solidFill>
+              </a:rPr>
+              <a:t> 28 	float prevError = lastError();</a:t>
+            </a:r>
+          </a:p>
+          <a:p>
+            <a:pPr rtl="0" lvl="0"/>
+            <a:r>
+              <a:rPr sz="1000">
+                <a:solidFill>
+                  <a:srgbClr val="FFFFFF"/>
+                </a:solidFill>
+              </a:rPr>
+              <a:t> 29 	//add the error to the integrator list</a:t>
+            </a:r>
+          </a:p>
+          <a:p>
+            <a:pPr rtl="0" lvl="0"/>
+            <a:r>
+              <a:rPr sz="1000">
+                <a:solidFill>
+                  <a:srgbClr val="FFFFFF"/>
+                </a:solidFill>
+              </a:rPr>
+              <a:t> 30 	addErrorToIntegrator(error);</a:t>
+            </a:r>
+          </a:p>
+          <a:p>
+            <a:pPr rtl="0" lvl="0"/>
+            <a:r>
+              <a:rPr sz="1000">
+                <a:solidFill>
+                  <a:srgbClr val="FFFFFF"/>
+                </a:solidFill>
+              </a:rPr>
+              <a:t> 31</a:t>
+            </a:r>
+          </a:p>
+          <a:p>
+            <a:pPr rtl="0" lvl="0"/>
+            <a:r>
+              <a:rPr sz="1000">
+                <a:solidFill>
+                  <a:srgbClr val="FFFFFF"/>
+                </a:solidFill>
+              </a:rPr>
+              <a:t> 32 	float pTerm, iTerm, dTerm;</a:t>
+            </a:r>
+          </a:p>
+          <a:p>
+            <a:pPr rtl="0" lvl="0"/>
+            <a:r>
+              <a:rPr sz="1000">
+                <a:solidFill>
+                  <a:srgbClr val="FFFFFF"/>
+                </a:solidFill>
+              </a:rPr>
+              <a:t> 48</a:t>
+            </a:r>
+          </a:p>
+          <a:p>
+            <a:pPr rtl="0" lvl="0"/>
+            <a:r>
+              <a:rPr sz="1000">
+                <a:solidFill>
+                  <a:srgbClr val="FFFFFF"/>
+                </a:solidFill>
+              </a:rPr>
+              <a:t> 49 	pTerm = _constants.kp * error;                  	//get proportional term of the PID control</a:t>
+            </a:r>
+          </a:p>
+          <a:p>
+            <a:pPr rtl="0" lvl="0"/>
+            <a:r>
+              <a:rPr sz="1000">
+                <a:solidFill>
+                  <a:srgbClr val="FFFFFF"/>
+                </a:solidFill>
+              </a:rPr>
+              <a:t> 50 	iTerm = _constants.ki * currentIntegratorError();   //get integral term of the PID control</a:t>
+            </a:r>
+          </a:p>
+          <a:p>
+            <a:pPr rtl="0" lvl="0"/>
+            <a:r>
+              <a:rPr sz="1000">
+                <a:solidFill>
+                  <a:srgbClr val="FFFFFF"/>
+                </a:solidFill>
+              </a:rPr>
+              <a:t> 51 	if (iTerm &gt; _maxValue) {                        	//check that the integrator is not too high</a:t>
+            </a:r>
+          </a:p>
+          <a:p>
+            <a:pPr rtl="0" lvl="0"/>
+            <a:r>
+              <a:rPr sz="1000">
+                <a:solidFill>
+                  <a:srgbClr val="FFFFFF"/>
+                </a:solidFill>
+              </a:rPr>
+              <a:t> 52     	iTerm = _maxValue;</a:t>
+            </a:r>
+          </a:p>
+          <a:p>
+            <a:pPr rtl="0" lvl="0"/>
+            <a:r>
+              <a:rPr sz="1000">
+                <a:solidFill>
+                  <a:srgbClr val="FFFFFF"/>
+                </a:solidFill>
+              </a:rPr>
+              <a:t> 53 	}</a:t>
+            </a:r>
+          </a:p>
+          <a:p>
+            <a:pPr rtl="0" lvl="0"/>
+            <a:r>
+              <a:rPr sz="1000">
+                <a:solidFill>
+                  <a:srgbClr val="FFFFFF"/>
+                </a:solidFill>
+              </a:rPr>
+              <a:t> 54 	else if (iTerm &lt; _minValue) {</a:t>
+            </a:r>
+          </a:p>
+          <a:p>
+            <a:pPr rtl="0" lvl="0"/>
+            <a:r>
+              <a:rPr sz="1000">
+                <a:solidFill>
+                  <a:srgbClr val="FFFFFF"/>
+                </a:solidFill>
+              </a:rPr>
+              <a:t> 55     	iTerm = _minValue;</a:t>
+            </a:r>
+          </a:p>
+          <a:p>
+            <a:pPr rtl="0" lvl="0"/>
+            <a:r>
+              <a:rPr sz="1000">
+                <a:solidFill>
+                  <a:srgbClr val="FFFFFF"/>
+                </a:solidFill>
+              </a:rPr>
+              <a:t> 56 	}</a:t>
+            </a:r>
+          </a:p>
+          <a:p>
+            <a:pPr rtl="0" lvl="0"/>
+            <a:r>
+              <a:rPr sz="1000">
+                <a:solidFill>
+                  <a:srgbClr val="FFFFFF"/>
+                </a:solidFill>
+              </a:rPr>
+              <a:t> 57</a:t>
+            </a:r>
+          </a:p>
+          <a:p>
+            <a:pPr rtl="0" lvl="0"/>
+            <a:r>
+              <a:rPr sz="1000">
+                <a:solidFill>
+                  <a:srgbClr val="FFFFFF"/>
+                </a:solidFill>
+              </a:rPr>
+              <a:t> 58 	// multiply by the change in error (this one minus the previous)</a:t>
+            </a:r>
+          </a:p>
+          <a:p>
+            <a:pPr rtl="0" lvl="0"/>
+            <a:r>
+              <a:rPr sz="1000">
+                <a:solidFill>
+                  <a:srgbClr val="FFFFFF"/>
+                </a:solidFill>
+              </a:rPr>
+              <a:t> 59 	dTerm = _constants.kd * (error - prevError);</a:t>
+            </a:r>
+          </a:p>
+          <a:p>
+            <a:pPr rtl="0" lvl="0"/>
+            <a:r>
+              <a:rPr sz="1000">
+                <a:solidFill>
+                  <a:srgbClr val="FFFFFF"/>
+                </a:solidFill>
+              </a:rPr>
+              <a:t> 64</a:t>
+            </a:r>
+          </a:p>
+          <a:p>
+            <a:pPr rtl="0" lvl="0"/>
+            <a:r>
+              <a:rPr sz="1000">
+                <a:solidFill>
+                  <a:srgbClr val="FFFFFF"/>
+                </a:solidFill>
+              </a:rPr>
+              <a:t> 65 	float gain = pTerm+iTerm+dTerm;</a:t>
+            </a:r>
+          </a:p>
+          <a:p>
+            <a:pPr rtl="0" lvl="0"/>
+            <a:r>
+              <a:rPr sz="1000">
+                <a:solidFill>
+                  <a:srgbClr val="FFFFFF"/>
+                </a:solidFill>
+              </a:rPr>
+              <a:t> 66 	if (gain &gt; 1.0) {</a:t>
+            </a:r>
+          </a:p>
+          <a:p>
+            <a:pPr rtl="0" lvl="0"/>
+            <a:r>
+              <a:rPr sz="1000">
+                <a:solidFill>
+                  <a:srgbClr val="FFFFFF"/>
+                </a:solidFill>
+              </a:rPr>
+              <a:t> 67     	gain=1.0;</a:t>
+            </a:r>
+          </a:p>
+          <a:p>
+            <a:pPr rtl="0" lvl="0"/>
+            <a:r>
+              <a:rPr sz="1000">
+                <a:solidFill>
+                  <a:srgbClr val="FFFFFF"/>
+                </a:solidFill>
+              </a:rPr>
+              <a:t> 68 	}</a:t>
+            </a:r>
+          </a:p>
+          <a:p>
+            <a:pPr rtl="0" lvl="0"/>
+            <a:r>
+              <a:rPr sz="1000">
+                <a:solidFill>
+                  <a:srgbClr val="FFFFFF"/>
+                </a:solidFill>
+              </a:rPr>
+              <a:t> 69</a:t>
+            </a:r>
+          </a:p>
+          <a:p>
+            <a:pPr rtl="0" lvl="0"/>
+            <a:r>
+              <a:rPr sz="1000">
+                <a:solidFill>
+                  <a:srgbClr val="FFFFFF"/>
+                </a:solidFill>
+              </a:rPr>
+              <a:t> 70 	return gain;</a:t>
+            </a:r>
+          </a:p>
+          <a:p>
+            <a:pPr/>
+            <a:r>
+              <a:rPr sz="1000">
+                <a:solidFill>
+                  <a:srgbClr val="FFFFFF"/>
+                </a:solidFill>
+              </a:rPr>
+              <a:t> 71 }</a:t>
+            </a:r>
+          </a:p>
+        </p:txBody>
+      </p:sp>
+    </p:spTree>
+  </p:cSld>
+  <p:clrMapOvr>
+    <a:masterClrMapping/>
+  </p:clrMapOvr>
+  <p:transition spd="slow">
+    <p:cut/>
+  </p:transition>
+</p:sld>
+</file>
+
+<file path=ppt/slides/slide23.xml><?xml version="1.0" encoding="utf-8"?>
+<p:sld xmlns:a="http://schemas.openxmlformats.org/drawingml/2006/main" xmlns:r="http://schemas.openxmlformats.org/officeDocument/2006/relationships" xmlns:mc="http://schemas.openxmlformats.org/markup-compatibility/2006" xmlns:mv="urn:schemas-microsoft-com:mac:vml" xmlns:p="http://schemas.openxmlformats.org/presentationml/2006/main" xmlns:c="http://schemas.openxmlformats.org/drawingml/2006/chart" xmlns:dgm="http://schemas.openxmlformats.org/drawingml/2006/diagram" xmlns:o="urn:schemas-microsoft-com:office:office" xmlns:v="urn:schemas-microsoft-com:vml" xmlns:pvml="urn:schemas-microsoft-com:office:powerpoint" xmlns:com="http://schemas.openxmlformats.org/drawingml/2006/compatibility" xmlns:p14="http://schemas.microsoft.com/office/powerpoint/2010/main">
+  <p:cSld>
+    <p:spTree>
+      <p:nvGrpSpPr>
+        <p:cNvPr name="Shape 272" id="272"/>
+        <p:cNvGrpSpPr/>
+        <p:nvPr/>
+      </p:nvGrpSpPr>
+      <p:grpSpPr>
+        <a:xfrm>
+          <a:off y="0" x="0"/>
+          <a:ext cy="0" cx="0"/>
+          <a:chOff y="0" x="0"/>
+          <a:chExt cy="0" cx="0"/>
+        </a:xfrm>
+      </p:grpSpPr>
+      <p:sp>
+        <p:nvSpPr>
+          <p:cNvPr name="Shape 273" id="273"/>
+          <p:cNvSpPr/>
+          <p:nvPr>
+            <p:ph type="title"/>
+          </p:nvPr>
+        </p:nvSpPr>
+        <p:spPr>
+          <a:xfrm>
             <a:off y="274637" x="457200"/>
             <a:ext cy="1143000" cx="8229600"/>
           </a:xfrm>
@@ -20330,7 +20704,7 @@
       </p:sp>
       <p:sp>
         <p:nvSpPr>
-          <p:cNvPr name="Shape 268" id="268"/>
+          <p:cNvPr name="Shape 274" id="274"/>
           <p:cNvSpPr/>
           <p:nvPr>
             <p:ph type="body" idx="1"/>
@@ -20429,32 +20803,15 @@
           </a:ln>
         </p:spPr>
         <p:txBody>
-          <a:bodyPr bIns="45700" tIns="45700" lIns="91425" anchor="ctr" anchorCtr="0" rIns="91425">
+          <a:bodyPr bIns="91425" tIns="91425" lIns="91425" anchor="ctr" anchorCtr="0" rIns="91425">
             <a:spAutoFit/>
           </a:bodyPr>
           <a:lstStyle/>
           <a:p>
-            <a:pPr indent="0" marR="0" algn="ctr" marL="0" rtl="0" lvl="0">
-              <a:spcBef>
-                <a:spcPts val="0"/>
-              </a:spcBef>
-              <a:buClr>
-                <a:schemeClr val="dk1"/>
-              </a:buClr>
-              <a:buSzPct val="25000"/>
-              <a:buFont typeface="Arial"/>
-            </a:pPr>
-            <a:r>
-              <a:rPr i="0" baseline="0" strike="noStrike" sz="4400" b="0" cap="none" u="none">
-                <a:solidFill>
-                  <a:srgbClr val="FF9900"/>
-                </a:solidFill>
-                <a:latin panose="" typeface="Arial"/>
-                <a:ea panose="" typeface="Arial"/>
-                <a:cs panose="" typeface="Arial"/>
-                <a:sym panose="" typeface="Arial"/>
-              </a:rPr>
-              <a:t>Global Coordinate System</a:t>
+            <a:pPr/>
+            <a:r>
+              <a:rPr/>
+              <a:t>An Overview of the Codebase</a:t>
             </a:r>
           </a:p>
         </p:txBody>
@@ -20470,7 +20827,7 @@
         <p:spPr>
           <a:xfrm>
             <a:off y="1600200" x="457200"/>
-            <a:ext cy="4525963" cx="8229600"/>
+            <a:ext cy="4526100" cx="8229600"/>
           </a:xfrm>
           <a:prstGeom prst="rect">
             <a:avLst/>
@@ -20481,153 +20838,157 @@
           </a:ln>
         </p:spPr>
         <p:txBody>
-          <a:bodyPr bIns="45700" tIns="45700" lIns="91425" anchor="t" anchorCtr="0" rIns="91425">
+          <a:bodyPr bIns="91425" tIns="91425" lIns="91425" anchor="t" anchorCtr="0" rIns="91425">
             <a:spAutoFit/>
           </a:bodyPr>
           <a:lstStyle/>
           <a:p>
-            <a:pPr indent="-342900" marR="0" algn="l" marL="342900" rtl="0" lvl="0">
-              <a:spcBef>
-                <a:spcPts val="640"/>
-              </a:spcBef>
+            <a:pPr indent="-419100" marL="457200" rtl="0" lvl="0">
               <a:buClr>
-                <a:schemeClr val="dk1"/>
+                <a:schemeClr val="lt2"/>
               </a:buClr>
-              <a:buSzPct val="131944"/>
+              <a:buSzPct val="166666"/>
               <a:buFont typeface="Arial"/>
               <a:buChar char="•"/>
             </a:pPr>
             <a:r>
-              <a:rPr i="0" baseline="0" strike="noStrike" sz="2400" b="0" cap="none" u="none">
-                <a:solidFill>
-                  <a:schemeClr val="lt1"/>
-                </a:solidFill>
-                <a:latin panose="" typeface="Arial"/>
-                <a:ea panose="" typeface="Arial"/>
-                <a:cs panose="" typeface="Arial"/>
-                <a:sym panose="" typeface="Arial"/>
-              </a:rPr>
-              <a:t>The global coordinate begins on base 0 in the middle of the base</a:t>
-            </a:r>
-          </a:p>
-          <a:p>
-            <a:r>
-              <a:t/>
-            </a:r>
-          </a:p>
-          <a:p>
-            <a:pPr indent="-342900" marR="0" algn="l" marL="342900" rtl="0" lvl="0">
-              <a:spcBef>
-                <a:spcPts val="640"/>
-              </a:spcBef>
+              <a:rPr/>
+              <a:t>data/</a:t>
+            </a:r>
+          </a:p>
+          <a:p>
+            <a:pPr indent="-419100" marL="457200" rtl="0" lvl="0">
               <a:buClr>
-                <a:schemeClr val="dk1"/>
+                <a:schemeClr val="lt2"/>
               </a:buClr>
-              <a:buSzPct val="131944"/>
+              <a:buSzPct val="166666"/>
               <a:buFont typeface="Arial"/>
               <a:buChar char="•"/>
             </a:pPr>
             <a:r>
-              <a:rPr i="0" baseline="0" strike="noStrike" sz="2400" b="0" cap="none" u="none">
-                <a:solidFill>
-                  <a:schemeClr val="lt1"/>
-                </a:solidFill>
-                <a:latin panose="" typeface="Arial"/>
-                <a:ea panose="" typeface="Arial"/>
-                <a:cs panose="" typeface="Arial"/>
-                <a:sym panose="" typeface="Arial"/>
-              </a:rPr>
-              <a:t>The X direction goes positive along the far wall</a:t>
-            </a:r>
-          </a:p>
-          <a:p>
-            <a:r>
-              <a:t/>
-            </a:r>
-          </a:p>
-          <a:p>
-            <a:pPr indent="-342900" marR="0" algn="l" marL="342900" rtl="0" lvl="0">
-              <a:spcBef>
-                <a:spcPts val="640"/>
-              </a:spcBef>
+              <a:rPr/>
+              <a:t>filters/</a:t>
+            </a:r>
+          </a:p>
+          <a:p>
+            <a:pPr indent="-419100" marL="457200" rtl="0" lvl="0">
               <a:buClr>
-                <a:schemeClr val="dk1"/>
+                <a:schemeClr val="lt2"/>
               </a:buClr>
-              <a:buSzPct val="131944"/>
+              <a:buSzPct val="166666"/>
               <a:buFont typeface="Arial"/>
               <a:buChar char="•"/>
             </a:pPr>
             <a:r>
-              <a:rPr i="0" baseline="0" strike="noStrike" sz="2400" b="0" cap="none" u="none">
-                <a:solidFill>
-                  <a:schemeClr val="lt1"/>
-                </a:solidFill>
-                <a:latin panose="" typeface="Arial"/>
-                <a:ea panose="" typeface="Arial"/>
-                <a:cs panose="" typeface="Arial"/>
-                <a:sym panose="" typeface="Arial"/>
-              </a:rPr>
-              <a:t>The Y direction goes positive along the wall on the right side (facing towards the far wall)</a:t>
-            </a:r>
-          </a:p>
-          <a:p>
-            <a:r>
-              <a:t/>
-            </a:r>
-          </a:p>
-          <a:p>
-            <a:pPr indent="-342900" marR="0" algn="l" marL="342900" rtl="0" lvl="0">
-              <a:spcBef>
-                <a:spcPts val="640"/>
-              </a:spcBef>
+              <a:rPr/>
+              <a:t>PID</a:t>
+            </a:r>
+          </a:p>
+          <a:p>
+            <a:pPr indent="-419100" marL="457200" rtl="0" lvl="0">
               <a:buClr>
-                <a:schemeClr val="dk1"/>
+                <a:schemeClr val="lt2"/>
               </a:buClr>
-              <a:buSzPct val="131944"/>
+              <a:buSzPct val="166666"/>
               <a:buFont typeface="Arial"/>
               <a:buChar char="•"/>
             </a:pPr>
             <a:r>
-              <a:rPr i="0" baseline="0" strike="noStrike" sz="2400" b="0" cap="none" u="none">
-                <a:solidFill>
-                  <a:schemeClr val="lt1"/>
-                </a:solidFill>
-                <a:latin panose="" typeface="Arial"/>
-                <a:ea panose="" typeface="Arial"/>
-                <a:cs panose="" typeface="Arial"/>
-                <a:sym panose="" typeface="Arial"/>
-              </a:rPr>
-              <a:t>Theta is 0 in the X direction and turns positive when turning counterclockwise.  </a:t>
-            </a:r>
-          </a:p>
-          <a:p>
-            <a:r>
-              <a:t/>
-            </a:r>
-          </a:p>
-          <a:p>
-            <a:pPr indent="-342900" marR="0" algn="l" marL="342900" rtl="0" lvl="0">
-              <a:spcBef>
-                <a:spcPts val="640"/>
-              </a:spcBef>
+              <a:rPr/>
+              <a:t>firfilter</a:t>
+            </a:r>
+          </a:p>
+          <a:p>
+            <a:pPr indent="-419100" marL="457200" rtl="0" lvl="0">
               <a:buClr>
-                <a:schemeClr val="dk1"/>
+                <a:schemeClr val="lt2"/>
               </a:buClr>
-              <a:buSzPct val="131944"/>
+              <a:buSzPct val="166666"/>
               <a:buFont typeface="Arial"/>
               <a:buChar char="•"/>
             </a:pPr>
             <a:r>
-              <a:rPr i="0" baseline="0" strike="noStrike" sz="2400" b="0" cap="none" u="none">
-                <a:solidFill>
-                  <a:schemeClr val="lt1"/>
-                </a:solidFill>
-                <a:latin panose="" typeface="Arial"/>
-                <a:ea panose="" typeface="Arial"/>
-                <a:cs panose="" typeface="Arial"/>
-                <a:sym panose="" typeface="Arial"/>
-              </a:rPr>
-              <a:t>From 0 to 2*pi</a:t>
+              <a:rPr/>
+              <a:t>kalman</a:t>
+            </a:r>
+          </a:p>
+          <a:p>
+            <a:pPr indent="-419100" marL="457200" rtl="0" lvl="0">
+              <a:buClr>
+                <a:schemeClr val="lt2"/>
+              </a:buClr>
+              <a:buSzPct val="166666"/>
+              <a:buFont typeface="Arial"/>
+              <a:buChar char="•"/>
+            </a:pPr>
+            <a:r>
+              <a:rPr/>
+              <a:t>pose</a:t>
+            </a:r>
+          </a:p>
+          <a:p>
+            <a:pPr indent="-419100" marL="457200" rtl="0" lvl="0">
+              <a:buClr>
+                <a:schemeClr val="lt2"/>
+              </a:buClr>
+              <a:buSzPct val="166666"/>
+              <a:buFont typeface="Arial"/>
+              <a:buChar char="•"/>
+            </a:pPr>
+            <a:r>
+              <a:rPr/>
+              <a:t>robot</a:t>
+            </a:r>
+          </a:p>
+          <a:p>
+            <a:pPr indent="-419100" marL="457200" rtl="0" lvl="0">
+              <a:buClr>
+                <a:schemeClr val="lt2"/>
+              </a:buClr>
+              <a:buSzPct val="166666"/>
+              <a:buFont typeface="Arial"/>
+              <a:buChar char="•"/>
+            </a:pPr>
+            <a:r>
+              <a:rPr/>
+              <a:t>utilities</a:t>
+            </a:r>
+          </a:p>
+          <a:p>
+            <a:pPr indent="-419100" marL="457200" rtl="0" lvl="0">
+              <a:buClr>
+                <a:schemeClr val="lt2"/>
+              </a:buClr>
+              <a:buSzPct val="166666"/>
+              <a:buFont typeface="Arial"/>
+              <a:buChar char="•"/>
+            </a:pPr>
+            <a:r>
+              <a:rPr/>
+              <a:t>project</a:t>
+            </a:r>
+          </a:p>
+          <a:p>
+            <a:pPr indent="-419100" marL="457200" rtl="0" lvl="0">
+              <a:buClr>
+                <a:schemeClr val="lt2"/>
+              </a:buClr>
+              <a:buSzPct val="166666"/>
+              <a:buFont typeface="Arial"/>
+              <a:buChar char="•"/>
+            </a:pPr>
+            <a:r>
+              <a:rPr>
+                <a:solidFill>
+                  <a:srgbClr val="FED47D"/>
+                </a:solidFill>
+              </a:rPr>
+              <a:t>constants</a:t>
+            </a:r>
+          </a:p>
+          <a:p>
+            <a:r>
+              <a:t/>
             </a:r>
           </a:p>
         </p:txBody>
@@ -20707,7 +21068,7 @@
                 <a:cs panose="" typeface="Arial"/>
                 <a:sym panose="" typeface="Arial"/>
               </a:rPr>
-              <a:t>Linear Transformations</a:t>
+              <a:t>Global Coordinate System</a:t>
             </a:r>
           </a:p>
         </p:txBody>
@@ -20746,18 +21107,21 @@
               <a:buClr>
                 <a:schemeClr val="dk1"/>
               </a:buClr>
-              <a:buSzPct val="98958"/>
+              <a:buSzPct val="131944"/>
               <a:buFont typeface="Arial"/>
               <a:buChar char="•"/>
             </a:pPr>
             <a:r>
-              <a:rPr i="0" baseline="0" strike="noStrike" sz="3200" b="0" cap="none" u="none">
-                <a:latin panose="" typeface="Arial"/>
-                <a:ea panose="" typeface="Arial"/>
-                <a:cs panose="" typeface="Arial"/>
-                <a:sym panose="" typeface="Arial"/>
-              </a:rPr>
-              <a:t>Each room has different shift and rotate values</a:t>
+              <a:rPr i="0" baseline="0" strike="noStrike" sz="2400" b="0" cap="none" u="none">
+                <a:solidFill>
+                  <a:schemeClr val="lt1"/>
+                </a:solidFill>
+                <a:latin panose="" typeface="Arial"/>
+                <a:ea panose="" typeface="Arial"/>
+                <a:cs panose="" typeface="Arial"/>
+                <a:sym panose="" typeface="Arial"/>
+              </a:rPr>
+              <a:t>The global coordinate begins on base 0 in the middle of the base</a:t>
             </a:r>
           </a:p>
           <a:p>
@@ -20773,12 +21137,12 @@
               <a:buClr>
                 <a:schemeClr val="dk1"/>
               </a:buClr>
-              <a:buSzPct val="98958"/>
+              <a:buSzPct val="131944"/>
               <a:buFont typeface="Arial"/>
               <a:buChar char="•"/>
             </a:pPr>
             <a:r>
-              <a:rPr i="0" baseline="0" strike="noStrike" sz="3200" b="0" cap="none" u="none">
+              <a:rPr i="0" baseline="0" strike="noStrike" sz="2400" b="0" cap="none" u="none">
                 <a:solidFill>
                   <a:schemeClr val="lt1"/>
                 </a:solidFill>
@@ -20787,10 +21151,28 @@
                 <a:cs panose="" typeface="Arial"/>
                 <a:sym panose="" typeface="Arial"/>
               </a:rPr>
-              <a:t>Using </a:t>
-            </a:r>
-            <a:r>
-              <a:rPr i="0" baseline="0" strike="noStrike" sz="3200" b="1" cap="none" u="none">
+              <a:t>The X direction goes positive along the far wall</a:t>
+            </a:r>
+          </a:p>
+          <a:p>
+            <a:r>
+              <a:t/>
+            </a:r>
+          </a:p>
+          <a:p>
+            <a:pPr indent="-342900" marR="0" algn="l" marL="342900" rtl="0" lvl="0">
+              <a:spcBef>
+                <a:spcPts val="640"/>
+              </a:spcBef>
+              <a:buClr>
+                <a:schemeClr val="dk1"/>
+              </a:buClr>
+              <a:buSzPct val="131944"/>
+              <a:buFont typeface="Arial"/>
+              <a:buChar char="•"/>
+            </a:pPr>
+            <a:r>
+              <a:rPr i="0" baseline="0" strike="noStrike" sz="2400" b="0" cap="none" u="none">
                 <a:solidFill>
                   <a:schemeClr val="lt1"/>
                 </a:solidFill>
@@ -20799,10 +21181,28 @@
                 <a:cs panose="" typeface="Arial"/>
                 <a:sym panose="" typeface="Arial"/>
               </a:rPr>
-              <a:t>advanced</a:t>
-            </a:r>
-            <a:r>
-              <a:rPr i="0" baseline="0" strike="noStrike" sz="3200" b="0" cap="none" u="none">
+              <a:t>The Y direction goes positive along the wall on the right side (facing towards the far wall)</a:t>
+            </a:r>
+          </a:p>
+          <a:p>
+            <a:r>
+              <a:t/>
+            </a:r>
+          </a:p>
+          <a:p>
+            <a:pPr indent="-342900" marR="0" algn="l" marL="342900" rtl="0" lvl="0">
+              <a:spcBef>
+                <a:spcPts val="640"/>
+              </a:spcBef>
+              <a:buClr>
+                <a:schemeClr val="dk1"/>
+              </a:buClr>
+              <a:buSzPct val="131944"/>
+              <a:buFont typeface="Arial"/>
+              <a:buChar char="•"/>
+            </a:pPr>
+            <a:r>
+              <a:rPr i="0" baseline="0" strike="noStrike" sz="2400" b="0" cap="none" u="none">
                 <a:solidFill>
                   <a:schemeClr val="lt1"/>
                 </a:solidFill>
@@ -20811,7 +21211,37 @@
                 <a:cs panose="" typeface="Arial"/>
                 <a:sym panose="" typeface="Arial"/>
               </a:rPr>
-              <a:t> measuring techniques, we determined the rotations, scaling, and shifting amounts</a:t>
+              <a:t>Theta is 0 in the X direction and turns positive when turning counterclockwise.  </a:t>
+            </a:r>
+          </a:p>
+          <a:p>
+            <a:r>
+              <a:t/>
+            </a:r>
+          </a:p>
+          <a:p>
+            <a:pPr indent="-342900" marR="0" algn="l" marL="342900" rtl="0" lvl="0">
+              <a:spcBef>
+                <a:spcPts val="640"/>
+              </a:spcBef>
+              <a:buClr>
+                <a:schemeClr val="dk1"/>
+              </a:buClr>
+              <a:buSzPct val="131944"/>
+              <a:buFont typeface="Arial"/>
+              <a:buChar char="•"/>
+            </a:pPr>
+            <a:r>
+              <a:rPr i="0" baseline="0" strike="noStrike" sz="2400" b="0" cap="none" u="none">
+                <a:solidFill>
+                  <a:schemeClr val="lt1"/>
+                </a:solidFill>
+                <a:latin panose="" typeface="Arial"/>
+                <a:ea panose="" typeface="Arial"/>
+                <a:cs panose="" typeface="Arial"/>
+                <a:sym panose="" typeface="Arial"/>
+              </a:rPr>
+              <a:t>From 0 to 2*pi</a:t>
             </a:r>
           </a:p>
         </p:txBody>
@@ -20882,44 +21312,16 @@
               <a:buFont typeface="Arial"/>
             </a:pPr>
             <a:r>
-              <a:rPr sz="4800" b="0">
+              <a:rPr i="0" baseline="0" strike="noStrike" sz="4400" b="0" cap="none" u="none">
                 <a:solidFill>
                   <a:srgbClr val="FF9900"/>
                 </a:solidFill>
-              </a:rPr>
-              <a:t>T</a:t>
-            </a:r>
-            <a:r>
-              <a:rPr i="0" baseline="0" strike="noStrike" sz="4800" b="0" cap="none" u="none">
-                <a:solidFill>
-                  <a:srgbClr val="FF9900"/>
-                </a:solidFill>
-                <a:latin panose="" typeface="Arial"/>
-                <a:ea panose="" typeface="Arial"/>
-                <a:cs panose="" typeface="Arial"/>
-                <a:sym panose="" typeface="Arial"/>
-              </a:rPr>
-              <a:t>ransformation </a:t>
-            </a:r>
-            <a:r>
-              <a:rPr sz="4800" b="0">
-                <a:solidFill>
-                  <a:srgbClr val="FF9900"/>
-                </a:solidFill>
-              </a:rPr>
-              <a:t>P</a:t>
-            </a:r>
-            <a:r>
-              <a:rPr i="0" baseline="0" strike="noStrike" sz="4800" b="0" cap="none" u="none">
-                <a:solidFill>
-                  <a:srgbClr val="FF9900"/>
-                </a:solidFill>
-                <a:latin panose="" typeface="Arial"/>
-                <a:ea panose="" typeface="Arial"/>
-                <a:cs panose="" typeface="Arial"/>
-                <a:sym panose="" typeface="Arial"/>
-              </a:rPr>
-              <a:t>seudocode</a:t>
+                <a:latin panose="" typeface="Arial"/>
+                <a:ea panose="" typeface="Arial"/>
+                <a:cs panose="" typeface="Arial"/>
+                <a:sym panose="" typeface="Arial"/>
+              </a:rPr>
+              <a:t>Linear Transformations</a:t>
             </a:r>
           </a:p>
         </p:txBody>
@@ -20934,8 +21336,8 @@
         </p:nvSpPr>
         <p:spPr>
           <a:xfrm>
-            <a:off y="1791250" x="457200"/>
-            <a:ext cy="4526100" cx="8229600"/>
+            <a:off y="1600200" x="457200"/>
+            <a:ext cy="4525963" cx="8229600"/>
           </a:xfrm>
           <a:prstGeom prst="rect">
             <a:avLst/>
@@ -20958,21 +21360,18 @@
               <a:buClr>
                 <a:schemeClr val="dk1"/>
               </a:buClr>
-              <a:buSzPct val="105555"/>
+              <a:buSzPct val="98958"/>
               <a:buFont typeface="Arial"/>
               <a:buChar char="•"/>
             </a:pPr>
             <a:r>
-              <a:rPr i="0" baseline="0" strike="noStrike" b="0" cap="none" u="none">
-                <a:solidFill>
-                  <a:srgbClr val="FFFFFF"/>
-                </a:solidFill>
-                <a:latin panose="" typeface="Arial"/>
-                <a:ea panose="" typeface="Arial"/>
-                <a:cs panose="" typeface="Arial"/>
-                <a:sym panose="" typeface="Arial"/>
-              </a:rPr>
-              <a:t>Get the filtered NS x and y values</a:t>
+              <a:rPr i="0" baseline="0" strike="noStrike" sz="3200" b="0" cap="none" u="none">
+                <a:latin panose="" typeface="Arial"/>
+                <a:ea panose="" typeface="Arial"/>
+                <a:cs panose="" typeface="Arial"/>
+                <a:sym panose="" typeface="Arial"/>
+              </a:rPr>
+              <a:t>Each room has different shift and rotate values</a:t>
             </a:r>
           </a:p>
           <a:p>
@@ -20988,86 +21387,45 @@
               <a:buClr>
                 <a:schemeClr val="dk1"/>
               </a:buClr>
-              <a:buSzPct val="105555"/>
+              <a:buSzPct val="98958"/>
               <a:buFont typeface="Arial"/>
               <a:buChar char="•"/>
             </a:pPr>
             <a:r>
-              <a:rPr i="0" baseline="0" strike="noStrike" b="0" cap="none" u="none">
-                <a:solidFill>
-                  <a:srgbClr val="FFFFFF"/>
-                </a:solidFill>
-                <a:latin panose="" typeface="Arial"/>
-                <a:ea panose="" typeface="Arial"/>
-                <a:cs panose="" typeface="Arial"/>
-                <a:sym panose="" typeface="Arial"/>
-              </a:rPr>
-              <a:t>Build the transformation matrix using the values obtained during measurement</a:t>
-            </a:r>
-          </a:p>
-          <a:p>
-            <a:r>
-              <a:t/>
-            </a:r>
-          </a:p>
-          <a:p>
-            <a:pPr indent="-342900" marR="0" algn="l" marL="342900" rtl="0" lvl="0">
-              <a:spcBef>
-                <a:spcPts val="640"/>
-              </a:spcBef>
-              <a:buClr>
-                <a:schemeClr val="dk1"/>
-              </a:buClr>
-              <a:buSzPct val="105555"/>
-              <a:buFont typeface="Arial"/>
-              <a:buChar char="•"/>
-            </a:pPr>
-            <a:r>
-              <a:rPr i="0" baseline="0" strike="noStrike" b="0" cap="none" u="none">
-                <a:solidFill>
-                  <a:srgbClr val="FFFFFF"/>
-                </a:solidFill>
-                <a:latin panose="" typeface="Arial"/>
-                <a:ea panose="" typeface="Arial"/>
-                <a:cs panose="" typeface="Arial"/>
-                <a:sym panose="" typeface="Arial"/>
-              </a:rPr>
-              <a:t>Matrix multiplication with the [x,y] values with the transformation matrix</a:t>
-            </a:r>
-          </a:p>
-          <a:p>
-            <a:r>
-              <a:t/>
-            </a:r>
-          </a:p>
-          <a:p>
-            <a:pPr indent="-342900" marR="0" algn="l" marL="342900" rtl="0" lvl="0">
-              <a:spcBef>
-                <a:spcPts val="640"/>
-              </a:spcBef>
-              <a:buClr>
-                <a:schemeClr val="dk1"/>
-              </a:buClr>
-              <a:buSzPct val="105555"/>
-              <a:buFont typeface="Arial"/>
-              <a:buChar char="•"/>
-            </a:pPr>
-            <a:r>
-              <a:rPr i="0" baseline="0" strike="noStrike" b="0" cap="none" u="none">
-                <a:solidFill>
-                  <a:srgbClr val="FFFFFF"/>
-                </a:solidFill>
-                <a:latin panose="" typeface="Arial"/>
-                <a:ea panose="" typeface="Arial"/>
-                <a:cs panose="" typeface="Arial"/>
-                <a:sym panose="" typeface="Arial"/>
-              </a:rPr>
-              <a:t>Scale the value to our global coordinates</a:t>
-            </a:r>
-          </a:p>
-          <a:p>
-            <a:r>
-              <a:t/>
+              <a:rPr i="0" baseline="0" strike="noStrike" sz="3200" b="0" cap="none" u="none">
+                <a:solidFill>
+                  <a:schemeClr val="lt1"/>
+                </a:solidFill>
+                <a:latin panose="" typeface="Arial"/>
+                <a:ea panose="" typeface="Arial"/>
+                <a:cs panose="" typeface="Arial"/>
+                <a:sym panose="" typeface="Arial"/>
+              </a:rPr>
+              <a:t>Using </a:t>
+            </a:r>
+            <a:r>
+              <a:rPr i="0" baseline="0" strike="noStrike" sz="3200" b="1" cap="none" u="none">
+                <a:solidFill>
+                  <a:schemeClr val="lt1"/>
+                </a:solidFill>
+                <a:latin panose="" typeface="Arial"/>
+                <a:ea panose="" typeface="Arial"/>
+                <a:cs panose="" typeface="Arial"/>
+                <a:sym panose="" typeface="Arial"/>
+              </a:rPr>
+              <a:t>advanced</a:t>
+            </a:r>
+            <a:r>
+              <a:rPr i="0" baseline="0" strike="noStrike" sz="3200" b="0" cap="none" u="none">
+                <a:solidFill>
+                  <a:schemeClr val="lt1"/>
+                </a:solidFill>
+                <a:latin panose="" typeface="Arial"/>
+                <a:ea panose="" typeface="Arial"/>
+                <a:cs panose="" typeface="Arial"/>
+                <a:sym panose="" typeface="Arial"/>
+              </a:rPr>
+              <a:t> measuring techniques, we determined the rotations, scaling, and shifting amounts</a:t>
             </a:r>
           </a:p>
         </p:txBody>
@@ -21110,8 +21468,8 @@
         </p:nvSpPr>
         <p:spPr>
           <a:xfrm>
-            <a:off y="175925" x="495300"/>
-            <a:ext cy="411299" cx="8153399"/>
+            <a:off y="274637" x="457200"/>
+            <a:ext cy="1143000" cx="8229600"/>
           </a:xfrm>
           <a:prstGeom prst="rect">
             <a:avLst/>
@@ -21138,16 +21496,44 @@
               <a:buFont typeface="Arial"/>
             </a:pPr>
             <a:r>
-              <a:rPr i="0" baseline="0" strike="noStrike" sz="3950" b="0" cap="none" u="none">
+              <a:rPr sz="4800" b="0">
                 <a:solidFill>
                   <a:srgbClr val="FF9900"/>
                 </a:solidFill>
-                <a:latin panose="" typeface="Arial"/>
-                <a:ea panose="" typeface="Arial"/>
-                <a:cs panose="" typeface="Arial"/>
-                <a:sym panose="" typeface="Arial"/>
-              </a:rPr>
-              <a:t>Some REAL code</a:t>
+              </a:rPr>
+              <a:t>T</a:t>
+            </a:r>
+            <a:r>
+              <a:rPr i="0" baseline="0" strike="noStrike" sz="4800" b="0" cap="none" u="none">
+                <a:solidFill>
+                  <a:srgbClr val="FF9900"/>
+                </a:solidFill>
+                <a:latin panose="" typeface="Arial"/>
+                <a:ea panose="" typeface="Arial"/>
+                <a:cs panose="" typeface="Arial"/>
+                <a:sym panose="" typeface="Arial"/>
+              </a:rPr>
+              <a:t>ransformation </a:t>
+            </a:r>
+            <a:r>
+              <a:rPr sz="4800" b="0">
+                <a:solidFill>
+                  <a:srgbClr val="FF9900"/>
+                </a:solidFill>
+              </a:rPr>
+              <a:t>P</a:t>
+            </a:r>
+            <a:r>
+              <a:rPr i="0" baseline="0" strike="noStrike" sz="4800" b="0" cap="none" u="none">
+                <a:solidFill>
+                  <a:srgbClr val="FF9900"/>
+                </a:solidFill>
+                <a:latin panose="" typeface="Arial"/>
+                <a:ea panose="" typeface="Arial"/>
+                <a:cs panose="" typeface="Arial"/>
+                <a:sym panose="" typeface="Arial"/>
+              </a:rPr>
+              <a:t>seudocode</a:t>
             </a:r>
           </a:p>
         </p:txBody>
@@ -21156,12 +21542,14 @@
         <p:nvSpPr>
           <p:cNvPr name="Shape 169" id="169"/>
           <p:cNvSpPr/>
-          <p:nvPr/>
+          <p:nvPr>
+            <p:ph type="body" idx="1"/>
+          </p:nvPr>
         </p:nvSpPr>
         <p:spPr>
           <a:xfrm>
-            <a:off y="587225" x="335550"/>
-            <a:ext cy="5935199" cx="8682600"/>
+            <a:off y="1791250" x="457200"/>
+            <a:ext cy="4526100" cx="8229600"/>
           </a:xfrm>
           <a:prstGeom prst="rect">
             <a:avLst/>
@@ -21172,398 +21560,123 @@
           </a:ln>
         </p:spPr>
         <p:txBody>
-          <a:bodyPr bIns="91425" tIns="91425" lIns="91425" anchor="t" anchorCtr="0" rIns="91425">
+          <a:bodyPr bIns="45700" tIns="45700" lIns="91425" anchor="t" anchorCtr="0" rIns="91425">
             <a:spAutoFit/>
           </a:bodyPr>
           <a:lstStyle/>
           <a:p>
-            <a:pPr rtl="0" lvl="0"/>
-            <a:r>
-              <a:rPr sz="1200">
-                <a:solidFill>
-                  <a:srgbClr val="FFFFFF"/>
-                </a:solidFill>
-              </a:rPr>
-              <a:t>608 float Robot::_getNSTransX() {</a:t>
-            </a:r>
-          </a:p>
-          <a:p>
-            <a:pPr rtl="0" lvl="0"/>
-            <a:r>
-              <a:rPr sz="1200">
-                <a:solidFill>
-                  <a:srgbClr val="FFFFFF"/>
-                </a:solidFill>
-              </a:rPr>
-              <a:t>609 	float result;</a:t>
-            </a:r>
-          </a:p>
-          <a:p>
-            <a:pPr rtl="0" lvl="0"/>
-            <a:r>
-              <a:rPr sz="1200">
-                <a:solidFill>
-                  <a:srgbClr val="FFFFFF"/>
-                </a:solidFill>
-              </a:rPr>
-              <a:t>610 	int room = getRoom()-2; //Room IDs used to index transformation constants</a:t>
-            </a:r>
-          </a:p>
-          <a:p>
-            <a:pPr rtl="0" lvl="0"/>
-            <a:r>
-              <a:rPr sz="1200">
-                <a:solidFill>
-                  <a:srgbClr val="FFFFFF"/>
-                </a:solidFill>
-              </a:rPr>
-              <a:t>611 	float coords[2];</a:t>
-            </a:r>
-          </a:p>
-          <a:p>
-            <a:pPr rtl="0" lvl="0"/>
-            <a:r>
-              <a:rPr sz="1200">
-                <a:solidFill>
-                  <a:srgbClr val="FFFFFF"/>
-                </a:solidFill>
-              </a:rPr>
-              <a:t>612 	float transform[2];</a:t>
-            </a:r>
-          </a:p>
-          <a:p>
-            <a:pPr rtl="0" lvl="0"/>
-            <a:r>
-              <a:rPr sz="1200">
-                <a:solidFill>
-                  <a:srgbClr val="FFFFFF"/>
-                </a:solidFill>
-              </a:rPr>
-              <a:t>613 	float tempTheta;</a:t>
-            </a:r>
-          </a:p>
-          <a:p>
-            <a:pPr rtl="0" lvl="0"/>
-            <a:r>
-              <a:rPr sz="1200">
-                <a:solidFill>
-                  <a:srgbClr val="FFFFFF"/>
-                </a:solidFill>
-              </a:rPr>
-              <a:t>614</a:t>
-            </a:r>
-          </a:p>
-          <a:p>
-            <a:pPr rtl="0" lvl="0"/>
-            <a:r>
-              <a:rPr sz="1200">
-                <a:solidFill>
-                  <a:srgbClr val="FFFFFF"/>
-                </a:solidFill>
-              </a:rPr>
-              <a:t>615 	//Get NS data</a:t>
-            </a:r>
-          </a:p>
-          <a:p>
-            <a:pPr rtl="0" lvl="0"/>
-            <a:r>
-              <a:rPr sz="1200">
-                <a:solidFill>
-                  <a:srgbClr val="FFFFFF"/>
-                </a:solidFill>
-              </a:rPr>
-              <a:t>616 	coords[0] = _getNSX();</a:t>
-            </a:r>
-          </a:p>
-          <a:p>
-            <a:pPr rtl="0" lvl="0"/>
-            <a:r>
-              <a:rPr sz="1200">
-                <a:solidFill>
-                  <a:srgbClr val="FFFFFF"/>
-                </a:solidFill>
-              </a:rPr>
-              <a:t>617 	coords[1] = _getNSY();</a:t>
-            </a:r>
-          </a:p>
-          <a:p>
-            <a:pPr rtl="0" lvl="0"/>
-            <a:r>
-              <a:rPr sz="1200">
-                <a:solidFill>
-                  <a:srgbClr val="FFFFFF"/>
-                </a:solidFill>
-              </a:rPr>
-              <a:t>618</a:t>
-            </a:r>
-          </a:p>
-          <a:p>
-            <a:pPr rtl="0" lvl="0"/>
-            <a:r>
-              <a:rPr sz="1200">
-                <a:solidFill>
-                  <a:srgbClr val="FFFFFF"/>
-                </a:solidFill>
-              </a:rPr>
-              <a:t>619 	//Build rotation matrix</a:t>
-            </a:r>
-          </a:p>
-          <a:p>
-            <a:pPr rtl="0" lvl="0"/>
-            <a:r>
-              <a:rPr sz="1200">
-                <a:solidFill>
-                  <a:srgbClr val="FFFFFF"/>
-                </a:solidFill>
-              </a:rPr>
-              <a:t>620 	transform[0] = cos(ROOM_ROTATION[room]);</a:t>
-            </a:r>
-          </a:p>
-          <a:p>
-            <a:pPr rtl="0" lvl="0"/>
-            <a:r>
-              <a:rPr sz="1200">
-                <a:solidFill>
-                  <a:srgbClr val="FFFFFF"/>
-                </a:solidFill>
-              </a:rPr>
-              <a:t>621 	transform[1] = -sin(ROOM_ROTATION[room]);</a:t>
-            </a:r>
-          </a:p>
-          <a:p>
-            <a:pPr rtl="0" lvl="0"/>
-            <a:r>
-              <a:rPr sz="1200">
-                <a:solidFill>
-                  <a:srgbClr val="FFFFFF"/>
-                </a:solidFill>
-              </a:rPr>
-              <a:t>622</a:t>
-            </a:r>
-          </a:p>
-          <a:p>
-            <a:pPr rtl="0" lvl="0"/>
-            <a:r>
-              <a:rPr sz="1200">
-                <a:solidFill>
-                  <a:srgbClr val="FFFFFF"/>
-                </a:solidFill>
-              </a:rPr>
-              <a:t>623 	//Apply specific linear transformation to Room 2, to correct for theta skew</a:t>
-            </a:r>
-          </a:p>
-          <a:p>
-            <a:pPr rtl="0" lvl="0"/>
-            <a:r>
-              <a:rPr sz="1200">
-                <a:solidFill>
-                  <a:srgbClr val="FFFFFF"/>
-                </a:solidFill>
-              </a:rPr>
-              <a:t>624 	if (room == ROOM_2) {</a:t>
-            </a:r>
-          </a:p>
-          <a:p>
-            <a:pPr rtl="0" lvl="0"/>
-            <a:r>
-              <a:rPr sz="1200">
-                <a:solidFill>
-                  <a:srgbClr val="FFFFFF"/>
-                </a:solidFill>
-              </a:rPr>
-              <a:t>625     	tempTheta = .0000204488*coords[0] - .0804; //Linear fit from observed NS data</a:t>
-            </a:r>
-          </a:p>
-          <a:p>
-            <a:pPr rtl="0" lvl="0"/>
-            <a:r>
-              <a:rPr sz="1200">
-                <a:solidFill>
-                  <a:srgbClr val="FFFFFF"/>
-                </a:solidFill>
-              </a:rPr>
-              <a:t>626</a:t>
-            </a:r>
-          </a:p>
-          <a:p>
-            <a:pPr rtl="0" lvl="0"/>
-            <a:r>
-              <a:rPr sz="1200">
-                <a:solidFill>
-                  <a:srgbClr val="FFFFFF"/>
-                </a:solidFill>
-              </a:rPr>
-              <a:t>627     	transform[0] = cos(tempTheta);</a:t>
-            </a:r>
-          </a:p>
-          <a:p>
-            <a:pPr rtl="0" lvl="0"/>
-            <a:r>
-              <a:rPr sz="1200">
-                <a:solidFill>
-                  <a:srgbClr val="FFFFFF"/>
-                </a:solidFill>
-              </a:rPr>
-              <a:t>628     	transform[1] = -sin(tempTheta);</a:t>
-            </a:r>
-          </a:p>
-          <a:p>
-            <a:pPr rtl="0" lvl="0"/>
-            <a:r>
-              <a:rPr sz="1200">
-                <a:solidFill>
-                  <a:srgbClr val="FFFFFF"/>
-                </a:solidFill>
-              </a:rPr>
-              <a:t>629 	}</a:t>
-            </a:r>
-          </a:p>
-          <a:p>
-            <a:pPr rtl="0" lvl="0"/>
-            <a:r>
-              <a:rPr sz="1200">
-                <a:solidFill>
-                  <a:srgbClr val="FFFFFF"/>
-                </a:solidFill>
-              </a:rPr>
-              <a:t>630</a:t>
-            </a:r>
-          </a:p>
-          <a:p>
-            <a:pPr rtl="0" lvl="0"/>
-            <a:r>
-              <a:rPr sz="1200">
-                <a:solidFill>
-                  <a:srgbClr val="FFFFFF"/>
-                </a:solidFill>
-              </a:rPr>
-              <a:t>631 	//Perform matrix multiplication</a:t>
-            </a:r>
-          </a:p>
-          <a:p>
-            <a:pPr rtl="0" lvl="0"/>
-            <a:r>
-              <a:rPr sz="1200">
-                <a:solidFill>
-                  <a:srgbClr val="FFFFFF"/>
-                </a:solidFill>
-              </a:rPr>
-              <a:t>632 	Util::mMult(transform, 1, 2, coords, 2, 1, &amp;result);</a:t>
-            </a:r>
-          </a:p>
-          <a:p>
-            <a:pPr rtl="0" lvl="0"/>
-            <a:r>
-              <a:rPr sz="1200">
-                <a:solidFill>
-                  <a:srgbClr val="FFFFFF"/>
-                </a:solidFill>
-              </a:rPr>
-              <a:t>633</a:t>
-            </a:r>
-          </a:p>
-          <a:p>
-            <a:pPr rtl="0" lvl="0"/>
-            <a:r>
-              <a:rPr sz="1200">
-                <a:solidFill>
-                  <a:srgbClr val="FFFFFF"/>
-                </a:solidFill>
-              </a:rPr>
-              <a:t>634 	//Scale to centimeters</a:t>
-            </a:r>
-          </a:p>
-          <a:p>
-            <a:pPr rtl="0" lvl="0"/>
-            <a:r>
-              <a:rPr sz="1200">
-                <a:solidFill>
-                  <a:srgbClr val="FFFFFF"/>
-                </a:solidFill>
-              </a:rPr>
-              <a:t>635 	result /= ROOM_SCALE[room][0];</a:t>
-            </a:r>
-          </a:p>
-          <a:p>
-            <a:pPr rtl="0" lvl="0"/>
-            <a:r>
-              <a:rPr sz="1200">
-                <a:solidFill>
-                  <a:srgbClr val="FFFFFF"/>
-                </a:solidFill>
-              </a:rPr>
-              <a:t>636</a:t>
-            </a:r>
-          </a:p>
-          <a:p>
-            <a:pPr rtl="0" lvl="0"/>
-            <a:r>
-              <a:rPr sz="1200">
-                <a:solidFill>
-                  <a:srgbClr val="FFFFFF"/>
-                </a:solidFill>
-              </a:rPr>
-              <a:t>637 	//Shift to global coordinate zero</a:t>
-            </a:r>
-          </a:p>
-          <a:p>
-            <a:pPr rtl="0" lvl="0"/>
-            <a:r>
-              <a:rPr sz="1200">
-                <a:solidFill>
-                  <a:srgbClr val="FFFFFF"/>
-                </a:solidFill>
-              </a:rPr>
-              <a:t>638 	float roomShiftX = COL_OFFSET[0] + ROOM_ORIGINS_FROM_COL[room][0];</a:t>
-            </a:r>
-          </a:p>
-          <a:p>
-            <a:pPr rtl="0" lvl="0"/>
-            <a:r>
-              <a:rPr sz="1200">
-                <a:solidFill>
-                  <a:srgbClr val="FFFFFF"/>
-                </a:solidFill>
-              </a:rPr>
-              <a:t>639 	result += roomShiftX;</a:t>
-            </a:r>
-          </a:p>
-          <a:p>
-            <a:pPr rtl="0" lvl="0"/>
-            <a:r>
-              <a:rPr sz="1200">
-                <a:solidFill>
-                  <a:srgbClr val="FFFFFF"/>
-                </a:solidFill>
-              </a:rPr>
-              <a:t>640</a:t>
-            </a:r>
-          </a:p>
-          <a:p>
-            <a:pPr rtl="0" lvl="0"/>
-            <a:r>
-              <a:rPr sz="1200">
-                <a:solidFill>
-                  <a:srgbClr val="FFFFFF"/>
-                </a:solidFill>
-              </a:rPr>
-              <a:t>641 	return result;</a:t>
-            </a:r>
-          </a:p>
-          <a:p>
-            <a:pPr rtl="0" lvl="0"/>
-            <a:r>
-              <a:rPr sz="1200">
-                <a:solidFill>
-                  <a:srgbClr val="FFFFFF"/>
-                </a:solidFill>
-              </a:rPr>
-              <a:t>642 }</a:t>
+            <a:pPr indent="-342900" marR="0" algn="l" marL="342900" rtl="0" lvl="0">
+              <a:spcBef>
+                <a:spcPts val="640"/>
+              </a:spcBef>
+              <a:buClr>
+                <a:schemeClr val="dk1"/>
+              </a:buClr>
+              <a:buSzPct val="105555"/>
+              <a:buFont typeface="Arial"/>
+              <a:buChar char="•"/>
+            </a:pPr>
+            <a:r>
+              <a:rPr i="0" baseline="0" strike="noStrike" b="0" cap="none" u="none">
+                <a:solidFill>
+                  <a:srgbClr val="FFFFFF"/>
+                </a:solidFill>
+                <a:latin panose="" typeface="Arial"/>
+                <a:ea panose="" typeface="Arial"/>
+                <a:cs panose="" typeface="Arial"/>
+                <a:sym panose="" typeface="Arial"/>
+              </a:rPr>
+              <a:t>Get the filtered NS x and y values</a:t>
             </a:r>
           </a:p>
           <a:p>
             <a:r>
               <a:t/>
+            </a:r>
+          </a:p>
+          <a:p>
+            <a:pPr indent="-342900" marR="0" algn="l" marL="342900" rtl="0" lvl="0">
+              <a:spcBef>
+                <a:spcPts val="640"/>
+              </a:spcBef>
+              <a:buClr>
+                <a:schemeClr val="dk1"/>
+              </a:buClr>
+              <a:buSzPct val="105555"/>
+              <a:buFont typeface="Arial"/>
+              <a:buChar char="•"/>
+            </a:pPr>
+            <a:r>
+              <a:rPr i="0" baseline="0" strike="noStrike" b="0" cap="none" u="none">
+                <a:solidFill>
+                  <a:srgbClr val="FFFFFF"/>
+                </a:solidFill>
+                <a:latin panose="" typeface="Arial"/>
+                <a:ea panose="" typeface="Arial"/>
+                <a:cs panose="" typeface="Arial"/>
+                <a:sym panose="" typeface="Arial"/>
+              </a:rPr>
+              <a:t>Build the transformation matrix using the values obtained during measurement</a:t>
+            </a:r>
+          </a:p>
+          <a:p>
+            <a:r>
+              <a:t/>
+            </a:r>
+          </a:p>
+          <a:p>
+            <a:pPr indent="-342900" marR="0" algn="l" marL="342900" rtl="0" lvl="0">
+              <a:spcBef>
+                <a:spcPts val="640"/>
+              </a:spcBef>
+              <a:buClr>
+                <a:schemeClr val="dk1"/>
+              </a:buClr>
+              <a:buSzPct val="105555"/>
+              <a:buFont typeface="Arial"/>
+              <a:buChar char="•"/>
+            </a:pPr>
+            <a:r>
+              <a:rPr i="0" baseline="0" strike="noStrike" b="0" cap="none" u="none">
+                <a:solidFill>
+                  <a:srgbClr val="FFFFFF"/>
+                </a:solidFill>
+                <a:latin panose="" typeface="Arial"/>
+                <a:ea panose="" typeface="Arial"/>
+                <a:cs panose="" typeface="Arial"/>
+                <a:sym panose="" typeface="Arial"/>
+              </a:rPr>
+              <a:t>Matrix multiplication with the [x,y] values with the transformation matrix</a:t>
+            </a:r>
+          </a:p>
+          <a:p>
+            <a:r>
+              <a:t/>
+            </a:r>
+          </a:p>
+          <a:p>
+            <a:pPr indent="-342900" marR="0" algn="l" marL="342900" rtl="0" lvl="0">
+              <a:spcBef>
+                <a:spcPts val="640"/>
+              </a:spcBef>
+              <a:buClr>
+                <a:schemeClr val="dk1"/>
+              </a:buClr>
+              <a:buSzPct val="105555"/>
+              <a:buFont typeface="Arial"/>
+              <a:buChar char="•"/>
+            </a:pPr>
+            <a:r>
+              <a:rPr i="0" baseline="0" strike="noStrike" b="0" cap="none" u="none">
+                <a:solidFill>
+                  <a:srgbClr val="FFFFFF"/>
+                </a:solidFill>
+                <a:latin panose="" typeface="Arial"/>
+                <a:ea panose="" typeface="Arial"/>
+                <a:cs panose="" typeface="Arial"/>
+                <a:sym panose="" typeface="Arial"/>
+              </a:rPr>
+              <a:t>Scale the value to our global coordinates</a:t>
             </a:r>
           </a:p>
           <a:p>
@@ -21611,8 +21724,8 @@
         </p:nvSpPr>
         <p:spPr>
           <a:xfrm>
-            <a:off y="160012" x="457200"/>
-            <a:ext cy="1143000" cx="8229600"/>
+            <a:off y="175925" x="495300"/>
+            <a:ext cy="411299" cx="8153399"/>
           </a:xfrm>
           <a:prstGeom prst="rect">
             <a:avLst/>
@@ -21639,7 +21752,7 @@
               <a:buFont typeface="Arial"/>
             </a:pPr>
             <a:r>
-              <a:rPr i="0" baseline="0" strike="noStrike" sz="4400" b="0" cap="none" u="none">
+              <a:rPr i="0" baseline="0" strike="noStrike" sz="3950" b="0" cap="none" u="none">
                 <a:solidFill>
                   <a:srgbClr val="FF9900"/>
                 </a:solidFill>
@@ -21648,7 +21761,7 @@
                 <a:cs panose="" typeface="Arial"/>
                 <a:sym panose="" typeface="Arial"/>
               </a:rPr>
-              <a:t>Wheel encoder </a:t>
+              <a:t>Some REAL code</a:t>
             </a:r>
           </a:p>
         </p:txBody>
@@ -21657,14 +21770,12 @@
         <p:nvSpPr>
           <p:cNvPr name="Shape 175" id="175"/>
           <p:cNvSpPr/>
-          <p:nvPr>
-            <p:ph type="body" idx="1"/>
-          </p:nvPr>
+          <p:nvPr/>
         </p:nvSpPr>
         <p:spPr>
           <a:xfrm>
-            <a:off y="1600200" x="457200"/>
-            <a:ext cy="4525963" cx="8229600"/>
+            <a:off y="587225" x="335550"/>
+            <a:ext cy="5935199" cx="8682600"/>
           </a:xfrm>
           <a:prstGeom prst="rect">
             <a:avLst/>
@@ -21675,33 +21786,393 @@
           </a:ln>
         </p:spPr>
         <p:txBody>
-          <a:bodyPr bIns="45700" tIns="45700" lIns="91425" anchor="t" anchorCtr="0" rIns="91425">
+          <a:bodyPr bIns="91425" tIns="91425" lIns="91425" anchor="t" anchorCtr="0" rIns="91425">
             <a:spAutoFit/>
           </a:bodyPr>
           <a:lstStyle/>
           <a:p>
-            <a:pPr indent="-342900" marR="0" algn="l" marL="342900" rtl="0" lvl="0">
-              <a:spcBef>
-                <a:spcPts val="640"/>
-              </a:spcBef>
-              <a:buClr>
-                <a:schemeClr val="dk1"/>
-              </a:buClr>
-              <a:buSzPct val="131944"/>
-              <a:buFont typeface="Arial"/>
-              <a:buChar char="•"/>
-            </a:pPr>
-            <a:r>
-              <a:rPr i="0" baseline="0" strike="noStrike" sz="2400" b="0" cap="none" u="none">
-                <a:solidFill>
-                  <a:srgbClr val="FFFFFF"/>
-                </a:solidFill>
-                <a:latin panose="" typeface="Arial"/>
-                <a:ea panose="" typeface="Arial"/>
-                <a:cs panose="" typeface="Arial"/>
-                <a:sym panose="" typeface="Arial"/>
-              </a:rPr>
-              <a:t>Delta values are considered as opposed to entirely new positions like North Star</a:t>
+            <a:pPr rtl="0" lvl="0"/>
+            <a:r>
+              <a:rPr sz="1200">
+                <a:solidFill>
+                  <a:srgbClr val="FFFFFF"/>
+                </a:solidFill>
+              </a:rPr>
+              <a:t>608 float Robot::_getNSTransX() {</a:t>
+            </a:r>
+          </a:p>
+          <a:p>
+            <a:pPr rtl="0" lvl="0"/>
+            <a:r>
+              <a:rPr sz="1200">
+                <a:solidFill>
+                  <a:srgbClr val="FFFFFF"/>
+                </a:solidFill>
+              </a:rPr>
+              <a:t>609 	float result;</a:t>
+            </a:r>
+          </a:p>
+          <a:p>
+            <a:pPr rtl="0" lvl="0"/>
+            <a:r>
+              <a:rPr sz="1200">
+                <a:solidFill>
+                  <a:srgbClr val="FFFFFF"/>
+                </a:solidFill>
+              </a:rPr>
+              <a:t>610 	int room = getRoom()-2; //Room IDs used to index transformation constants</a:t>
+            </a:r>
+          </a:p>
+          <a:p>
+            <a:pPr rtl="0" lvl="0"/>
+            <a:r>
+              <a:rPr sz="1200">
+                <a:solidFill>
+                  <a:srgbClr val="FFFFFF"/>
+                </a:solidFill>
+              </a:rPr>
+              <a:t>611 	float coords[2];</a:t>
+            </a:r>
+          </a:p>
+          <a:p>
+            <a:pPr rtl="0" lvl="0"/>
+            <a:r>
+              <a:rPr sz="1200">
+                <a:solidFill>
+                  <a:srgbClr val="FFFFFF"/>
+                </a:solidFill>
+              </a:rPr>
+              <a:t>612 	float transform[2];</a:t>
+            </a:r>
+          </a:p>
+          <a:p>
+            <a:pPr rtl="0" lvl="0"/>
+            <a:r>
+              <a:rPr sz="1200">
+                <a:solidFill>
+                  <a:srgbClr val="FFFFFF"/>
+                </a:solidFill>
+              </a:rPr>
+              <a:t>613 	float tempTheta;</a:t>
+            </a:r>
+          </a:p>
+          <a:p>
+            <a:pPr rtl="0" lvl="0"/>
+            <a:r>
+              <a:rPr sz="1200">
+                <a:solidFill>
+                  <a:srgbClr val="FFFFFF"/>
+                </a:solidFill>
+              </a:rPr>
+              <a:t>614</a:t>
+            </a:r>
+          </a:p>
+          <a:p>
+            <a:pPr rtl="0" lvl="0"/>
+            <a:r>
+              <a:rPr sz="1200">
+                <a:solidFill>
+                  <a:srgbClr val="FFFFFF"/>
+                </a:solidFill>
+              </a:rPr>
+              <a:t>615 	//Get NS data</a:t>
+            </a:r>
+          </a:p>
+          <a:p>
+            <a:pPr rtl="0" lvl="0"/>
+            <a:r>
+              <a:rPr sz="1200">
+                <a:solidFill>
+                  <a:srgbClr val="FFFFFF"/>
+                </a:solidFill>
+              </a:rPr>
+              <a:t>616 	coords[0] = _getNSX();</a:t>
+            </a:r>
+          </a:p>
+          <a:p>
+            <a:pPr rtl="0" lvl="0"/>
+            <a:r>
+              <a:rPr sz="1200">
+                <a:solidFill>
+                  <a:srgbClr val="FFFFFF"/>
+                </a:solidFill>
+              </a:rPr>
+              <a:t>617 	coords[1] = _getNSY();</a:t>
+            </a:r>
+          </a:p>
+          <a:p>
+            <a:pPr rtl="0" lvl="0"/>
+            <a:r>
+              <a:rPr sz="1200">
+                <a:solidFill>
+                  <a:srgbClr val="FFFFFF"/>
+                </a:solidFill>
+              </a:rPr>
+              <a:t>618</a:t>
+            </a:r>
+          </a:p>
+          <a:p>
+            <a:pPr rtl="0" lvl="0"/>
+            <a:r>
+              <a:rPr sz="1200">
+                <a:solidFill>
+                  <a:srgbClr val="FFFFFF"/>
+                </a:solidFill>
+              </a:rPr>
+              <a:t>619 	//Build rotation matrix</a:t>
+            </a:r>
+          </a:p>
+          <a:p>
+            <a:pPr rtl="0" lvl="0"/>
+            <a:r>
+              <a:rPr sz="1200">
+                <a:solidFill>
+                  <a:srgbClr val="FFFFFF"/>
+                </a:solidFill>
+              </a:rPr>
+              <a:t>620 	transform[0] = cos(ROOM_ROTATION[room]);</a:t>
+            </a:r>
+          </a:p>
+          <a:p>
+            <a:pPr rtl="0" lvl="0"/>
+            <a:r>
+              <a:rPr sz="1200">
+                <a:solidFill>
+                  <a:srgbClr val="FFFFFF"/>
+                </a:solidFill>
+              </a:rPr>
+              <a:t>621 	transform[1] = -sin(ROOM_ROTATION[room]);</a:t>
+            </a:r>
+          </a:p>
+          <a:p>
+            <a:pPr rtl="0" lvl="0"/>
+            <a:r>
+              <a:rPr sz="1200">
+                <a:solidFill>
+                  <a:srgbClr val="FFFFFF"/>
+                </a:solidFill>
+              </a:rPr>
+              <a:t>622</a:t>
+            </a:r>
+          </a:p>
+          <a:p>
+            <a:pPr rtl="0" lvl="0"/>
+            <a:r>
+              <a:rPr sz="1200">
+                <a:solidFill>
+                  <a:srgbClr val="FFFFFF"/>
+                </a:solidFill>
+              </a:rPr>
+              <a:t>623 	//Apply specific linear transformation to Room 2, to correct for theta skew</a:t>
+            </a:r>
+          </a:p>
+          <a:p>
+            <a:pPr rtl="0" lvl="0"/>
+            <a:r>
+              <a:rPr sz="1200">
+                <a:solidFill>
+                  <a:srgbClr val="FFFFFF"/>
+                </a:solidFill>
+              </a:rPr>
+              <a:t>624 	if (room == ROOM_2) {</a:t>
+            </a:r>
+          </a:p>
+          <a:p>
+            <a:pPr rtl="0" lvl="0"/>
+            <a:r>
+              <a:rPr sz="1200">
+                <a:solidFill>
+                  <a:srgbClr val="FFFFFF"/>
+                </a:solidFill>
+              </a:rPr>
+              <a:t>625     	tempTheta = .0000204488*coords[0] - .0804; //Linear fit from observed NS data</a:t>
+            </a:r>
+          </a:p>
+          <a:p>
+            <a:pPr rtl="0" lvl="0"/>
+            <a:r>
+              <a:rPr sz="1200">
+                <a:solidFill>
+                  <a:srgbClr val="FFFFFF"/>
+                </a:solidFill>
+              </a:rPr>
+              <a:t>626</a:t>
+            </a:r>
+          </a:p>
+          <a:p>
+            <a:pPr rtl="0" lvl="0"/>
+            <a:r>
+              <a:rPr sz="1200">
+                <a:solidFill>
+                  <a:srgbClr val="FFFFFF"/>
+                </a:solidFill>
+              </a:rPr>
+              <a:t>627     	transform[0] = cos(tempTheta);</a:t>
+            </a:r>
+          </a:p>
+          <a:p>
+            <a:pPr rtl="0" lvl="0"/>
+            <a:r>
+              <a:rPr sz="1200">
+                <a:solidFill>
+                  <a:srgbClr val="FFFFFF"/>
+                </a:solidFill>
+              </a:rPr>
+              <a:t>628     	transform[1] = -sin(tempTheta);</a:t>
+            </a:r>
+          </a:p>
+          <a:p>
+            <a:pPr rtl="0" lvl="0"/>
+            <a:r>
+              <a:rPr sz="1200">
+                <a:solidFill>
+                  <a:srgbClr val="FFFFFF"/>
+                </a:solidFill>
+              </a:rPr>
+              <a:t>629 	}</a:t>
+            </a:r>
+          </a:p>
+          <a:p>
+            <a:pPr rtl="0" lvl="0"/>
+            <a:r>
+              <a:rPr sz="1200">
+                <a:solidFill>
+                  <a:srgbClr val="FFFFFF"/>
+                </a:solidFill>
+              </a:rPr>
+              <a:t>630</a:t>
+            </a:r>
+          </a:p>
+          <a:p>
+            <a:pPr rtl="0" lvl="0"/>
+            <a:r>
+              <a:rPr sz="1200">
+                <a:solidFill>
+                  <a:srgbClr val="FFFFFF"/>
+                </a:solidFill>
+              </a:rPr>
+              <a:t>631 	//Perform matrix multiplication</a:t>
+            </a:r>
+          </a:p>
+          <a:p>
+            <a:pPr rtl="0" lvl="0"/>
+            <a:r>
+              <a:rPr sz="1200">
+                <a:solidFill>
+                  <a:srgbClr val="FFFFFF"/>
+                </a:solidFill>
+              </a:rPr>
+              <a:t>632 	Util::mMult(transform, 1, 2, coords, 2, 1, &amp;result);</a:t>
+            </a:r>
+          </a:p>
+          <a:p>
+            <a:pPr rtl="0" lvl="0"/>
+            <a:r>
+              <a:rPr sz="1200">
+                <a:solidFill>
+                  <a:srgbClr val="FFFFFF"/>
+                </a:solidFill>
+              </a:rPr>
+              <a:t>633</a:t>
+            </a:r>
+          </a:p>
+          <a:p>
+            <a:pPr rtl="0" lvl="0"/>
+            <a:r>
+              <a:rPr sz="1200">
+                <a:solidFill>
+                  <a:srgbClr val="FFFFFF"/>
+                </a:solidFill>
+              </a:rPr>
+              <a:t>634 	//Scale to centimeters</a:t>
+            </a:r>
+          </a:p>
+          <a:p>
+            <a:pPr rtl="0" lvl="0"/>
+            <a:r>
+              <a:rPr sz="1200">
+                <a:solidFill>
+                  <a:srgbClr val="FFFFFF"/>
+                </a:solidFill>
+              </a:rPr>
+              <a:t>635 	result /= ROOM_SCALE[room][0];</a:t>
+            </a:r>
+          </a:p>
+          <a:p>
+            <a:pPr rtl="0" lvl="0"/>
+            <a:r>
+              <a:rPr sz="1200">
+                <a:solidFill>
+                  <a:srgbClr val="FFFFFF"/>
+                </a:solidFill>
+              </a:rPr>
+              <a:t>636</a:t>
+            </a:r>
+          </a:p>
+          <a:p>
+            <a:pPr rtl="0" lvl="0"/>
+            <a:r>
+              <a:rPr sz="1200">
+                <a:solidFill>
+                  <a:srgbClr val="FFFFFF"/>
+                </a:solidFill>
+              </a:rPr>
+              <a:t>637 	//Shift to global coordinate zero</a:t>
+            </a:r>
+          </a:p>
+          <a:p>
+            <a:pPr rtl="0" lvl="0"/>
+            <a:r>
+              <a:rPr sz="1200">
+                <a:solidFill>
+                  <a:srgbClr val="FFFFFF"/>
+                </a:solidFill>
+              </a:rPr>
+              <a:t>638 	float roomShiftX = COL_OFFSET[0] + ROOM_ORIGINS_FROM_COL[room][0];</a:t>
+            </a:r>
+          </a:p>
+          <a:p>
+            <a:pPr rtl="0" lvl="0"/>
+            <a:r>
+              <a:rPr sz="1200">
+                <a:solidFill>
+                  <a:srgbClr val="FFFFFF"/>
+                </a:solidFill>
+              </a:rPr>
+              <a:t>639 	result += roomShiftX;</a:t>
+            </a:r>
+          </a:p>
+          <a:p>
+            <a:pPr rtl="0" lvl="0"/>
+            <a:r>
+              <a:rPr sz="1200">
+                <a:solidFill>
+                  <a:srgbClr val="FFFFFF"/>
+                </a:solidFill>
+              </a:rPr>
+              <a:t>640</a:t>
+            </a:r>
+          </a:p>
+          <a:p>
+            <a:pPr rtl="0" lvl="0"/>
+            <a:r>
+              <a:rPr sz="1200">
+                <a:solidFill>
+                  <a:srgbClr val="FFFFFF"/>
+                </a:solidFill>
+              </a:rPr>
+              <a:t>641 	return result;</a:t>
+            </a:r>
+          </a:p>
+          <a:p>
+            <a:pPr rtl="0" lvl="0"/>
+            <a:r>
+              <a:rPr sz="1200">
+                <a:solidFill>
+                  <a:srgbClr val="FFFFFF"/>
+                </a:solidFill>
+              </a:rPr>
+              <a:t>642 }</a:t>
             </a:r>
           </a:p>
           <a:p>
@@ -21710,102 +22181,8 @@
             </a:r>
           </a:p>
           <a:p>
-            <a:pPr indent="-342900" marR="0" algn="l" marL="342900" rtl="0" lvl="0">
-              <a:lnSpc>
-                <a:spcPct val="100.00%"/>
-              </a:lnSpc>
-              <a:spcBef>
-                <a:spcPts val="640"/>
-              </a:spcBef>
-              <a:spcAft>
-                <a:spcPts val="0"/>
-              </a:spcAft>
-              <a:buClr>
-                <a:schemeClr val="dk1"/>
-              </a:buClr>
-              <a:buSzPct val="131944"/>
-              <a:buFont typeface="Arial"/>
-              <a:buChar char="•"/>
-            </a:pPr>
-            <a:r>
-              <a:rPr sz="2400">
-                <a:solidFill>
-                  <a:srgbClr val="FFFFFF"/>
-                </a:solidFill>
-              </a:rPr>
-              <a:t>Filtered d</a:t>
-            </a:r>
-            <a:r>
-              <a:rPr i="0" baseline="0" strike="noStrike" sz="2400" b="0" cap="none" u="none">
-                <a:solidFill>
-                  <a:srgbClr val="FFFFFF"/>
-                </a:solidFill>
-                <a:latin panose="" typeface="Arial"/>
-                <a:ea panose="" typeface="Arial"/>
-                <a:cs panose="" typeface="Arial"/>
-                <a:sym panose="" typeface="Arial"/>
-              </a:rPr>
-              <a:t>eltas for left, right, and rear wheels are taken and broken up into x, y, and theta deltas in terms of robot axis</a:t>
-            </a:r>
-          </a:p>
-          <a:p>
             <a:r>
               <a:t/>
-            </a:r>
-          </a:p>
-          <a:p>
-            <a:pPr indent="-342900" marR="0" algn="l" marL="342900" rtl="0" lvl="0">
-              <a:spcBef>
-                <a:spcPts val="640"/>
-              </a:spcBef>
-              <a:buClr>
-                <a:schemeClr val="dk1"/>
-              </a:buClr>
-              <a:buSzPct val="131944"/>
-              <a:buFont typeface="Arial"/>
-              <a:buChar char="•"/>
-            </a:pPr>
-            <a:r>
-              <a:rPr i="0" baseline="0" strike="noStrike" sz="2400" b="0" cap="none" u="none">
-                <a:solidFill>
-                  <a:srgbClr val="FFFFFF"/>
-                </a:solidFill>
-                <a:latin panose="" typeface="Arial"/>
-                <a:ea panose="" typeface="Arial"/>
-                <a:cs panose="" typeface="Arial"/>
-                <a:sym panose="" typeface="Arial"/>
-              </a:rPr>
-              <a:t>The x and y deltas are then transformed in terms of the global coordinate system</a:t>
-            </a:r>
-          </a:p>
-          <a:p>
-            <a:r>
-              <a:t/>
-            </a:r>
-          </a:p>
-          <a:p>
-            <a:pPr indent="-342900" marR="0" algn="l" marL="342900" rtl="0" lvl="0">
-              <a:spcBef>
-                <a:spcPts val="640"/>
-              </a:spcBef>
-              <a:buClr>
-                <a:schemeClr val="dk1"/>
-              </a:buClr>
-              <a:buSzPct val="131944"/>
-              <a:buFont typeface="Arial"/>
-              <a:buChar char="•"/>
-            </a:pPr>
-            <a:r>
-              <a:rPr i="0" baseline="0" strike="noStrike" sz="2400" b="0" cap="none" u="none">
-                <a:solidFill>
-                  <a:srgbClr val="FFFFFF"/>
-                </a:solidFill>
-                <a:latin panose="" typeface="Arial"/>
-                <a:ea panose="" typeface="Arial"/>
-                <a:cs panose="" typeface="Arial"/>
-                <a:sym panose="" typeface="Arial"/>
-              </a:rPr>
-              <a:t>These deltas are added to the previous global pose to get a new one</a:t>
             </a:r>
           </a:p>
         </p:txBody>
@@ -21848,6 +22225,243 @@
         </p:nvSpPr>
         <p:spPr>
           <a:xfrm>
+            <a:off y="160012" x="457200"/>
+            <a:ext cy="1143000" cx="8229600"/>
+          </a:xfrm>
+          <a:prstGeom prst="rect">
+            <a:avLst/>
+          </a:prstGeom>
+          <a:noFill/>
+          <a:ln>
+            <a:noFill/>
+          </a:ln>
+        </p:spPr>
+        <p:txBody>
+          <a:bodyPr bIns="45700" tIns="45700" lIns="91425" anchor="ctr" anchorCtr="0" rIns="91425">
+            <a:spAutoFit/>
+          </a:bodyPr>
+          <a:lstStyle/>
+          <a:p>
+            <a:pPr indent="0" marR="0" algn="ctr" marL="0" rtl="0" lvl="0">
+              <a:spcBef>
+                <a:spcPts val="0"/>
+              </a:spcBef>
+              <a:buClr>
+                <a:schemeClr val="dk1"/>
+              </a:buClr>
+              <a:buSzPct val="25000"/>
+              <a:buFont typeface="Arial"/>
+            </a:pPr>
+            <a:r>
+              <a:rPr i="0" baseline="0" strike="noStrike" sz="4400" b="0" cap="none" u="none">
+                <a:solidFill>
+                  <a:srgbClr val="FF9900"/>
+                </a:solidFill>
+                <a:latin panose="" typeface="Arial"/>
+                <a:ea panose="" typeface="Arial"/>
+                <a:cs panose="" typeface="Arial"/>
+                <a:sym panose="" typeface="Arial"/>
+              </a:rPr>
+              <a:t>Wheel encoder </a:t>
+            </a:r>
+          </a:p>
+        </p:txBody>
+      </p:sp>
+      <p:sp>
+        <p:nvSpPr>
+          <p:cNvPr name="Shape 181" id="181"/>
+          <p:cNvSpPr/>
+          <p:nvPr>
+            <p:ph type="body" idx="1"/>
+          </p:nvPr>
+        </p:nvSpPr>
+        <p:spPr>
+          <a:xfrm>
+            <a:off y="1600200" x="457200"/>
+            <a:ext cy="4525963" cx="8229600"/>
+          </a:xfrm>
+          <a:prstGeom prst="rect">
+            <a:avLst/>
+          </a:prstGeom>
+          <a:noFill/>
+          <a:ln>
+            <a:noFill/>
+          </a:ln>
+        </p:spPr>
+        <p:txBody>
+          <a:bodyPr bIns="45700" tIns="45700" lIns="91425" anchor="t" anchorCtr="0" rIns="91425">
+            <a:spAutoFit/>
+          </a:bodyPr>
+          <a:lstStyle/>
+          <a:p>
+            <a:pPr indent="-342900" marR="0" algn="l" marL="342900" rtl="0" lvl="0">
+              <a:spcBef>
+                <a:spcPts val="640"/>
+              </a:spcBef>
+              <a:buClr>
+                <a:schemeClr val="dk1"/>
+              </a:buClr>
+              <a:buSzPct val="131944"/>
+              <a:buFont typeface="Arial"/>
+              <a:buChar char="•"/>
+            </a:pPr>
+            <a:r>
+              <a:rPr i="0" baseline="0" strike="noStrike" sz="2400" b="0" cap="none" u="none">
+                <a:solidFill>
+                  <a:srgbClr val="FFFFFF"/>
+                </a:solidFill>
+                <a:latin panose="" typeface="Arial"/>
+                <a:ea panose="" typeface="Arial"/>
+                <a:cs panose="" typeface="Arial"/>
+                <a:sym panose="" typeface="Arial"/>
+              </a:rPr>
+              <a:t>Delta values are considered as opposed to entirely new positions like North Star</a:t>
+            </a:r>
+          </a:p>
+          <a:p>
+            <a:r>
+              <a:t/>
+            </a:r>
+          </a:p>
+          <a:p>
+            <a:pPr indent="-342900" marR="0" algn="l" marL="342900" rtl="0" lvl="0">
+              <a:lnSpc>
+                <a:spcPct val="100.00%"/>
+              </a:lnSpc>
+              <a:spcBef>
+                <a:spcPts val="640"/>
+              </a:spcBef>
+              <a:spcAft>
+                <a:spcPts val="0"/>
+              </a:spcAft>
+              <a:buClr>
+                <a:schemeClr val="dk1"/>
+              </a:buClr>
+              <a:buSzPct val="131944"/>
+              <a:buFont typeface="Arial"/>
+              <a:buChar char="•"/>
+            </a:pPr>
+            <a:r>
+              <a:rPr sz="2400">
+                <a:solidFill>
+                  <a:srgbClr val="FFFFFF"/>
+                </a:solidFill>
+              </a:rPr>
+              <a:t>Filtered d</a:t>
+            </a:r>
+            <a:r>
+              <a:rPr i="0" baseline="0" strike="noStrike" sz="2400" b="0" cap="none" u="none">
+                <a:solidFill>
+                  <a:srgbClr val="FFFFFF"/>
+                </a:solidFill>
+                <a:latin panose="" typeface="Arial"/>
+                <a:ea panose="" typeface="Arial"/>
+                <a:cs panose="" typeface="Arial"/>
+                <a:sym panose="" typeface="Arial"/>
+              </a:rPr>
+              <a:t>eltas for left, right, and rear wheels are taken and broken up into x, y, and theta deltas in terms of robot axis</a:t>
+            </a:r>
+          </a:p>
+          <a:p>
+            <a:r>
+              <a:t/>
+            </a:r>
+          </a:p>
+          <a:p>
+            <a:pPr indent="-342900" marR="0" algn="l" marL="342900" rtl="0" lvl="0">
+              <a:spcBef>
+                <a:spcPts val="640"/>
+              </a:spcBef>
+              <a:buClr>
+                <a:schemeClr val="dk1"/>
+              </a:buClr>
+              <a:buSzPct val="131944"/>
+              <a:buFont typeface="Arial"/>
+              <a:buChar char="•"/>
+            </a:pPr>
+            <a:r>
+              <a:rPr i="0" baseline="0" strike="noStrike" sz="2400" b="0" cap="none" u="none">
+                <a:solidFill>
+                  <a:srgbClr val="FFFFFF"/>
+                </a:solidFill>
+                <a:latin panose="" typeface="Arial"/>
+                <a:ea panose="" typeface="Arial"/>
+                <a:cs panose="" typeface="Arial"/>
+                <a:sym panose="" typeface="Arial"/>
+              </a:rPr>
+              <a:t>The x and y deltas are then transformed in terms of the global coordinate system</a:t>
+            </a:r>
+          </a:p>
+          <a:p>
+            <a:r>
+              <a:t/>
+            </a:r>
+          </a:p>
+          <a:p>
+            <a:pPr indent="-342900" marR="0" algn="l" marL="342900" rtl="0" lvl="0">
+              <a:spcBef>
+                <a:spcPts val="640"/>
+              </a:spcBef>
+              <a:buClr>
+                <a:schemeClr val="dk1"/>
+              </a:buClr>
+              <a:buSzPct val="131944"/>
+              <a:buFont typeface="Arial"/>
+              <a:buChar char="•"/>
+            </a:pPr>
+            <a:r>
+              <a:rPr i="0" baseline="0" strike="noStrike" sz="2400" b="0" cap="none" u="none">
+                <a:solidFill>
+                  <a:srgbClr val="FFFFFF"/>
+                </a:solidFill>
+                <a:latin panose="" typeface="Arial"/>
+                <a:ea panose="" typeface="Arial"/>
+                <a:cs panose="" typeface="Arial"/>
+                <a:sym panose="" typeface="Arial"/>
+              </a:rPr>
+              <a:t>These deltas are added to the previous global pose to get a new one</a:t>
+            </a:r>
+          </a:p>
+        </p:txBody>
+      </p:sp>
+    </p:spTree>
+  </p:cSld>
+  <p:clrMapOvr>
+    <a:masterClrMapping/>
+  </p:clrMapOvr>
+  <p:transition spd="slow">
+    <p:cut/>
+  </p:transition>
+</p:sld>
+</file>
+
+<file path=ppt/slides/slide9.xml><?xml version="1.0" encoding="utf-8"?>
+<p:sld xmlns:a="http://schemas.openxmlformats.org/drawingml/2006/main" xmlns:r="http://schemas.openxmlformats.org/officeDocument/2006/relationships" xmlns:mc="http://schemas.openxmlformats.org/markup-compatibility/2006" xmlns:mv="urn:schemas-microsoft-com:mac:vml" xmlns:p="http://schemas.openxmlformats.org/presentationml/2006/main" xmlns:c="http://schemas.openxmlformats.org/drawingml/2006/chart" xmlns:dgm="http://schemas.openxmlformats.org/drawingml/2006/diagram" xmlns:o="urn:schemas-microsoft-com:office:office" xmlns:v="urn:schemas-microsoft-com:vml" xmlns:pvml="urn:schemas-microsoft-com:office:powerpoint" xmlns:com="http://schemas.openxmlformats.org/drawingml/2006/compatibility" xmlns:p14="http://schemas.microsoft.com/office/powerpoint/2010/main">
+  <p:cSld>
+    <p:spTree>
+      <p:nvGrpSpPr>
+        <p:cNvPr name="Shape 185" id="185"/>
+        <p:cNvGrpSpPr/>
+        <p:nvPr/>
+      </p:nvGrpSpPr>
+      <p:grpSpPr>
+        <a:xfrm>
+          <a:off y="0" x="0"/>
+          <a:ext cy="0" cx="0"/>
+          <a:chOff y="0" x="0"/>
+          <a:chExt cy="0" cx="0"/>
+        </a:xfrm>
+      </p:grpSpPr>
+      <p:sp>
+        <p:nvSpPr>
+          <p:cNvPr name="Shape 186" id="186"/>
+          <p:cNvSpPr/>
+          <p:nvPr>
+            <p:ph type="title"/>
+          </p:nvPr>
+        </p:nvSpPr>
+        <p:spPr>
+          <a:xfrm>
             <a:off y="-207725" x="457200"/>
             <a:ext cy="1143000" cx="8229600"/>
           </a:xfrm>
@@ -21892,7 +22506,7 @@
       </p:sp>
       <p:sp>
         <p:nvSpPr>
-          <p:cNvPr name="Shape 181" id="181"/>
+          <p:cNvPr name="Shape 187" id="187"/>
           <p:cNvSpPr/>
           <p:nvPr>
             <p:ph type="body" idx="1"/>
@@ -22188,7 +22802,7 @@
       </p:sp>
       <p:sp>
         <p:nvSpPr>
-          <p:cNvPr name="Shape 182" id="182"/>
+          <p:cNvPr name="Shape 188" id="188"/>
           <p:cNvSpPr/>
           <p:nvPr/>
         </p:nvSpPr>
@@ -22418,559 +23032,7 @@
 </p:sld>
 </file>
 
-<file path=ppt/slides/slide9.xml><?xml version="1.0" encoding="utf-8"?>
-<p:sld xmlns:a="http://schemas.openxmlformats.org/drawingml/2006/main" xmlns:r="http://schemas.openxmlformats.org/officeDocument/2006/relationships" xmlns:mc="http://schemas.openxmlformats.org/markup-compatibility/2006" xmlns:mv="urn:schemas-microsoft-com:mac:vml" xmlns:p="http://schemas.openxmlformats.org/presentationml/2006/main" xmlns:c="http://schemas.openxmlformats.org/drawingml/2006/chart" xmlns:dgm="http://schemas.openxmlformats.org/drawingml/2006/diagram" xmlns:o="urn:schemas-microsoft-com:office:office" xmlns:v="urn:schemas-microsoft-com:vml" xmlns:pvml="urn:schemas-microsoft-com:office:powerpoint" xmlns:com="http://schemas.openxmlformats.org/drawingml/2006/compatibility" xmlns:p14="http://schemas.microsoft.com/office/powerpoint/2010/main">
-  <p:cSld>
-    <p:spTree>
-      <p:nvGrpSpPr>
-        <p:cNvPr name="Shape 186" id="186"/>
-        <p:cNvGrpSpPr/>
-        <p:nvPr/>
-      </p:nvGrpSpPr>
-      <p:grpSpPr>
-        <a:xfrm>
-          <a:off y="0" x="0"/>
-          <a:ext cy="0" cx="0"/>
-          <a:chOff y="0" x="0"/>
-          <a:chExt cy="0" cx="0"/>
-        </a:xfrm>
-      </p:grpSpPr>
-      <p:sp>
-        <p:nvSpPr>
-          <p:cNvPr name="Shape 187" id="187"/>
-          <p:cNvSpPr/>
-          <p:nvPr>
-            <p:ph type="title"/>
-          </p:nvPr>
-        </p:nvSpPr>
-        <p:spPr>
-          <a:xfrm>
-            <a:off y="274637" x="457200"/>
-            <a:ext cy="1143000" cx="8229600"/>
-          </a:xfrm>
-          <a:prstGeom prst="rect">
-            <a:avLst/>
-          </a:prstGeom>
-          <a:noFill/>
-          <a:ln>
-            <a:noFill/>
-          </a:ln>
-        </p:spPr>
-        <p:txBody>
-          <a:bodyPr bIns="45700" tIns="45700" lIns="91425" anchor="ctr" anchorCtr="0" rIns="91425">
-            <a:spAutoFit/>
-          </a:bodyPr>
-          <a:lstStyle/>
-          <a:p>
-            <a:pPr indent="0" marR="0" algn="ctr" marL="0" rtl="0" lvl="0">
-              <a:spcBef>
-                <a:spcPts val="0"/>
-              </a:spcBef>
-              <a:buClr>
-                <a:schemeClr val="dk1"/>
-              </a:buClr>
-              <a:buSzPct val="25000"/>
-              <a:buFont typeface="Arial"/>
-            </a:pPr>
-            <a:r>
-              <a:rPr i="0" baseline="0" strike="noStrike" sz="4400" b="0" cap="none" u="none">
-                <a:solidFill>
-                  <a:srgbClr val="FF9900"/>
-                </a:solidFill>
-                <a:latin panose="" typeface="Arial"/>
-                <a:ea panose="" typeface="Arial"/>
-                <a:cs panose="" typeface="Arial"/>
-                <a:sym panose="" typeface="Arial"/>
-              </a:rPr>
-              <a:t>Filtering Process</a:t>
-            </a:r>
-          </a:p>
-        </p:txBody>
-      </p:sp>
-      <p:sp>
-        <p:nvSpPr>
-          <p:cNvPr name="Shape 188" id="188"/>
-          <p:cNvSpPr/>
-          <p:nvPr>
-            <p:ph type="body" idx="1"/>
-          </p:nvPr>
-        </p:nvSpPr>
-        <p:spPr>
-          <a:xfrm>
-            <a:off y="1542900" x="533625"/>
-            <a:ext cy="4869899" cx="8229600"/>
-          </a:xfrm>
-          <a:prstGeom prst="rect">
-            <a:avLst/>
-          </a:prstGeom>
-          <a:noFill/>
-          <a:ln>
-            <a:noFill/>
-          </a:ln>
-        </p:spPr>
-        <p:txBody>
-          <a:bodyPr bIns="45700" tIns="45700" lIns="91425" anchor="t" anchorCtr="0" rIns="91425">
-            <a:spAutoFit/>
-          </a:bodyPr>
-          <a:lstStyle/>
-          <a:p>
-            <a:pPr marR="0" algn="l" rtl="0" lvl="0">
-              <a:spcBef>
-                <a:spcPts val="640"/>
-              </a:spcBef>
-              <a:buClr>
-                <a:schemeClr val="dk1"/>
-              </a:buClr>
-              <a:buSzPct val="63333"/>
-              <a:buFont typeface="Arial"/>
-            </a:pPr>
-            <a:r>
-              <a:rPr i="0" baseline="0" strike="noStrike" sz="2950" b="0" cap="none" u="none">
-                <a:latin panose="" typeface="Arial"/>
-                <a:ea panose="" typeface="Arial"/>
-                <a:cs panose="" typeface="Arial"/>
-                <a:sym panose="" typeface="Arial"/>
-              </a:rPr>
-              <a:t>A separate FIR filter exists for the following sensor values:</a:t>
-            </a:r>
-          </a:p>
-          <a:p>
-            <a:pPr indent="-330200" marR="0" algn="l" marL="800100" rtl="0" lvl="0">
-              <a:spcBef>
-                <a:spcPts val="560"/>
-              </a:spcBef>
-              <a:buClr>
-                <a:schemeClr val="dk1"/>
-              </a:buClr>
-              <a:buSzPct val="108974"/>
-              <a:buFont typeface="Arial"/>
-              <a:buChar char="•"/>
-            </a:pPr>
-            <a:r>
-              <a:rPr i="0" baseline="0" strike="noStrike" sz="2600" b="0" cap="none" u="none">
-                <a:solidFill>
-                  <a:srgbClr val="FFFFFF"/>
-                </a:solidFill>
-                <a:latin panose="" typeface="Arial"/>
-                <a:ea panose="" typeface="Arial"/>
-                <a:cs panose="" typeface="Arial"/>
-                <a:sym panose="" typeface="Arial"/>
-              </a:rPr>
-              <a:t>NS x</a:t>
-            </a:r>
-          </a:p>
-          <a:p>
-            <a:pPr indent="-330200" marR="0" algn="l" marL="800100" rtl="0" lvl="0">
-              <a:spcBef>
-                <a:spcPts val="560"/>
-              </a:spcBef>
-              <a:buClr>
-                <a:schemeClr val="dk1"/>
-              </a:buClr>
-              <a:buSzPct val="108974"/>
-              <a:buFont typeface="Arial"/>
-              <a:buChar char="•"/>
-            </a:pPr>
-            <a:r>
-              <a:rPr i="0" baseline="0" strike="noStrike" sz="2600" b="0" cap="none" u="none">
-                <a:solidFill>
-                  <a:srgbClr val="FFFFFF"/>
-                </a:solidFill>
-                <a:latin panose="" typeface="Arial"/>
-                <a:ea panose="" typeface="Arial"/>
-                <a:cs panose="" typeface="Arial"/>
-                <a:sym panose="" typeface="Arial"/>
-              </a:rPr>
-              <a:t>NS y</a:t>
-            </a:r>
-          </a:p>
-          <a:p>
-            <a:pPr indent="-330200" marR="0" algn="l" marL="800100" rtl="0" lvl="0">
-              <a:spcBef>
-                <a:spcPts val="560"/>
-              </a:spcBef>
-              <a:buClr>
-                <a:schemeClr val="dk1"/>
-              </a:buClr>
-              <a:buSzPct val="108974"/>
-              <a:buFont typeface="Arial"/>
-              <a:buChar char="•"/>
-            </a:pPr>
-            <a:r>
-              <a:rPr i="0" baseline="0" strike="noStrike" sz="2600" b="0" cap="none" u="none">
-                <a:solidFill>
-                  <a:srgbClr val="FFFFFF"/>
-                </a:solidFill>
-                <a:latin panose="" typeface="Arial"/>
-                <a:ea panose="" typeface="Arial"/>
-                <a:cs panose="" typeface="Arial"/>
-                <a:sym panose="" typeface="Arial"/>
-              </a:rPr>
-              <a:t>NS theta</a:t>
-            </a:r>
-          </a:p>
-          <a:p>
-            <a:pPr indent="-330200" marR="0" algn="l" marL="800100" rtl="0" lvl="0">
-              <a:spcBef>
-                <a:spcPts val="560"/>
-              </a:spcBef>
-              <a:buClr>
-                <a:schemeClr val="dk1"/>
-              </a:buClr>
-              <a:buSzPct val="108974"/>
-              <a:buFont typeface="Arial"/>
-              <a:buChar char="•"/>
-            </a:pPr>
-            <a:r>
-              <a:rPr i="0" baseline="0" strike="noStrike" sz="2600" b="0" cap="none" u="none">
-                <a:solidFill>
-                  <a:srgbClr val="FFFFFF"/>
-                </a:solidFill>
-                <a:latin panose="" typeface="Arial"/>
-                <a:ea panose="" typeface="Arial"/>
-                <a:cs panose="" typeface="Arial"/>
-                <a:sym panose="" typeface="Arial"/>
-              </a:rPr>
-              <a:t>WE wheels</a:t>
-            </a:r>
-          </a:p>
-          <a:p>
-            <a:pPr marR="0" algn="l" rtl="0" lvl="0">
-              <a:spcBef>
-                <a:spcPts val="640"/>
-              </a:spcBef>
-              <a:buClr>
-                <a:schemeClr val="dk1"/>
-              </a:buClr>
-              <a:buSzPct val="63333"/>
-              <a:buFont typeface="Arial"/>
-            </a:pPr>
-            <a:r>
-              <a:rPr i="0" baseline="0" strike="noStrike" sz="2950" b="0" cap="none" u="none">
-                <a:latin panose="" typeface="Arial"/>
-                <a:ea panose="" typeface="Arial"/>
-                <a:cs panose="" typeface="Arial"/>
-                <a:sym panose="" typeface="Arial"/>
-              </a:rPr>
-              <a:t>After research, 7-tap filters were chosen for all sensors except NS theta</a:t>
-            </a:r>
-          </a:p>
-          <a:p>
-            <a:pPr indent="-336550" marR="0" algn="l" marL="457200" rtl="0" lvl="0">
-              <a:spcBef>
-                <a:spcPts val="560"/>
-              </a:spcBef>
-              <a:buClr>
-                <a:schemeClr val="dk1"/>
-              </a:buClr>
-              <a:buSzPct val="118055"/>
-              <a:buFont typeface="Arial"/>
-              <a:buChar char="•"/>
-            </a:pPr>
-            <a:r>
-              <a:rPr i="0" baseline="0" strike="noStrike" sz="2400" b="0" cap="none" u="none">
-                <a:solidFill>
-                  <a:srgbClr val="FFFFFF"/>
-                </a:solidFill>
-                <a:latin panose="" typeface="Arial"/>
-                <a:ea panose="" typeface="Arial"/>
-                <a:cs panose="" typeface="Arial"/>
-                <a:sym panose="" typeface="Arial"/>
-              </a:rPr>
-              <a:t>Decided that theta was better off unfiltered, so a 1-tap filter with a coefficient of 1 was applied to make this explicit</a:t>
-            </a:r>
-          </a:p>
-        </p:txBody>
-      </p:sp>
-    </p:spTree>
-  </p:cSld>
-  <p:clrMapOvr>
-    <a:masterClrMapping/>
-  </p:clrMapOvr>
-  <p:transition spd="slow">
-    <p:cut/>
-  </p:transition>
-</p:sld>
-</file>
-
 <file path=ppt/theme/theme1.xml><?xml version="1.0" encoding="utf-8"?>
-<a:theme xmlns:a="http://schemas.openxmlformats.org/drawingml/2006/main" xmlns:r="http://schemas.openxmlformats.org/officeDocument/2006/relationships">
-  <a:themeElements>
-    <a:clrScheme name="Custom 129">
-      <a:dk1>
-        <a:srgbClr val="000000"/>
-      </a:dk1>
-      <a:lt1>
-        <a:srgbClr val="FFFFFF"/>
-      </a:lt1>
-      <a:dk2>
-        <a:srgbClr val="5956A7"/>
-      </a:dk2>
-      <a:lt2>
-        <a:srgbClr val="FED47D"/>
-      </a:lt2>
-      <a:accent1>
-        <a:srgbClr val="FF7500"/>
-      </a:accent1>
-      <a:accent2>
-        <a:srgbClr val="8B87FF"/>
-      </a:accent2>
-      <a:accent3>
-        <a:srgbClr val="BF8AC9"/>
-      </a:accent3>
-      <a:accent4>
-        <a:srgbClr val="A14141"/>
-      </a:accent4>
-      <a:accent5>
-        <a:srgbClr val="E06163"/>
-      </a:accent5>
-      <a:accent6>
-        <a:srgbClr val="BB8107"/>
-      </a:accent6>
-      <a:hlink>
-        <a:srgbClr val="FF7500"/>
-      </a:hlink>
-      <a:folHlink>
-        <a:srgbClr val="A7A7A7"/>
-      </a:folHlink>
-    </a:clrScheme>
-    <a:fontScheme name="Office">
-      <a:majorFont>
-        <a:latin typeface="Arial"/>
-        <a:ea typeface=""/>
-        <a:cs typeface=""/>
-        <a:font script="Jpan" typeface="ＭＳ Ｐゴシック"/>
-        <a:font script="Hang" typeface="맑은 고딕"/>
-        <a:font script="Hans" typeface="宋体"/>
-        <a:font script="Hant" typeface="新細明體"/>
-        <a:font script="Arab" typeface="Times New Roman"/>
-        <a:font script="Hebr" typeface="Times New Roman"/>
-        <a:font script="Thai" typeface="Angsana New"/>
-        <a:font script="Ethi" typeface="Nyala"/>
-        <a:font script="Beng" typeface="Vrinda"/>
-        <a:font script="Gujr" typeface="Shruti"/>
-        <a:font script="Khmr" typeface="MoolBoran"/>
-        <a:font script="Knda" typeface="Tunga"/>
-        <a:font script="Guru" typeface="Raavi"/>
-        <a:font script="Cans" typeface="Euphemia"/>
-        <a:font script="Cher" typeface="Plantagenet Cherokee"/>
-        <a:font script="Yiii" typeface="Microsoft Yi Baiti"/>
-        <a:font script="Tibt" typeface="Microsoft Himalaya"/>
-        <a:font script="Thaa" typeface="MV Boli"/>
-        <a:font script="Deva" typeface="Mangal"/>
-        <a:font script="Telu" typeface="Gautami"/>
-        <a:font script="Taml" typeface="Latha"/>
-        <a:font script="Syrc" typeface="Estrangelo Edessa"/>
-        <a:font script="Orya" typeface="Kalinga"/>
-        <a:font script="Mlym" typeface="Kartika"/>
-        <a:font script="Laoo" typeface="DokChampa"/>
-        <a:font script="Sinh" typeface="Iskoola Pota"/>
-        <a:font script="Mong" typeface="Mongolian Baiti"/>
-        <a:font script="Viet" typeface="Times New Roman"/>
-        <a:font script="Uigh" typeface="Microsoft Uighur"/>
-      </a:majorFont>
-      <a:minorFont>
-        <a:latin typeface="Arial"/>
-        <a:ea typeface=""/>
-        <a:cs typeface=""/>
-        <a:font script="Jpan" typeface="ＭＳ Ｐゴシック"/>
-        <a:font script="Hang" typeface="맑은 고딕"/>
-        <a:font script="Hans" typeface="宋体"/>
-        <a:font script="Hant" typeface="新細明體"/>
-        <a:font script="Arab" typeface="Arial"/>
-        <a:font script="Hebr" typeface="Arial"/>
-        <a:font script="Thai" typeface="Cordia New"/>
-        <a:font script="Ethi" typeface="Nyala"/>
-        <a:font script="Beng" typeface="Vrinda"/>
-        <a:font script="Gujr" typeface="Shruti"/>
-        <a:font script="Khmr" typeface="DaunPenh"/>
-        <a:font script="Knda" typeface="Tunga"/>
-        <a:font script="Guru" typeface="Raavi"/>
-        <a:font script="Cans" typeface="Euphemia"/>
-        <a:font script="Cher" typeface="Plantagenet Cherokee"/>
-        <a:font script="Yiii" typeface="Microsoft Yi Baiti"/>
-        <a:font script="Tibt" typeface="Microsoft Himalaya"/>
-        <a:font script="Thaa" typeface="MV Boli"/>
-        <a:font script="Deva" typeface="Mangal"/>
-        <a:font script="Telu" typeface="Gautami"/>
-        <a:font script="Taml" typeface="Latha"/>
-        <a:font script="Syrc" typeface="Estrangelo Edessa"/>
-        <a:font script="Orya" typeface="Kalinga"/>
-        <a:font script="Mlym" typeface="Kartika"/>
-        <a:font script="Laoo" typeface="DokChampa"/>
-        <a:font script="Sinh" typeface="Iskoola Pota"/>
-        <a:font script="Mong" typeface="Mongolian Baiti"/>
-        <a:font script="Viet" typeface="Arial"/>
-        <a:font script="Uigh" typeface="Microsoft Uighur"/>
-      </a:minorFont>
-    </a:fontScheme>
-    <a:fmtScheme name="Office">
-      <a:fillStyleLst>
-        <a:solidFill>
-          <a:schemeClr val="phClr"/>
-        </a:solidFill>
-        <a:gradFill rotWithShape="1">
-          <a:gsLst>
-            <a:gs pos="0">
-              <a:schemeClr val="phClr">
-                <a:tint val="50000"/>
-                <a:satMod val="300000"/>
-              </a:schemeClr>
-            </a:gs>
-            <a:gs pos="35000">
-              <a:schemeClr val="phClr">
-                <a:tint val="37000"/>
-                <a:satMod val="300000"/>
-              </a:schemeClr>
-            </a:gs>
-            <a:gs pos="100000">
-              <a:schemeClr val="phClr">
-                <a:tint val="15000"/>
-                <a:satMod val="350000"/>
-              </a:schemeClr>
-            </a:gs>
-          </a:gsLst>
-          <a:lin scaled="1" ang="16200000"/>
-        </a:gradFill>
-        <a:gradFill rotWithShape="1">
-          <a:gsLst>
-            <a:gs pos="0">
-              <a:schemeClr val="phClr">
-                <a:tint val="100000"/>
-                <a:shade val="100000"/>
-                <a:satMod val="130000"/>
-              </a:schemeClr>
-            </a:gs>
-            <a:gs pos="100000">
-              <a:schemeClr val="phClr">
-                <a:tint val="50000"/>
-                <a:shade val="100000"/>
-                <a:satMod val="350000"/>
-              </a:schemeClr>
-            </a:gs>
-          </a:gsLst>
-          <a:lin scaled="0" ang="16200000"/>
-        </a:gradFill>
-      </a:fillStyleLst>
-      <a:lnStyleLst>
-        <a:ln w="9525" cap="flat" cmpd="sng" algn="ctr">
-          <a:solidFill>
-            <a:schemeClr val="phClr">
-              <a:shade val="95000"/>
-              <a:satMod val="105000"/>
-            </a:schemeClr>
-          </a:solidFill>
-          <a:prstDash val="solid"/>
-        </a:ln>
-        <a:ln w="25400" cap="flat" cmpd="sng" algn="ctr">
-          <a:solidFill>
-            <a:schemeClr val="phClr"/>
-          </a:solidFill>
-          <a:prstDash val="solid"/>
-        </a:ln>
-        <a:ln w="38100" cap="flat" cmpd="sng" algn="ctr">
-          <a:solidFill>
-            <a:schemeClr val="phClr"/>
-          </a:solidFill>
-          <a:prstDash val="solid"/>
-        </a:ln>
-      </a:lnStyleLst>
-      <a:effectStyleLst>
-        <a:effectStyle>
-          <a:effectLst>
-            <a:outerShdw rotWithShape="0" dir="5400000" dist="20000" blurRad="40000">
-              <a:srgbClr val="000000">
-                <a:alpha val="38000"/>
-              </a:srgbClr>
-            </a:outerShdw>
-          </a:effectLst>
-        </a:effectStyle>
-        <a:effectStyle>
-          <a:effectLst>
-            <a:outerShdw rotWithShape="0" dir="5400000" dist="23000" blurRad="40000">
-              <a:srgbClr val="000000">
-                <a:alpha val="35000"/>
-              </a:srgbClr>
-            </a:outerShdw>
-          </a:effectLst>
-        </a:effectStyle>
-        <a:effectStyle>
-          <a:effectLst>
-            <a:outerShdw rotWithShape="0" dir="5400000" dist="23000" blurRad="40000">
-              <a:srgbClr val="000000">
-                <a:alpha val="35000"/>
-              </a:srgbClr>
-            </a:outerShdw>
-          </a:effectLst>
-          <a:scene3d>
-            <a:camera prst="orthographicFront">
-              <a:rot rev="0" lat="0" lon="0"/>
-            </a:camera>
-            <a:lightRig rig="threePt" dir="t">
-              <a:rot rev="1200000" lat="0" lon="0"/>
-            </a:lightRig>
-          </a:scene3d>
-          <a:sp3d>
-            <a:bevelT w="63500" h="25400"/>
-          </a:sp3d>
-        </a:effectStyle>
-      </a:effectStyleLst>
-      <a:bgFillStyleLst>
-        <a:solidFill>
-          <a:schemeClr val="phClr"/>
-        </a:solidFill>
-        <a:gradFill rotWithShape="1">
-          <a:gsLst>
-            <a:gs pos="0">
-              <a:schemeClr val="phClr">
-                <a:tint val="40000"/>
-                <a:satMod val="350000"/>
-              </a:schemeClr>
-            </a:gs>
-            <a:gs pos="40000">
-              <a:schemeClr val="phClr">
-                <a:tint val="45000"/>
-                <a:shade val="99000"/>
-                <a:satMod val="350000"/>
-              </a:schemeClr>
-            </a:gs>
-            <a:gs pos="100000">
-              <a:schemeClr val="phClr">
-                <a:shade val="20000"/>
-                <a:satMod val="255000"/>
-              </a:schemeClr>
-            </a:gs>
-          </a:gsLst>
-          <a:path path="circle">
-            <a:fillToRect b="180000" l="50000" t="-80000" r="50000"/>
-          </a:path>
-        </a:gradFill>
-        <a:gradFill rotWithShape="1">
-          <a:gsLst>
-            <a:gs pos="0">
-              <a:schemeClr val="phClr">
-                <a:tint val="80000"/>
-                <a:satMod val="300000"/>
-              </a:schemeClr>
-            </a:gs>
-            <a:gs pos="100000">
-              <a:schemeClr val="phClr">
-                <a:shade val="30000"/>
-                <a:satMod val="200000"/>
-              </a:schemeClr>
-            </a:gs>
-          </a:gsLst>
-          <a:path path="circle">
-            <a:fillToRect b="50000" l="50000" t="50000" r="50000"/>
-          </a:path>
-        </a:gradFill>
-      </a:bgFillStyleLst>
-    </a:fmtScheme>
-  </a:themeElements>
-</a:theme>
-</file>
-
-<file path=ppt/theme/theme2.xml><?xml version="1.0" encoding="utf-8"?>
 <a:theme xmlns:a="http://schemas.openxmlformats.org/drawingml/2006/main" xmlns:r="http://schemas.openxmlformats.org/officeDocument/2006/relationships">
   <a:themeElements>
     <a:clrScheme name="Default">
@@ -23247,7 +23309,7 @@
 </a:theme>
 </file>
 
-<file path=ppt/theme/theme3.xml><?xml version="1.0" encoding="utf-8"?>
+<file path=ppt/theme/theme2.xml><?xml version="1.0" encoding="utf-8"?>
 <a:theme xmlns:a="http://schemas.openxmlformats.org/drawingml/2006/main" xmlns:r="http://schemas.openxmlformats.org/officeDocument/2006/relationships">
   <a:themeElements>
     <a:clrScheme name="Office">
@@ -23286,6 +23348,283 @@
       </a:hlink>
       <a:folHlink>
         <a:srgbClr val="800080"/>
+      </a:folHlink>
+    </a:clrScheme>
+    <a:fontScheme name="Office">
+      <a:majorFont>
+        <a:latin typeface="Arial"/>
+        <a:ea typeface=""/>
+        <a:cs typeface=""/>
+        <a:font script="Jpan" typeface="ＭＳ Ｐゴシック"/>
+        <a:font script="Hang" typeface="맑은 고딕"/>
+        <a:font script="Hans" typeface="宋体"/>
+        <a:font script="Hant" typeface="新細明體"/>
+        <a:font script="Arab" typeface="Times New Roman"/>
+        <a:font script="Hebr" typeface="Times New Roman"/>
+        <a:font script="Thai" typeface="Angsana New"/>
+        <a:font script="Ethi" typeface="Nyala"/>
+        <a:font script="Beng" typeface="Vrinda"/>
+        <a:font script="Gujr" typeface="Shruti"/>
+        <a:font script="Khmr" typeface="MoolBoran"/>
+        <a:font script="Knda" typeface="Tunga"/>
+        <a:font script="Guru" typeface="Raavi"/>
+        <a:font script="Cans" typeface="Euphemia"/>
+        <a:font script="Cher" typeface="Plantagenet Cherokee"/>
+        <a:font script="Yiii" typeface="Microsoft Yi Baiti"/>
+        <a:font script="Tibt" typeface="Microsoft Himalaya"/>
+        <a:font script="Thaa" typeface="MV Boli"/>
+        <a:font script="Deva" typeface="Mangal"/>
+        <a:font script="Telu" typeface="Gautami"/>
+        <a:font script="Taml" typeface="Latha"/>
+        <a:font script="Syrc" typeface="Estrangelo Edessa"/>
+        <a:font script="Orya" typeface="Kalinga"/>
+        <a:font script="Mlym" typeface="Kartika"/>
+        <a:font script="Laoo" typeface="DokChampa"/>
+        <a:font script="Sinh" typeface="Iskoola Pota"/>
+        <a:font script="Mong" typeface="Mongolian Baiti"/>
+        <a:font script="Viet" typeface="Times New Roman"/>
+        <a:font script="Uigh" typeface="Microsoft Uighur"/>
+      </a:majorFont>
+      <a:minorFont>
+        <a:latin typeface="Arial"/>
+        <a:ea typeface=""/>
+        <a:cs typeface=""/>
+        <a:font script="Jpan" typeface="ＭＳ Ｐゴシック"/>
+        <a:font script="Hang" typeface="맑은 고딕"/>
+        <a:font script="Hans" typeface="宋体"/>
+        <a:font script="Hant" typeface="新細明體"/>
+        <a:font script="Arab" typeface="Arial"/>
+        <a:font script="Hebr" typeface="Arial"/>
+        <a:font script="Thai" typeface="Cordia New"/>
+        <a:font script="Ethi" typeface="Nyala"/>
+        <a:font script="Beng" typeface="Vrinda"/>
+        <a:font script="Gujr" typeface="Shruti"/>
+        <a:font script="Khmr" typeface="DaunPenh"/>
+        <a:font script="Knda" typeface="Tunga"/>
+        <a:font script="Guru" typeface="Raavi"/>
+        <a:font script="Cans" typeface="Euphemia"/>
+        <a:font script="Cher" typeface="Plantagenet Cherokee"/>
+        <a:font script="Yiii" typeface="Microsoft Yi Baiti"/>
+        <a:font script="Tibt" typeface="Microsoft Himalaya"/>
+        <a:font script="Thaa" typeface="MV Boli"/>
+        <a:font script="Deva" typeface="Mangal"/>
+        <a:font script="Telu" typeface="Gautami"/>
+        <a:font script="Taml" typeface="Latha"/>
+        <a:font script="Syrc" typeface="Estrangelo Edessa"/>
+        <a:font script="Orya" typeface="Kalinga"/>
+        <a:font script="Mlym" typeface="Kartika"/>
+        <a:font script="Laoo" typeface="DokChampa"/>
+        <a:font script="Sinh" typeface="Iskoola Pota"/>
+        <a:font script="Mong" typeface="Mongolian Baiti"/>
+        <a:font script="Viet" typeface="Arial"/>
+        <a:font script="Uigh" typeface="Microsoft Uighur"/>
+      </a:minorFont>
+    </a:fontScheme>
+    <a:fmtScheme name="Office">
+      <a:fillStyleLst>
+        <a:solidFill>
+          <a:schemeClr val="phClr"/>
+        </a:solidFill>
+        <a:gradFill rotWithShape="1">
+          <a:gsLst>
+            <a:gs pos="0">
+              <a:schemeClr val="phClr">
+                <a:tint val="50000"/>
+                <a:satMod val="300000"/>
+              </a:schemeClr>
+            </a:gs>
+            <a:gs pos="35000">
+              <a:schemeClr val="phClr">
+                <a:tint val="37000"/>
+                <a:satMod val="300000"/>
+              </a:schemeClr>
+            </a:gs>
+            <a:gs pos="100000">
+              <a:schemeClr val="phClr">
+                <a:tint val="15000"/>
+                <a:satMod val="350000"/>
+              </a:schemeClr>
+            </a:gs>
+          </a:gsLst>
+          <a:lin scaled="1" ang="16200000"/>
+        </a:gradFill>
+        <a:gradFill rotWithShape="1">
+          <a:gsLst>
+            <a:gs pos="0">
+              <a:schemeClr val="phClr">
+                <a:tint val="100000"/>
+                <a:shade val="100000"/>
+                <a:satMod val="130000"/>
+              </a:schemeClr>
+            </a:gs>
+            <a:gs pos="100000">
+              <a:schemeClr val="phClr">
+                <a:tint val="50000"/>
+                <a:shade val="100000"/>
+                <a:satMod val="350000"/>
+              </a:schemeClr>
+            </a:gs>
+          </a:gsLst>
+          <a:lin scaled="0" ang="16200000"/>
+        </a:gradFill>
+      </a:fillStyleLst>
+      <a:lnStyleLst>
+        <a:ln w="9525" cap="flat" cmpd="sng" algn="ctr">
+          <a:solidFill>
+            <a:schemeClr val="phClr">
+              <a:shade val="95000"/>
+              <a:satMod val="105000"/>
+            </a:schemeClr>
+          </a:solidFill>
+          <a:prstDash val="solid"/>
+        </a:ln>
+        <a:ln w="25400" cap="flat" cmpd="sng" algn="ctr">
+          <a:solidFill>
+            <a:schemeClr val="phClr"/>
+          </a:solidFill>
+          <a:prstDash val="solid"/>
+        </a:ln>
+        <a:ln w="38100" cap="flat" cmpd="sng" algn="ctr">
+          <a:solidFill>
+            <a:schemeClr val="phClr"/>
+          </a:solidFill>
+          <a:prstDash val="solid"/>
+        </a:ln>
+      </a:lnStyleLst>
+      <a:effectStyleLst>
+        <a:effectStyle>
+          <a:effectLst>
+            <a:outerShdw rotWithShape="0" dir="5400000" dist="20000" blurRad="40000">
+              <a:srgbClr val="000000">
+                <a:alpha val="38000"/>
+              </a:srgbClr>
+            </a:outerShdw>
+          </a:effectLst>
+        </a:effectStyle>
+        <a:effectStyle>
+          <a:effectLst>
+            <a:outerShdw rotWithShape="0" dir="5400000" dist="23000" blurRad="40000">
+              <a:srgbClr val="000000">
+                <a:alpha val="35000"/>
+              </a:srgbClr>
+            </a:outerShdw>
+          </a:effectLst>
+        </a:effectStyle>
+        <a:effectStyle>
+          <a:effectLst>
+            <a:outerShdw rotWithShape="0" dir="5400000" dist="23000" blurRad="40000">
+              <a:srgbClr val="000000">
+                <a:alpha val="35000"/>
+              </a:srgbClr>
+            </a:outerShdw>
+          </a:effectLst>
+          <a:scene3d>
+            <a:camera prst="orthographicFront">
+              <a:rot rev="0" lat="0" lon="0"/>
+            </a:camera>
+            <a:lightRig rig="threePt" dir="t">
+              <a:rot rev="1200000" lat="0" lon="0"/>
+            </a:lightRig>
+          </a:scene3d>
+          <a:sp3d>
+            <a:bevelT w="63500" h="25400"/>
+          </a:sp3d>
+        </a:effectStyle>
+      </a:effectStyleLst>
+      <a:bgFillStyleLst>
+        <a:solidFill>
+          <a:schemeClr val="phClr"/>
+        </a:solidFill>
+        <a:gradFill rotWithShape="1">
+          <a:gsLst>
+            <a:gs pos="0">
+              <a:schemeClr val="phClr">
+                <a:tint val="40000"/>
+                <a:satMod val="350000"/>
+              </a:schemeClr>
+            </a:gs>
+            <a:gs pos="40000">
+              <a:schemeClr val="phClr">
+                <a:tint val="45000"/>
+                <a:shade val="99000"/>
+                <a:satMod val="350000"/>
+              </a:schemeClr>
+            </a:gs>
+            <a:gs pos="100000">
+              <a:schemeClr val="phClr">
+                <a:shade val="20000"/>
+                <a:satMod val="255000"/>
+              </a:schemeClr>
+            </a:gs>
+          </a:gsLst>
+          <a:path path="circle">
+            <a:fillToRect b="180000" l="50000" t="-80000" r="50000"/>
+          </a:path>
+        </a:gradFill>
+        <a:gradFill rotWithShape="1">
+          <a:gsLst>
+            <a:gs pos="0">
+              <a:schemeClr val="phClr">
+                <a:tint val="80000"/>
+                <a:satMod val="300000"/>
+              </a:schemeClr>
+            </a:gs>
+            <a:gs pos="100000">
+              <a:schemeClr val="phClr">
+                <a:shade val="30000"/>
+                <a:satMod val="200000"/>
+              </a:schemeClr>
+            </a:gs>
+          </a:gsLst>
+          <a:path path="circle">
+            <a:fillToRect b="50000" l="50000" t="50000" r="50000"/>
+          </a:path>
+        </a:gradFill>
+      </a:bgFillStyleLst>
+    </a:fmtScheme>
+  </a:themeElements>
+</a:theme>
+</file>
+
+<file path=ppt/theme/theme3.xml><?xml version="1.0" encoding="utf-8"?>
+<a:theme xmlns:a="http://schemas.openxmlformats.org/drawingml/2006/main" xmlns:r="http://schemas.openxmlformats.org/officeDocument/2006/relationships">
+  <a:themeElements>
+    <a:clrScheme name="Custom 129">
+      <a:dk1>
+        <a:srgbClr val="000000"/>
+      </a:dk1>
+      <a:lt1>
+        <a:srgbClr val="FFFFFF"/>
+      </a:lt1>
+      <a:dk2>
+        <a:srgbClr val="5956A7"/>
+      </a:dk2>
+      <a:lt2>
+        <a:srgbClr val="FED47D"/>
+      </a:lt2>
+      <a:accent1>
+        <a:srgbClr val="FF7500"/>
+      </a:accent1>
+      <a:accent2>
+        <a:srgbClr val="8B87FF"/>
+      </a:accent2>
+      <a:accent3>
+        <a:srgbClr val="BF8AC9"/>
+      </a:accent3>
+      <a:accent4>
+        <a:srgbClr val="A14141"/>
+      </a:accent4>
+      <a:accent5>
+        <a:srgbClr val="E06163"/>
+      </a:accent5>
+      <a:accent6>
+        <a:srgbClr val="BB8107"/>
+      </a:accent6>
+      <a:hlink>
+        <a:srgbClr val="FF7500"/>
+      </a:hlink>
+      <a:folHlink>
+        <a:srgbClr val="A7A7A7"/>
       </a:folHlink>
     </a:clrScheme>
     <a:fontScheme name="Office">
